--- a/PPT/Class period 3.pptx
+++ b/PPT/Class period 3.pptx
@@ -216,9 +216,9 @@
             </a:lvl1pPr>
           </a:lstStyle>
           <a:p>
-            <a:fld id="{4CA2D5AB-11DB-4491-BBFF-6A61AD100E32}" type="datetimeFigureOut">
+            <a:fld id="{4CA0FE82-2A25-4972-BCAA-506A7135EA1B}" type="datetimeFigureOut">
               <a:rPr lang="en-US" smtClean="0"/>
-              <a:t>4/20/2024</a:t>
+              <a:t>5/15/2024</a:t>
             </a:fld>
             <a:endParaRPr lang="en-US"/>
           </a:p>
@@ -374,7 +374,7 @@
             </a:lvl1pPr>
           </a:lstStyle>
           <a:p>
-            <a:fld id="{B72029E4-D94C-4317-8B08-63004C973C4E}" type="slidenum">
+            <a:fld id="{7E50517E-EB80-4787-952B-F9923657C61C}" type="slidenum">
               <a:rPr lang="en-US" smtClean="0"/>
               <a:t>‹#›</a:t>
             </a:fld>
@@ -385,7 +385,7 @@
     </p:spTree>
     <p:extLst>
       <p:ext uri="{BB962C8B-B14F-4D97-AF65-F5344CB8AC3E}">
-        <p14:creationId xmlns:p14="http://schemas.microsoft.com/office/powerpoint/2010/main" val="1553562239"/>
+        <p14:creationId xmlns:p14="http://schemas.microsoft.com/office/powerpoint/2010/main" val="57888296"/>
       </p:ext>
     </p:extLst>
   </p:cSld>
@@ -591,7 +591,7 @@
           <p:cNvPr id="2" name="Title 1">
             <a:extLst>
               <a:ext uri="{FF2B5EF4-FFF2-40B4-BE49-F238E27FC236}">
-                <a16:creationId xmlns:a16="http://schemas.microsoft.com/office/drawing/2014/main" id="{102201F3-A514-8354-6B3F-E19145D884C9}"/>
+                <a16:creationId xmlns:a16="http://schemas.microsoft.com/office/drawing/2014/main" id="{BD319939-7A41-6C2B-8414-3A45F88EC363}"/>
               </a:ext>
             </a:extLst>
           </p:cNvPr>
@@ -628,7 +628,7 @@
           <p:cNvPr id="3" name="Subtitle 2">
             <a:extLst>
               <a:ext uri="{FF2B5EF4-FFF2-40B4-BE49-F238E27FC236}">
-                <a16:creationId xmlns:a16="http://schemas.microsoft.com/office/drawing/2014/main" id="{177747FA-9052-8B2B-9CC8-29490333EF1C}"/>
+                <a16:creationId xmlns:a16="http://schemas.microsoft.com/office/drawing/2014/main" id="{A23B0AEE-FA53-1D79-D6AE-B70FC2F1ED8D}"/>
               </a:ext>
             </a:extLst>
           </p:cNvPr>
@@ -698,7 +698,7 @@
           <p:cNvPr id="4" name="Date Placeholder 3">
             <a:extLst>
               <a:ext uri="{FF2B5EF4-FFF2-40B4-BE49-F238E27FC236}">
-                <a16:creationId xmlns:a16="http://schemas.microsoft.com/office/drawing/2014/main" id="{DB5CF58E-4A34-366E-26E2-45E1C3F8C1AC}"/>
+                <a16:creationId xmlns:a16="http://schemas.microsoft.com/office/drawing/2014/main" id="{62189A37-AD6E-99DB-E2E4-6419C2D0BBE8}"/>
               </a:ext>
             </a:extLst>
           </p:cNvPr>
@@ -714,9 +714,9 @@
           <a:bodyPr/>
           <a:lstStyle/>
           <a:p>
-            <a:fld id="{BB5559F7-9BE3-491D-93B3-694238E55AF9}" type="datetimeFigureOut">
+            <a:fld id="{A4CC57BC-ABD5-4BB1-9517-CAB610235852}" type="datetimeFigureOut">
               <a:rPr lang="en-US" smtClean="0"/>
-              <a:t>4/20/2024</a:t>
+              <a:t>5/15/2024</a:t>
             </a:fld>
             <a:endParaRPr lang="en-US"/>
           </a:p>
@@ -727,7 +727,7 @@
           <p:cNvPr id="5" name="Footer Placeholder 4">
             <a:extLst>
               <a:ext uri="{FF2B5EF4-FFF2-40B4-BE49-F238E27FC236}">
-                <a16:creationId xmlns:a16="http://schemas.microsoft.com/office/drawing/2014/main" id="{BD648FDE-E5E5-7020-C2B7-2FB465E5907A}"/>
+                <a16:creationId xmlns:a16="http://schemas.microsoft.com/office/drawing/2014/main" id="{91F9163F-7DB3-3D03-7FCB-2310702D4891}"/>
               </a:ext>
             </a:extLst>
           </p:cNvPr>
@@ -752,7 +752,7 @@
           <p:cNvPr id="6" name="Slide Number Placeholder 5">
             <a:extLst>
               <a:ext uri="{FF2B5EF4-FFF2-40B4-BE49-F238E27FC236}">
-                <a16:creationId xmlns:a16="http://schemas.microsoft.com/office/drawing/2014/main" id="{DB0B71DF-3DB2-094C-4926-5E6831C7C690}"/>
+                <a16:creationId xmlns:a16="http://schemas.microsoft.com/office/drawing/2014/main" id="{D229BFCF-4BA9-17F1-18C2-2AE8062114D4}"/>
               </a:ext>
             </a:extLst>
           </p:cNvPr>
@@ -768,7 +768,7 @@
           <a:bodyPr/>
           <a:lstStyle/>
           <a:p>
-            <a:fld id="{7EC9FA71-1D29-4A4C-A1B4-B3AE09EC96B7}" type="slidenum">
+            <a:fld id="{B2289F49-2417-43C6-9282-A93B943266C1}" type="slidenum">
               <a:rPr lang="en-US" smtClean="0"/>
               <a:t>‹#›</a:t>
             </a:fld>
@@ -779,7 +779,7 @@
     </p:spTree>
     <p:extLst>
       <p:ext uri="{BB962C8B-B14F-4D97-AF65-F5344CB8AC3E}">
-        <p14:creationId xmlns:p14="http://schemas.microsoft.com/office/powerpoint/2010/main" val="2111506479"/>
+        <p14:creationId xmlns:p14="http://schemas.microsoft.com/office/powerpoint/2010/main" val="1435157277"/>
       </p:ext>
     </p:extLst>
   </p:cSld>
@@ -811,7 +811,7 @@
           <p:cNvPr id="2" name="Title 1">
             <a:extLst>
               <a:ext uri="{FF2B5EF4-FFF2-40B4-BE49-F238E27FC236}">
-                <a16:creationId xmlns:a16="http://schemas.microsoft.com/office/drawing/2014/main" id="{35903D68-B14E-A674-8F18-8A06A64885C4}"/>
+                <a16:creationId xmlns:a16="http://schemas.microsoft.com/office/drawing/2014/main" id="{13859CE9-8F93-D1A2-CDB2-DFA1F5567122}"/>
               </a:ext>
             </a:extLst>
           </p:cNvPr>
@@ -839,7 +839,7 @@
           <p:cNvPr id="3" name="Vertical Text Placeholder 2">
             <a:extLst>
               <a:ext uri="{FF2B5EF4-FFF2-40B4-BE49-F238E27FC236}">
-                <a16:creationId xmlns:a16="http://schemas.microsoft.com/office/drawing/2014/main" id="{736AA025-025C-82C3-B816-13CD5D292C4C}"/>
+                <a16:creationId xmlns:a16="http://schemas.microsoft.com/office/drawing/2014/main" id="{C14A5A28-F072-F3A9-727B-1283DD23CFBD}"/>
               </a:ext>
             </a:extLst>
           </p:cNvPr>
@@ -896,7 +896,7 @@
           <p:cNvPr id="4" name="Date Placeholder 3">
             <a:extLst>
               <a:ext uri="{FF2B5EF4-FFF2-40B4-BE49-F238E27FC236}">
-                <a16:creationId xmlns:a16="http://schemas.microsoft.com/office/drawing/2014/main" id="{D13E4063-367E-493E-EB33-42CB996CA425}"/>
+                <a16:creationId xmlns:a16="http://schemas.microsoft.com/office/drawing/2014/main" id="{C28463A0-0785-1D93-9509-D45E651D5410}"/>
               </a:ext>
             </a:extLst>
           </p:cNvPr>
@@ -912,9 +912,9 @@
           <a:bodyPr/>
           <a:lstStyle/>
           <a:p>
-            <a:fld id="{BB5559F7-9BE3-491D-93B3-694238E55AF9}" type="datetimeFigureOut">
+            <a:fld id="{A4CC57BC-ABD5-4BB1-9517-CAB610235852}" type="datetimeFigureOut">
               <a:rPr lang="en-US" smtClean="0"/>
-              <a:t>4/20/2024</a:t>
+              <a:t>5/15/2024</a:t>
             </a:fld>
             <a:endParaRPr lang="en-US"/>
           </a:p>
@@ -925,7 +925,7 @@
           <p:cNvPr id="5" name="Footer Placeholder 4">
             <a:extLst>
               <a:ext uri="{FF2B5EF4-FFF2-40B4-BE49-F238E27FC236}">
-                <a16:creationId xmlns:a16="http://schemas.microsoft.com/office/drawing/2014/main" id="{8B2F1DE6-5735-B34F-DF27-AFF167099E2D}"/>
+                <a16:creationId xmlns:a16="http://schemas.microsoft.com/office/drawing/2014/main" id="{3FC7E6C3-3AC0-C617-814B-F7E87041CEB8}"/>
               </a:ext>
             </a:extLst>
           </p:cNvPr>
@@ -950,7 +950,7 @@
           <p:cNvPr id="6" name="Slide Number Placeholder 5">
             <a:extLst>
               <a:ext uri="{FF2B5EF4-FFF2-40B4-BE49-F238E27FC236}">
-                <a16:creationId xmlns:a16="http://schemas.microsoft.com/office/drawing/2014/main" id="{35A7216B-8239-D627-0B76-D164DBC478C7}"/>
+                <a16:creationId xmlns:a16="http://schemas.microsoft.com/office/drawing/2014/main" id="{098ABECE-5536-652D-C2FC-B86396D46B0A}"/>
               </a:ext>
             </a:extLst>
           </p:cNvPr>
@@ -966,7 +966,7 @@
           <a:bodyPr/>
           <a:lstStyle/>
           <a:p>
-            <a:fld id="{7EC9FA71-1D29-4A4C-A1B4-B3AE09EC96B7}" type="slidenum">
+            <a:fld id="{B2289F49-2417-43C6-9282-A93B943266C1}" type="slidenum">
               <a:rPr lang="en-US" smtClean="0"/>
               <a:t>‹#›</a:t>
             </a:fld>
@@ -977,7 +977,7 @@
     </p:spTree>
     <p:extLst>
       <p:ext uri="{BB962C8B-B14F-4D97-AF65-F5344CB8AC3E}">
-        <p14:creationId xmlns:p14="http://schemas.microsoft.com/office/powerpoint/2010/main" val="1235591965"/>
+        <p14:creationId xmlns:p14="http://schemas.microsoft.com/office/powerpoint/2010/main" val="60691963"/>
       </p:ext>
     </p:extLst>
   </p:cSld>
@@ -1009,7 +1009,7 @@
           <p:cNvPr id="2" name="Vertical Title 1">
             <a:extLst>
               <a:ext uri="{FF2B5EF4-FFF2-40B4-BE49-F238E27FC236}">
-                <a16:creationId xmlns:a16="http://schemas.microsoft.com/office/drawing/2014/main" id="{482E19F3-CB76-E0BA-47AB-1F27B80FED7B}"/>
+                <a16:creationId xmlns:a16="http://schemas.microsoft.com/office/drawing/2014/main" id="{E5683303-ACEF-C209-AA54-F8F3CE4D20F9}"/>
               </a:ext>
             </a:extLst>
           </p:cNvPr>
@@ -1042,7 +1042,7 @@
           <p:cNvPr id="3" name="Vertical Text Placeholder 2">
             <a:extLst>
               <a:ext uri="{FF2B5EF4-FFF2-40B4-BE49-F238E27FC236}">
-                <a16:creationId xmlns:a16="http://schemas.microsoft.com/office/drawing/2014/main" id="{75D49F9E-943F-A704-688F-77E7A8E83255}"/>
+                <a16:creationId xmlns:a16="http://schemas.microsoft.com/office/drawing/2014/main" id="{D2B5541D-DC09-2954-BA8F-52F8D9230BA2}"/>
               </a:ext>
             </a:extLst>
           </p:cNvPr>
@@ -1104,7 +1104,7 @@
           <p:cNvPr id="4" name="Date Placeholder 3">
             <a:extLst>
               <a:ext uri="{FF2B5EF4-FFF2-40B4-BE49-F238E27FC236}">
-                <a16:creationId xmlns:a16="http://schemas.microsoft.com/office/drawing/2014/main" id="{D37098EF-3F87-8B1A-ED33-E0C7EB70FC4B}"/>
+                <a16:creationId xmlns:a16="http://schemas.microsoft.com/office/drawing/2014/main" id="{C2CE12B4-B765-982C-775F-FC7558ECC02C}"/>
               </a:ext>
             </a:extLst>
           </p:cNvPr>
@@ -1120,9 +1120,9 @@
           <a:bodyPr/>
           <a:lstStyle/>
           <a:p>
-            <a:fld id="{BB5559F7-9BE3-491D-93B3-694238E55AF9}" type="datetimeFigureOut">
+            <a:fld id="{A4CC57BC-ABD5-4BB1-9517-CAB610235852}" type="datetimeFigureOut">
               <a:rPr lang="en-US" smtClean="0"/>
-              <a:t>4/20/2024</a:t>
+              <a:t>5/15/2024</a:t>
             </a:fld>
             <a:endParaRPr lang="en-US"/>
           </a:p>
@@ -1133,7 +1133,7 @@
           <p:cNvPr id="5" name="Footer Placeholder 4">
             <a:extLst>
               <a:ext uri="{FF2B5EF4-FFF2-40B4-BE49-F238E27FC236}">
-                <a16:creationId xmlns:a16="http://schemas.microsoft.com/office/drawing/2014/main" id="{534271CC-F574-9B1D-C5F2-4E077A015898}"/>
+                <a16:creationId xmlns:a16="http://schemas.microsoft.com/office/drawing/2014/main" id="{F8733792-7DFE-5606-D113-3103A3E32817}"/>
               </a:ext>
             </a:extLst>
           </p:cNvPr>
@@ -1158,7 +1158,7 @@
           <p:cNvPr id="6" name="Slide Number Placeholder 5">
             <a:extLst>
               <a:ext uri="{FF2B5EF4-FFF2-40B4-BE49-F238E27FC236}">
-                <a16:creationId xmlns:a16="http://schemas.microsoft.com/office/drawing/2014/main" id="{6E06A464-6D78-7473-35D3-E1F6D89B7A86}"/>
+                <a16:creationId xmlns:a16="http://schemas.microsoft.com/office/drawing/2014/main" id="{AEBCBF97-7153-CB9A-93E1-15FEC54F6AA7}"/>
               </a:ext>
             </a:extLst>
           </p:cNvPr>
@@ -1174,7 +1174,7 @@
           <a:bodyPr/>
           <a:lstStyle/>
           <a:p>
-            <a:fld id="{7EC9FA71-1D29-4A4C-A1B4-B3AE09EC96B7}" type="slidenum">
+            <a:fld id="{B2289F49-2417-43C6-9282-A93B943266C1}" type="slidenum">
               <a:rPr lang="en-US" smtClean="0"/>
               <a:t>‹#›</a:t>
             </a:fld>
@@ -1185,7 +1185,7 @@
     </p:spTree>
     <p:extLst>
       <p:ext uri="{BB962C8B-B14F-4D97-AF65-F5344CB8AC3E}">
-        <p14:creationId xmlns:p14="http://schemas.microsoft.com/office/powerpoint/2010/main" val="1468829318"/>
+        <p14:creationId xmlns:p14="http://schemas.microsoft.com/office/powerpoint/2010/main" val="2871855987"/>
       </p:ext>
     </p:extLst>
   </p:cSld>
@@ -1217,7 +1217,7 @@
           <p:cNvPr id="2" name="Title 1">
             <a:extLst>
               <a:ext uri="{FF2B5EF4-FFF2-40B4-BE49-F238E27FC236}">
-                <a16:creationId xmlns:a16="http://schemas.microsoft.com/office/drawing/2014/main" id="{F795181A-30F5-83FE-AF9F-D9F2117CBBA7}"/>
+                <a16:creationId xmlns:a16="http://schemas.microsoft.com/office/drawing/2014/main" id="{D245192D-A40F-F482-B40C-292C27D06133}"/>
               </a:ext>
             </a:extLst>
           </p:cNvPr>
@@ -1245,7 +1245,7 @@
           <p:cNvPr id="3" name="Content Placeholder 2">
             <a:extLst>
               <a:ext uri="{FF2B5EF4-FFF2-40B4-BE49-F238E27FC236}">
-                <a16:creationId xmlns:a16="http://schemas.microsoft.com/office/drawing/2014/main" id="{7F2F46BD-917A-C14A-4DAA-8D589661BF84}"/>
+                <a16:creationId xmlns:a16="http://schemas.microsoft.com/office/drawing/2014/main" id="{66F36031-A5B5-8376-DEF9-6761CF5136D9}"/>
               </a:ext>
             </a:extLst>
           </p:cNvPr>
@@ -1302,7 +1302,7 @@
           <p:cNvPr id="4" name="Date Placeholder 3">
             <a:extLst>
               <a:ext uri="{FF2B5EF4-FFF2-40B4-BE49-F238E27FC236}">
-                <a16:creationId xmlns:a16="http://schemas.microsoft.com/office/drawing/2014/main" id="{D5D66EF2-30C0-6B14-763C-E770C71304F0}"/>
+                <a16:creationId xmlns:a16="http://schemas.microsoft.com/office/drawing/2014/main" id="{740F385C-55C8-1648-F55F-FB8EF6AFB489}"/>
               </a:ext>
             </a:extLst>
           </p:cNvPr>
@@ -1318,9 +1318,9 @@
           <a:bodyPr/>
           <a:lstStyle/>
           <a:p>
-            <a:fld id="{BB5559F7-9BE3-491D-93B3-694238E55AF9}" type="datetimeFigureOut">
+            <a:fld id="{A4CC57BC-ABD5-4BB1-9517-CAB610235852}" type="datetimeFigureOut">
               <a:rPr lang="en-US" smtClean="0"/>
-              <a:t>4/20/2024</a:t>
+              <a:t>5/15/2024</a:t>
             </a:fld>
             <a:endParaRPr lang="en-US"/>
           </a:p>
@@ -1331,7 +1331,7 @@
           <p:cNvPr id="5" name="Footer Placeholder 4">
             <a:extLst>
               <a:ext uri="{FF2B5EF4-FFF2-40B4-BE49-F238E27FC236}">
-                <a16:creationId xmlns:a16="http://schemas.microsoft.com/office/drawing/2014/main" id="{A1ADBEEF-82F1-A501-76A4-F3B275C3447E}"/>
+                <a16:creationId xmlns:a16="http://schemas.microsoft.com/office/drawing/2014/main" id="{F8FF150F-C55C-4438-270B-2E699EC083CA}"/>
               </a:ext>
             </a:extLst>
           </p:cNvPr>
@@ -1356,7 +1356,7 @@
           <p:cNvPr id="6" name="Slide Number Placeholder 5">
             <a:extLst>
               <a:ext uri="{FF2B5EF4-FFF2-40B4-BE49-F238E27FC236}">
-                <a16:creationId xmlns:a16="http://schemas.microsoft.com/office/drawing/2014/main" id="{3B504AE6-1660-0DB4-2C91-AFDDF89B206C}"/>
+                <a16:creationId xmlns:a16="http://schemas.microsoft.com/office/drawing/2014/main" id="{D22AFBC4-1FBC-CC59-0A94-58688A7C3AA7}"/>
               </a:ext>
             </a:extLst>
           </p:cNvPr>
@@ -1372,7 +1372,7 @@
           <a:bodyPr/>
           <a:lstStyle/>
           <a:p>
-            <a:fld id="{7EC9FA71-1D29-4A4C-A1B4-B3AE09EC96B7}" type="slidenum">
+            <a:fld id="{B2289F49-2417-43C6-9282-A93B943266C1}" type="slidenum">
               <a:rPr lang="en-US" smtClean="0"/>
               <a:t>‹#›</a:t>
             </a:fld>
@@ -1383,7 +1383,7 @@
     </p:spTree>
     <p:extLst>
       <p:ext uri="{BB962C8B-B14F-4D97-AF65-F5344CB8AC3E}">
-        <p14:creationId xmlns:p14="http://schemas.microsoft.com/office/powerpoint/2010/main" val="751144025"/>
+        <p14:creationId xmlns:p14="http://schemas.microsoft.com/office/powerpoint/2010/main" val="2733109674"/>
       </p:ext>
     </p:extLst>
   </p:cSld>
@@ -1415,7 +1415,7 @@
           <p:cNvPr id="2" name="Title 1">
             <a:extLst>
               <a:ext uri="{FF2B5EF4-FFF2-40B4-BE49-F238E27FC236}">
-                <a16:creationId xmlns:a16="http://schemas.microsoft.com/office/drawing/2014/main" id="{F8492CA9-F576-83D7-35E3-3E96A959AC18}"/>
+                <a16:creationId xmlns:a16="http://schemas.microsoft.com/office/drawing/2014/main" id="{1A048ACB-E0FC-9490-213B-BE34395591F9}"/>
               </a:ext>
             </a:extLst>
           </p:cNvPr>
@@ -1452,7 +1452,7 @@
           <p:cNvPr id="3" name="Text Placeholder 2">
             <a:extLst>
               <a:ext uri="{FF2B5EF4-FFF2-40B4-BE49-F238E27FC236}">
-                <a16:creationId xmlns:a16="http://schemas.microsoft.com/office/drawing/2014/main" id="{376EB260-7191-21EA-E5C2-6044779499E9}"/>
+                <a16:creationId xmlns:a16="http://schemas.microsoft.com/office/drawing/2014/main" id="{D264410F-57E5-BBE7-8969-061EEBD74789}"/>
               </a:ext>
             </a:extLst>
           </p:cNvPr>
@@ -1577,7 +1577,7 @@
           <p:cNvPr id="4" name="Date Placeholder 3">
             <a:extLst>
               <a:ext uri="{FF2B5EF4-FFF2-40B4-BE49-F238E27FC236}">
-                <a16:creationId xmlns:a16="http://schemas.microsoft.com/office/drawing/2014/main" id="{5B54392D-D43F-08F2-90DA-1B7520C18E16}"/>
+                <a16:creationId xmlns:a16="http://schemas.microsoft.com/office/drawing/2014/main" id="{584BD62E-41C0-F261-E04C-9994D246E5CA}"/>
               </a:ext>
             </a:extLst>
           </p:cNvPr>
@@ -1593,9 +1593,9 @@
           <a:bodyPr/>
           <a:lstStyle/>
           <a:p>
-            <a:fld id="{BB5559F7-9BE3-491D-93B3-694238E55AF9}" type="datetimeFigureOut">
+            <a:fld id="{A4CC57BC-ABD5-4BB1-9517-CAB610235852}" type="datetimeFigureOut">
               <a:rPr lang="en-US" smtClean="0"/>
-              <a:t>4/20/2024</a:t>
+              <a:t>5/15/2024</a:t>
             </a:fld>
             <a:endParaRPr lang="en-US"/>
           </a:p>
@@ -1606,7 +1606,7 @@
           <p:cNvPr id="5" name="Footer Placeholder 4">
             <a:extLst>
               <a:ext uri="{FF2B5EF4-FFF2-40B4-BE49-F238E27FC236}">
-                <a16:creationId xmlns:a16="http://schemas.microsoft.com/office/drawing/2014/main" id="{08938F65-6CB3-C048-1277-809E4E365ADA}"/>
+                <a16:creationId xmlns:a16="http://schemas.microsoft.com/office/drawing/2014/main" id="{49969EB1-7439-3CC5-20C9-03E7D74D5CB2}"/>
               </a:ext>
             </a:extLst>
           </p:cNvPr>
@@ -1631,7 +1631,7 @@
           <p:cNvPr id="6" name="Slide Number Placeholder 5">
             <a:extLst>
               <a:ext uri="{FF2B5EF4-FFF2-40B4-BE49-F238E27FC236}">
-                <a16:creationId xmlns:a16="http://schemas.microsoft.com/office/drawing/2014/main" id="{E132094F-63BC-63A1-9DD0-CD7E0FF2FDD4}"/>
+                <a16:creationId xmlns:a16="http://schemas.microsoft.com/office/drawing/2014/main" id="{B7F20606-E440-69DB-C699-AB1618A17627}"/>
               </a:ext>
             </a:extLst>
           </p:cNvPr>
@@ -1647,7 +1647,7 @@
           <a:bodyPr/>
           <a:lstStyle/>
           <a:p>
-            <a:fld id="{7EC9FA71-1D29-4A4C-A1B4-B3AE09EC96B7}" type="slidenum">
+            <a:fld id="{B2289F49-2417-43C6-9282-A93B943266C1}" type="slidenum">
               <a:rPr lang="en-US" smtClean="0"/>
               <a:t>‹#›</a:t>
             </a:fld>
@@ -1658,7 +1658,7 @@
     </p:spTree>
     <p:extLst>
       <p:ext uri="{BB962C8B-B14F-4D97-AF65-F5344CB8AC3E}">
-        <p14:creationId xmlns:p14="http://schemas.microsoft.com/office/powerpoint/2010/main" val="335105664"/>
+        <p14:creationId xmlns:p14="http://schemas.microsoft.com/office/powerpoint/2010/main" val="150859632"/>
       </p:ext>
     </p:extLst>
   </p:cSld>
@@ -1690,7 +1690,7 @@
           <p:cNvPr id="2" name="Title 1">
             <a:extLst>
               <a:ext uri="{FF2B5EF4-FFF2-40B4-BE49-F238E27FC236}">
-                <a16:creationId xmlns:a16="http://schemas.microsoft.com/office/drawing/2014/main" id="{A1C65C3C-2541-61F5-A058-2C45A5BD0249}"/>
+                <a16:creationId xmlns:a16="http://schemas.microsoft.com/office/drawing/2014/main" id="{5B57A92D-2CC0-1918-18E3-6693ABC4A5DF}"/>
               </a:ext>
             </a:extLst>
           </p:cNvPr>
@@ -1718,7 +1718,7 @@
           <p:cNvPr id="3" name="Content Placeholder 2">
             <a:extLst>
               <a:ext uri="{FF2B5EF4-FFF2-40B4-BE49-F238E27FC236}">
-                <a16:creationId xmlns:a16="http://schemas.microsoft.com/office/drawing/2014/main" id="{44B0920A-80FC-DF0D-5B86-8006A3CDD0CF}"/>
+                <a16:creationId xmlns:a16="http://schemas.microsoft.com/office/drawing/2014/main" id="{B4600DF1-FEC2-8F2D-5601-A4E0F4733CBD}"/>
               </a:ext>
             </a:extLst>
           </p:cNvPr>
@@ -1780,7 +1780,7 @@
           <p:cNvPr id="4" name="Content Placeholder 3">
             <a:extLst>
               <a:ext uri="{FF2B5EF4-FFF2-40B4-BE49-F238E27FC236}">
-                <a16:creationId xmlns:a16="http://schemas.microsoft.com/office/drawing/2014/main" id="{9D862BAB-CC52-0598-1E5B-CB12246DD55A}"/>
+                <a16:creationId xmlns:a16="http://schemas.microsoft.com/office/drawing/2014/main" id="{BBD13C18-9D3B-B4AA-C895-CC469A4B69D4}"/>
               </a:ext>
             </a:extLst>
           </p:cNvPr>
@@ -1842,7 +1842,7 @@
           <p:cNvPr id="5" name="Date Placeholder 4">
             <a:extLst>
               <a:ext uri="{FF2B5EF4-FFF2-40B4-BE49-F238E27FC236}">
-                <a16:creationId xmlns:a16="http://schemas.microsoft.com/office/drawing/2014/main" id="{E53785DE-7B27-AE4A-FD5D-8FC056EF11B9}"/>
+                <a16:creationId xmlns:a16="http://schemas.microsoft.com/office/drawing/2014/main" id="{81AD7470-B2FB-8182-B975-AF71170DD5EB}"/>
               </a:ext>
             </a:extLst>
           </p:cNvPr>
@@ -1858,9 +1858,9 @@
           <a:bodyPr/>
           <a:lstStyle/>
           <a:p>
-            <a:fld id="{BB5559F7-9BE3-491D-93B3-694238E55AF9}" type="datetimeFigureOut">
+            <a:fld id="{A4CC57BC-ABD5-4BB1-9517-CAB610235852}" type="datetimeFigureOut">
               <a:rPr lang="en-US" smtClean="0"/>
-              <a:t>4/20/2024</a:t>
+              <a:t>5/15/2024</a:t>
             </a:fld>
             <a:endParaRPr lang="en-US"/>
           </a:p>
@@ -1871,7 +1871,7 @@
           <p:cNvPr id="6" name="Footer Placeholder 5">
             <a:extLst>
               <a:ext uri="{FF2B5EF4-FFF2-40B4-BE49-F238E27FC236}">
-                <a16:creationId xmlns:a16="http://schemas.microsoft.com/office/drawing/2014/main" id="{B17DA172-2661-949D-162E-A696C9781E29}"/>
+                <a16:creationId xmlns:a16="http://schemas.microsoft.com/office/drawing/2014/main" id="{5266BE1A-8A67-BBA6-9F42-78BCC7A5F124}"/>
               </a:ext>
             </a:extLst>
           </p:cNvPr>
@@ -1896,7 +1896,7 @@
           <p:cNvPr id="7" name="Slide Number Placeholder 6">
             <a:extLst>
               <a:ext uri="{FF2B5EF4-FFF2-40B4-BE49-F238E27FC236}">
-                <a16:creationId xmlns:a16="http://schemas.microsoft.com/office/drawing/2014/main" id="{E440C5FE-83B7-AB28-4639-F55BD07785E2}"/>
+                <a16:creationId xmlns:a16="http://schemas.microsoft.com/office/drawing/2014/main" id="{CC20B098-FEE1-A9DC-C4F9-F71397F06EBD}"/>
               </a:ext>
             </a:extLst>
           </p:cNvPr>
@@ -1912,7 +1912,7 @@
           <a:bodyPr/>
           <a:lstStyle/>
           <a:p>
-            <a:fld id="{7EC9FA71-1D29-4A4C-A1B4-B3AE09EC96B7}" type="slidenum">
+            <a:fld id="{B2289F49-2417-43C6-9282-A93B943266C1}" type="slidenum">
               <a:rPr lang="en-US" smtClean="0"/>
               <a:t>‹#›</a:t>
             </a:fld>
@@ -1923,7 +1923,7 @@
     </p:spTree>
     <p:extLst>
       <p:ext uri="{BB962C8B-B14F-4D97-AF65-F5344CB8AC3E}">
-        <p14:creationId xmlns:p14="http://schemas.microsoft.com/office/powerpoint/2010/main" val="1207561563"/>
+        <p14:creationId xmlns:p14="http://schemas.microsoft.com/office/powerpoint/2010/main" val="3459614097"/>
       </p:ext>
     </p:extLst>
   </p:cSld>
@@ -1955,7 +1955,7 @@
           <p:cNvPr id="2" name="Title 1">
             <a:extLst>
               <a:ext uri="{FF2B5EF4-FFF2-40B4-BE49-F238E27FC236}">
-                <a16:creationId xmlns:a16="http://schemas.microsoft.com/office/drawing/2014/main" id="{BEA86B8C-72BA-C42B-CB96-394AFC97B9E0}"/>
+                <a16:creationId xmlns:a16="http://schemas.microsoft.com/office/drawing/2014/main" id="{7F4A64AF-D18F-508D-3ED5-C14AF62E3F47}"/>
               </a:ext>
             </a:extLst>
           </p:cNvPr>
@@ -1988,7 +1988,7 @@
           <p:cNvPr id="3" name="Text Placeholder 2">
             <a:extLst>
               <a:ext uri="{FF2B5EF4-FFF2-40B4-BE49-F238E27FC236}">
-                <a16:creationId xmlns:a16="http://schemas.microsoft.com/office/drawing/2014/main" id="{0BC2B904-0025-2B9A-E301-4E58A2D3BEAD}"/>
+                <a16:creationId xmlns:a16="http://schemas.microsoft.com/office/drawing/2014/main" id="{782665B1-8041-8925-CFFD-8FEB2CB66399}"/>
               </a:ext>
             </a:extLst>
           </p:cNvPr>
@@ -2059,7 +2059,7 @@
           <p:cNvPr id="4" name="Content Placeholder 3">
             <a:extLst>
               <a:ext uri="{FF2B5EF4-FFF2-40B4-BE49-F238E27FC236}">
-                <a16:creationId xmlns:a16="http://schemas.microsoft.com/office/drawing/2014/main" id="{6DDDE47D-DD9D-0E88-4037-B7B00797F2E0}"/>
+                <a16:creationId xmlns:a16="http://schemas.microsoft.com/office/drawing/2014/main" id="{8C65C222-2805-5048-8664-66AADB907A35}"/>
               </a:ext>
             </a:extLst>
           </p:cNvPr>
@@ -2121,7 +2121,7 @@
           <p:cNvPr id="5" name="Text Placeholder 4">
             <a:extLst>
               <a:ext uri="{FF2B5EF4-FFF2-40B4-BE49-F238E27FC236}">
-                <a16:creationId xmlns:a16="http://schemas.microsoft.com/office/drawing/2014/main" id="{8CCE1EB2-D050-F95E-3E17-D8B8D37D39EA}"/>
+                <a16:creationId xmlns:a16="http://schemas.microsoft.com/office/drawing/2014/main" id="{F38FE4DA-8C45-30A5-F720-6FA86FA6D265}"/>
               </a:ext>
             </a:extLst>
           </p:cNvPr>
@@ -2192,7 +2192,7 @@
           <p:cNvPr id="6" name="Content Placeholder 5">
             <a:extLst>
               <a:ext uri="{FF2B5EF4-FFF2-40B4-BE49-F238E27FC236}">
-                <a16:creationId xmlns:a16="http://schemas.microsoft.com/office/drawing/2014/main" id="{F1F70A9C-8A56-220B-A5CE-CA914A8769FE}"/>
+                <a16:creationId xmlns:a16="http://schemas.microsoft.com/office/drawing/2014/main" id="{3BF3049D-0742-A358-0356-FA5ECB8541E6}"/>
               </a:ext>
             </a:extLst>
           </p:cNvPr>
@@ -2254,7 +2254,7 @@
           <p:cNvPr id="7" name="Date Placeholder 6">
             <a:extLst>
               <a:ext uri="{FF2B5EF4-FFF2-40B4-BE49-F238E27FC236}">
-                <a16:creationId xmlns:a16="http://schemas.microsoft.com/office/drawing/2014/main" id="{B3CA01B9-FCA0-7680-A95A-7012C82DE5A5}"/>
+                <a16:creationId xmlns:a16="http://schemas.microsoft.com/office/drawing/2014/main" id="{FD4130F8-39D1-FF50-29DF-A88095CC377D}"/>
               </a:ext>
             </a:extLst>
           </p:cNvPr>
@@ -2270,9 +2270,9 @@
           <a:bodyPr/>
           <a:lstStyle/>
           <a:p>
-            <a:fld id="{BB5559F7-9BE3-491D-93B3-694238E55AF9}" type="datetimeFigureOut">
+            <a:fld id="{A4CC57BC-ABD5-4BB1-9517-CAB610235852}" type="datetimeFigureOut">
               <a:rPr lang="en-US" smtClean="0"/>
-              <a:t>4/20/2024</a:t>
+              <a:t>5/15/2024</a:t>
             </a:fld>
             <a:endParaRPr lang="en-US"/>
           </a:p>
@@ -2283,7 +2283,7 @@
           <p:cNvPr id="8" name="Footer Placeholder 7">
             <a:extLst>
               <a:ext uri="{FF2B5EF4-FFF2-40B4-BE49-F238E27FC236}">
-                <a16:creationId xmlns:a16="http://schemas.microsoft.com/office/drawing/2014/main" id="{0A7A2E08-B2C7-1146-65B4-009EA963E659}"/>
+                <a16:creationId xmlns:a16="http://schemas.microsoft.com/office/drawing/2014/main" id="{7A3F2674-8922-AECB-8BBD-FB8DA73C3B9B}"/>
               </a:ext>
             </a:extLst>
           </p:cNvPr>
@@ -2308,7 +2308,7 @@
           <p:cNvPr id="9" name="Slide Number Placeholder 8">
             <a:extLst>
               <a:ext uri="{FF2B5EF4-FFF2-40B4-BE49-F238E27FC236}">
-                <a16:creationId xmlns:a16="http://schemas.microsoft.com/office/drawing/2014/main" id="{6FFBA425-5D85-F3ED-857C-69BDC3E5053F}"/>
+                <a16:creationId xmlns:a16="http://schemas.microsoft.com/office/drawing/2014/main" id="{F7C52A00-030E-9056-BF10-C94E84EA6240}"/>
               </a:ext>
             </a:extLst>
           </p:cNvPr>
@@ -2324,7 +2324,7 @@
           <a:bodyPr/>
           <a:lstStyle/>
           <a:p>
-            <a:fld id="{7EC9FA71-1D29-4A4C-A1B4-B3AE09EC96B7}" type="slidenum">
+            <a:fld id="{B2289F49-2417-43C6-9282-A93B943266C1}" type="slidenum">
               <a:rPr lang="en-US" smtClean="0"/>
               <a:t>‹#›</a:t>
             </a:fld>
@@ -2335,7 +2335,7 @@
     </p:spTree>
     <p:extLst>
       <p:ext uri="{BB962C8B-B14F-4D97-AF65-F5344CB8AC3E}">
-        <p14:creationId xmlns:p14="http://schemas.microsoft.com/office/powerpoint/2010/main" val="2163280680"/>
+        <p14:creationId xmlns:p14="http://schemas.microsoft.com/office/powerpoint/2010/main" val="2040531188"/>
       </p:ext>
     </p:extLst>
   </p:cSld>
@@ -2367,7 +2367,7 @@
           <p:cNvPr id="2" name="Title 1">
             <a:extLst>
               <a:ext uri="{FF2B5EF4-FFF2-40B4-BE49-F238E27FC236}">
-                <a16:creationId xmlns:a16="http://schemas.microsoft.com/office/drawing/2014/main" id="{BACDD1B4-A6E5-59D0-F421-060AA996FFE2}"/>
+                <a16:creationId xmlns:a16="http://schemas.microsoft.com/office/drawing/2014/main" id="{E7D6328A-498A-59CA-869B-4C508E8F3E6E}"/>
               </a:ext>
             </a:extLst>
           </p:cNvPr>
@@ -2395,7 +2395,7 @@
           <p:cNvPr id="3" name="Date Placeholder 2">
             <a:extLst>
               <a:ext uri="{FF2B5EF4-FFF2-40B4-BE49-F238E27FC236}">
-                <a16:creationId xmlns:a16="http://schemas.microsoft.com/office/drawing/2014/main" id="{C29F0C2F-3FF5-F6C1-01CF-47430E76E01D}"/>
+                <a16:creationId xmlns:a16="http://schemas.microsoft.com/office/drawing/2014/main" id="{FC96F445-5E37-61B5-D955-845BF2B7E97D}"/>
               </a:ext>
             </a:extLst>
           </p:cNvPr>
@@ -2411,9 +2411,9 @@
           <a:bodyPr/>
           <a:lstStyle/>
           <a:p>
-            <a:fld id="{BB5559F7-9BE3-491D-93B3-694238E55AF9}" type="datetimeFigureOut">
+            <a:fld id="{A4CC57BC-ABD5-4BB1-9517-CAB610235852}" type="datetimeFigureOut">
               <a:rPr lang="en-US" smtClean="0"/>
-              <a:t>4/20/2024</a:t>
+              <a:t>5/15/2024</a:t>
             </a:fld>
             <a:endParaRPr lang="en-US"/>
           </a:p>
@@ -2424,7 +2424,7 @@
           <p:cNvPr id="4" name="Footer Placeholder 3">
             <a:extLst>
               <a:ext uri="{FF2B5EF4-FFF2-40B4-BE49-F238E27FC236}">
-                <a16:creationId xmlns:a16="http://schemas.microsoft.com/office/drawing/2014/main" id="{11C57E2B-E8ED-046C-8B62-51731A8B1E8C}"/>
+                <a16:creationId xmlns:a16="http://schemas.microsoft.com/office/drawing/2014/main" id="{7C2E40FD-E19F-828E-4F3E-72DD8F1D4887}"/>
               </a:ext>
             </a:extLst>
           </p:cNvPr>
@@ -2449,7 +2449,7 @@
           <p:cNvPr id="5" name="Slide Number Placeholder 4">
             <a:extLst>
               <a:ext uri="{FF2B5EF4-FFF2-40B4-BE49-F238E27FC236}">
-                <a16:creationId xmlns:a16="http://schemas.microsoft.com/office/drawing/2014/main" id="{598F6886-6C4F-F02C-274D-41B86F505DC9}"/>
+                <a16:creationId xmlns:a16="http://schemas.microsoft.com/office/drawing/2014/main" id="{109EDDA4-B37C-C910-260D-3817A2B95FAE}"/>
               </a:ext>
             </a:extLst>
           </p:cNvPr>
@@ -2465,7 +2465,7 @@
           <a:bodyPr/>
           <a:lstStyle/>
           <a:p>
-            <a:fld id="{7EC9FA71-1D29-4A4C-A1B4-B3AE09EC96B7}" type="slidenum">
+            <a:fld id="{B2289F49-2417-43C6-9282-A93B943266C1}" type="slidenum">
               <a:rPr lang="en-US" smtClean="0"/>
               <a:t>‹#›</a:t>
             </a:fld>
@@ -2476,7 +2476,7 @@
     </p:spTree>
     <p:extLst>
       <p:ext uri="{BB962C8B-B14F-4D97-AF65-F5344CB8AC3E}">
-        <p14:creationId xmlns:p14="http://schemas.microsoft.com/office/powerpoint/2010/main" val="3499851238"/>
+        <p14:creationId xmlns:p14="http://schemas.microsoft.com/office/powerpoint/2010/main" val="3580744831"/>
       </p:ext>
     </p:extLst>
   </p:cSld>
@@ -2508,7 +2508,7 @@
           <p:cNvPr id="2" name="Date Placeholder 1">
             <a:extLst>
               <a:ext uri="{FF2B5EF4-FFF2-40B4-BE49-F238E27FC236}">
-                <a16:creationId xmlns:a16="http://schemas.microsoft.com/office/drawing/2014/main" id="{B1D7965B-44DA-7BA8-62F8-DD80D40B6806}"/>
+                <a16:creationId xmlns:a16="http://schemas.microsoft.com/office/drawing/2014/main" id="{E2190BD1-C939-DCBA-3D25-374F8DE0CCA5}"/>
               </a:ext>
             </a:extLst>
           </p:cNvPr>
@@ -2524,9 +2524,9 @@
           <a:bodyPr/>
           <a:lstStyle/>
           <a:p>
-            <a:fld id="{BB5559F7-9BE3-491D-93B3-694238E55AF9}" type="datetimeFigureOut">
+            <a:fld id="{A4CC57BC-ABD5-4BB1-9517-CAB610235852}" type="datetimeFigureOut">
               <a:rPr lang="en-US" smtClean="0"/>
-              <a:t>4/20/2024</a:t>
+              <a:t>5/15/2024</a:t>
             </a:fld>
             <a:endParaRPr lang="en-US"/>
           </a:p>
@@ -2537,7 +2537,7 @@
           <p:cNvPr id="3" name="Footer Placeholder 2">
             <a:extLst>
               <a:ext uri="{FF2B5EF4-FFF2-40B4-BE49-F238E27FC236}">
-                <a16:creationId xmlns:a16="http://schemas.microsoft.com/office/drawing/2014/main" id="{934D9EFF-381D-65A3-B41C-B141E8C9B42D}"/>
+                <a16:creationId xmlns:a16="http://schemas.microsoft.com/office/drawing/2014/main" id="{23C15C23-4024-ABFB-9DA4-F61975C082E5}"/>
               </a:ext>
             </a:extLst>
           </p:cNvPr>
@@ -2562,7 +2562,7 @@
           <p:cNvPr id="4" name="Slide Number Placeholder 3">
             <a:extLst>
               <a:ext uri="{FF2B5EF4-FFF2-40B4-BE49-F238E27FC236}">
-                <a16:creationId xmlns:a16="http://schemas.microsoft.com/office/drawing/2014/main" id="{15D2EF27-08D0-D1AD-EB41-D5E2E5CBD994}"/>
+                <a16:creationId xmlns:a16="http://schemas.microsoft.com/office/drawing/2014/main" id="{EA43CC89-D8CF-43E0-6208-72862D99CB38}"/>
               </a:ext>
             </a:extLst>
           </p:cNvPr>
@@ -2578,7 +2578,7 @@
           <a:bodyPr/>
           <a:lstStyle/>
           <a:p>
-            <a:fld id="{7EC9FA71-1D29-4A4C-A1B4-B3AE09EC96B7}" type="slidenum">
+            <a:fld id="{B2289F49-2417-43C6-9282-A93B943266C1}" type="slidenum">
               <a:rPr lang="en-US" smtClean="0"/>
               <a:t>‹#›</a:t>
             </a:fld>
@@ -2589,7 +2589,7 @@
     </p:spTree>
     <p:extLst>
       <p:ext uri="{BB962C8B-B14F-4D97-AF65-F5344CB8AC3E}">
-        <p14:creationId xmlns:p14="http://schemas.microsoft.com/office/powerpoint/2010/main" val="4270313495"/>
+        <p14:creationId xmlns:p14="http://schemas.microsoft.com/office/powerpoint/2010/main" val="1366191536"/>
       </p:ext>
     </p:extLst>
   </p:cSld>
@@ -2621,7 +2621,7 @@
           <p:cNvPr id="2" name="Title 1">
             <a:extLst>
               <a:ext uri="{FF2B5EF4-FFF2-40B4-BE49-F238E27FC236}">
-                <a16:creationId xmlns:a16="http://schemas.microsoft.com/office/drawing/2014/main" id="{F73E524D-B3BE-1713-54C4-D0A9C9BF7717}"/>
+                <a16:creationId xmlns:a16="http://schemas.microsoft.com/office/drawing/2014/main" id="{3B9A62D0-61D6-3A20-9EE7-F7407A467A0D}"/>
               </a:ext>
             </a:extLst>
           </p:cNvPr>
@@ -2658,7 +2658,7 @@
           <p:cNvPr id="3" name="Content Placeholder 2">
             <a:extLst>
               <a:ext uri="{FF2B5EF4-FFF2-40B4-BE49-F238E27FC236}">
-                <a16:creationId xmlns:a16="http://schemas.microsoft.com/office/drawing/2014/main" id="{CC746991-CF5D-392A-B5CD-035B8116C4FD}"/>
+                <a16:creationId xmlns:a16="http://schemas.microsoft.com/office/drawing/2014/main" id="{E0DD3A12-3ECB-60D9-D66D-ABD9FFAD5565}"/>
               </a:ext>
             </a:extLst>
           </p:cNvPr>
@@ -2748,7 +2748,7 @@
           <p:cNvPr id="4" name="Text Placeholder 3">
             <a:extLst>
               <a:ext uri="{FF2B5EF4-FFF2-40B4-BE49-F238E27FC236}">
-                <a16:creationId xmlns:a16="http://schemas.microsoft.com/office/drawing/2014/main" id="{044298EF-4E57-EF8B-0327-B7E6B84918EC}"/>
+                <a16:creationId xmlns:a16="http://schemas.microsoft.com/office/drawing/2014/main" id="{D6AFB6D2-76C6-2A18-8AC4-6FA1D7E8B0F5}"/>
               </a:ext>
             </a:extLst>
           </p:cNvPr>
@@ -2819,7 +2819,7 @@
           <p:cNvPr id="5" name="Date Placeholder 4">
             <a:extLst>
               <a:ext uri="{FF2B5EF4-FFF2-40B4-BE49-F238E27FC236}">
-                <a16:creationId xmlns:a16="http://schemas.microsoft.com/office/drawing/2014/main" id="{913AA2C4-7B60-F857-1161-FBE8168693BA}"/>
+                <a16:creationId xmlns:a16="http://schemas.microsoft.com/office/drawing/2014/main" id="{0F1BBD98-9BD2-BD06-8F6A-8428F096C573}"/>
               </a:ext>
             </a:extLst>
           </p:cNvPr>
@@ -2835,9 +2835,9 @@
           <a:bodyPr/>
           <a:lstStyle/>
           <a:p>
-            <a:fld id="{BB5559F7-9BE3-491D-93B3-694238E55AF9}" type="datetimeFigureOut">
+            <a:fld id="{A4CC57BC-ABD5-4BB1-9517-CAB610235852}" type="datetimeFigureOut">
               <a:rPr lang="en-US" smtClean="0"/>
-              <a:t>4/20/2024</a:t>
+              <a:t>5/15/2024</a:t>
             </a:fld>
             <a:endParaRPr lang="en-US"/>
           </a:p>
@@ -2848,7 +2848,7 @@
           <p:cNvPr id="6" name="Footer Placeholder 5">
             <a:extLst>
               <a:ext uri="{FF2B5EF4-FFF2-40B4-BE49-F238E27FC236}">
-                <a16:creationId xmlns:a16="http://schemas.microsoft.com/office/drawing/2014/main" id="{628CB557-99B5-4238-C15F-453FA41D302C}"/>
+                <a16:creationId xmlns:a16="http://schemas.microsoft.com/office/drawing/2014/main" id="{BD65ADC9-032A-E2BE-E7EF-DF1FC7734056}"/>
               </a:ext>
             </a:extLst>
           </p:cNvPr>
@@ -2873,7 +2873,7 @@
           <p:cNvPr id="7" name="Slide Number Placeholder 6">
             <a:extLst>
               <a:ext uri="{FF2B5EF4-FFF2-40B4-BE49-F238E27FC236}">
-                <a16:creationId xmlns:a16="http://schemas.microsoft.com/office/drawing/2014/main" id="{45C4027A-54AA-05C2-F84E-FC75314DCFF8}"/>
+                <a16:creationId xmlns:a16="http://schemas.microsoft.com/office/drawing/2014/main" id="{DF15A9C2-9B1C-2318-3ADC-589FA53C9B34}"/>
               </a:ext>
             </a:extLst>
           </p:cNvPr>
@@ -2889,7 +2889,7 @@
           <a:bodyPr/>
           <a:lstStyle/>
           <a:p>
-            <a:fld id="{7EC9FA71-1D29-4A4C-A1B4-B3AE09EC96B7}" type="slidenum">
+            <a:fld id="{B2289F49-2417-43C6-9282-A93B943266C1}" type="slidenum">
               <a:rPr lang="en-US" smtClean="0"/>
               <a:t>‹#›</a:t>
             </a:fld>
@@ -2900,7 +2900,7 @@
     </p:spTree>
     <p:extLst>
       <p:ext uri="{BB962C8B-B14F-4D97-AF65-F5344CB8AC3E}">
-        <p14:creationId xmlns:p14="http://schemas.microsoft.com/office/powerpoint/2010/main" val="823912106"/>
+        <p14:creationId xmlns:p14="http://schemas.microsoft.com/office/powerpoint/2010/main" val="1287242283"/>
       </p:ext>
     </p:extLst>
   </p:cSld>
@@ -2932,7 +2932,7 @@
           <p:cNvPr id="2" name="Title 1">
             <a:extLst>
               <a:ext uri="{FF2B5EF4-FFF2-40B4-BE49-F238E27FC236}">
-                <a16:creationId xmlns:a16="http://schemas.microsoft.com/office/drawing/2014/main" id="{DF8372C3-6DAF-AAAF-38F5-576D1433D59B}"/>
+                <a16:creationId xmlns:a16="http://schemas.microsoft.com/office/drawing/2014/main" id="{711EFFA0-62FE-61F6-14DA-B903F49BE1CF}"/>
               </a:ext>
             </a:extLst>
           </p:cNvPr>
@@ -2969,7 +2969,7 @@
           <p:cNvPr id="3" name="Picture Placeholder 2">
             <a:extLst>
               <a:ext uri="{FF2B5EF4-FFF2-40B4-BE49-F238E27FC236}">
-                <a16:creationId xmlns:a16="http://schemas.microsoft.com/office/drawing/2014/main" id="{159EFF3E-0DE9-6F0C-C332-5EBA057921F7}"/>
+                <a16:creationId xmlns:a16="http://schemas.microsoft.com/office/drawing/2014/main" id="{13608EA1-7387-0DC1-517B-A0CADDDE51D4}"/>
               </a:ext>
             </a:extLst>
           </p:cNvPr>
@@ -3036,7 +3036,7 @@
           <p:cNvPr id="4" name="Text Placeholder 3">
             <a:extLst>
               <a:ext uri="{FF2B5EF4-FFF2-40B4-BE49-F238E27FC236}">
-                <a16:creationId xmlns:a16="http://schemas.microsoft.com/office/drawing/2014/main" id="{F8D3B831-9D0A-6F75-4516-A4F323CE5276}"/>
+                <a16:creationId xmlns:a16="http://schemas.microsoft.com/office/drawing/2014/main" id="{B6AA60C3-A7A1-F7E3-1433-D8D4CE382CDF}"/>
               </a:ext>
             </a:extLst>
           </p:cNvPr>
@@ -3107,7 +3107,7 @@
           <p:cNvPr id="5" name="Date Placeholder 4">
             <a:extLst>
               <a:ext uri="{FF2B5EF4-FFF2-40B4-BE49-F238E27FC236}">
-                <a16:creationId xmlns:a16="http://schemas.microsoft.com/office/drawing/2014/main" id="{9C66CDD2-EB23-E670-9290-42D85D65C050}"/>
+                <a16:creationId xmlns:a16="http://schemas.microsoft.com/office/drawing/2014/main" id="{8EEC5255-5495-3D60-E382-D2C80BB6348C}"/>
               </a:ext>
             </a:extLst>
           </p:cNvPr>
@@ -3123,9 +3123,9 @@
           <a:bodyPr/>
           <a:lstStyle/>
           <a:p>
-            <a:fld id="{BB5559F7-9BE3-491D-93B3-694238E55AF9}" type="datetimeFigureOut">
+            <a:fld id="{A4CC57BC-ABD5-4BB1-9517-CAB610235852}" type="datetimeFigureOut">
               <a:rPr lang="en-US" smtClean="0"/>
-              <a:t>4/20/2024</a:t>
+              <a:t>5/15/2024</a:t>
             </a:fld>
             <a:endParaRPr lang="en-US"/>
           </a:p>
@@ -3136,7 +3136,7 @@
           <p:cNvPr id="6" name="Footer Placeholder 5">
             <a:extLst>
               <a:ext uri="{FF2B5EF4-FFF2-40B4-BE49-F238E27FC236}">
-                <a16:creationId xmlns:a16="http://schemas.microsoft.com/office/drawing/2014/main" id="{E0594037-B84F-C390-DCAE-425A2A9FD6C8}"/>
+                <a16:creationId xmlns:a16="http://schemas.microsoft.com/office/drawing/2014/main" id="{C8EC0499-ADC9-6328-C018-61E9F0C063ED}"/>
               </a:ext>
             </a:extLst>
           </p:cNvPr>
@@ -3161,7 +3161,7 @@
           <p:cNvPr id="7" name="Slide Number Placeholder 6">
             <a:extLst>
               <a:ext uri="{FF2B5EF4-FFF2-40B4-BE49-F238E27FC236}">
-                <a16:creationId xmlns:a16="http://schemas.microsoft.com/office/drawing/2014/main" id="{0EF6F41F-4A28-907F-13C0-53FC1B5C0BF0}"/>
+                <a16:creationId xmlns:a16="http://schemas.microsoft.com/office/drawing/2014/main" id="{C37C570C-59A2-3194-A17F-A30F44A59572}"/>
               </a:ext>
             </a:extLst>
           </p:cNvPr>
@@ -3177,7 +3177,7 @@
           <a:bodyPr/>
           <a:lstStyle/>
           <a:p>
-            <a:fld id="{7EC9FA71-1D29-4A4C-A1B4-B3AE09EC96B7}" type="slidenum">
+            <a:fld id="{B2289F49-2417-43C6-9282-A93B943266C1}" type="slidenum">
               <a:rPr lang="en-US" smtClean="0"/>
               <a:t>‹#›</a:t>
             </a:fld>
@@ -3188,7 +3188,7 @@
     </p:spTree>
     <p:extLst>
       <p:ext uri="{BB962C8B-B14F-4D97-AF65-F5344CB8AC3E}">
-        <p14:creationId xmlns:p14="http://schemas.microsoft.com/office/powerpoint/2010/main" val="2846999504"/>
+        <p14:creationId xmlns:p14="http://schemas.microsoft.com/office/powerpoint/2010/main" val="1762461689"/>
       </p:ext>
     </p:extLst>
   </p:cSld>
@@ -3225,7 +3225,7 @@
           <p:cNvPr id="2" name="Title Placeholder 1">
             <a:extLst>
               <a:ext uri="{FF2B5EF4-FFF2-40B4-BE49-F238E27FC236}">
-                <a16:creationId xmlns:a16="http://schemas.microsoft.com/office/drawing/2014/main" id="{35FB6DDC-BD99-2304-EC83-E607A0D744AC}"/>
+                <a16:creationId xmlns:a16="http://schemas.microsoft.com/office/drawing/2014/main" id="{51A8E139-B1E0-6652-FF56-C51BA664E249}"/>
               </a:ext>
             </a:extLst>
           </p:cNvPr>
@@ -3263,7 +3263,7 @@
           <p:cNvPr id="3" name="Text Placeholder 2">
             <a:extLst>
               <a:ext uri="{FF2B5EF4-FFF2-40B4-BE49-F238E27FC236}">
-                <a16:creationId xmlns:a16="http://schemas.microsoft.com/office/drawing/2014/main" id="{FE7A0188-FD0E-4133-317B-908CD6C1CE70}"/>
+                <a16:creationId xmlns:a16="http://schemas.microsoft.com/office/drawing/2014/main" id="{6CB59C21-F46A-556A-1554-F0C22BC5FCD4}"/>
               </a:ext>
             </a:extLst>
           </p:cNvPr>
@@ -3330,7 +3330,7 @@
           <p:cNvPr id="4" name="Date Placeholder 3">
             <a:extLst>
               <a:ext uri="{FF2B5EF4-FFF2-40B4-BE49-F238E27FC236}">
-                <a16:creationId xmlns:a16="http://schemas.microsoft.com/office/drawing/2014/main" id="{93C191B0-0842-1566-A97C-4DF83FF40932}"/>
+                <a16:creationId xmlns:a16="http://schemas.microsoft.com/office/drawing/2014/main" id="{F20941F9-E1AC-3CD8-1B2D-5AEA2B8DB058}"/>
               </a:ext>
             </a:extLst>
           </p:cNvPr>
@@ -3364,9 +3364,9 @@
             </a:lvl1pPr>
           </a:lstStyle>
           <a:p>
-            <a:fld id="{BB5559F7-9BE3-491D-93B3-694238E55AF9}" type="datetimeFigureOut">
+            <a:fld id="{A4CC57BC-ABD5-4BB1-9517-CAB610235852}" type="datetimeFigureOut">
               <a:rPr lang="en-US" smtClean="0"/>
-              <a:t>4/20/2024</a:t>
+              <a:t>5/15/2024</a:t>
             </a:fld>
             <a:endParaRPr lang="en-US"/>
           </a:p>
@@ -3377,7 +3377,7 @@
           <p:cNvPr id="5" name="Footer Placeholder 4">
             <a:extLst>
               <a:ext uri="{FF2B5EF4-FFF2-40B4-BE49-F238E27FC236}">
-                <a16:creationId xmlns:a16="http://schemas.microsoft.com/office/drawing/2014/main" id="{A9B13EFB-E4FE-1B79-BD0C-600BE0169691}"/>
+                <a16:creationId xmlns:a16="http://schemas.microsoft.com/office/drawing/2014/main" id="{2DAD2629-FBD8-9E5A-9446-DD6F8B20178E}"/>
               </a:ext>
             </a:extLst>
           </p:cNvPr>
@@ -3420,7 +3420,7 @@
           <p:cNvPr id="6" name="Slide Number Placeholder 5">
             <a:extLst>
               <a:ext uri="{FF2B5EF4-FFF2-40B4-BE49-F238E27FC236}">
-                <a16:creationId xmlns:a16="http://schemas.microsoft.com/office/drawing/2014/main" id="{263993D6-14B0-EE1F-E13E-5A0B84D13C8F}"/>
+                <a16:creationId xmlns:a16="http://schemas.microsoft.com/office/drawing/2014/main" id="{39589CB8-7DD8-612E-31FB-A983728AD77A}"/>
               </a:ext>
             </a:extLst>
           </p:cNvPr>
@@ -3454,7 +3454,7 @@
             </a:lvl1pPr>
           </a:lstStyle>
           <a:p>
-            <a:fld id="{7EC9FA71-1D29-4A4C-A1B4-B3AE09EC96B7}" type="slidenum">
+            <a:fld id="{B2289F49-2417-43C6-9282-A93B943266C1}" type="slidenum">
               <a:rPr lang="en-US" smtClean="0"/>
               <a:t>‹#›</a:t>
             </a:fld>
@@ -3465,7 +3465,7 @@
     </p:spTree>
     <p:extLst>
       <p:ext uri="{BB962C8B-B14F-4D97-AF65-F5344CB8AC3E}">
-        <p14:creationId xmlns:p14="http://schemas.microsoft.com/office/powerpoint/2010/main" val="1499013377"/>
+        <p14:creationId xmlns:p14="http://schemas.microsoft.com/office/powerpoint/2010/main" val="1950100763"/>
       </p:ext>
     </p:extLst>
   </p:cSld>
@@ -3840,6 +3840,15 @@
         <p:txBody>
           <a:bodyPr/>
           <a:lstStyle/>
+          <a:p>
+            <a:r>
+              <a:rPr lang="th-TH" dirty="0">
+                <a:latin typeface="TH SarabunPSK" panose="020B0500040200020003" pitchFamily="34" charset="-34"/>
+                <a:cs typeface="TH SarabunPSK" panose="020B0500040200020003" pitchFamily="34" charset="-34"/>
+              </a:rPr>
+              <a:t>บทที่ 3 โปรแกรมวนซ้ำและการใช้เงื่อนไขในภาษาไพธอน</a:t>
+            </a:r>
+          </a:p>
           <a:p>
             <a:r>
               <a:rPr lang="en-US" dirty="0" err="1">

--- a/PPT/Class period 3.pptx
+++ b/PPT/Class period 3.pptx
@@ -133,6 +133,11 @@
       </a:defRPr>
     </a:lvl9pPr>
   </p:defaultTextStyle>
+  <p:extLst>
+    <p:ext uri="{EFAFB233-063F-42B5-8137-9DF3F51BA10A}">
+      <p15:sldGuideLst xmlns:p15="http://schemas.microsoft.com/office/powerpoint/2012/main"/>
+    </p:ext>
+  </p:extLst>
 </p:presentation>
 </file>
 
@@ -218,7 +223,7 @@
           <a:p>
             <a:fld id="{4CA0FE82-2A25-4972-BCAA-506A7135EA1B}" type="datetimeFigureOut">
               <a:rPr lang="en-US" smtClean="0"/>
-              <a:t>5/15/2024</a:t>
+              <a:t>6/17/2024</a:t>
             </a:fld>
             <a:endParaRPr lang="en-US"/>
           </a:p>
@@ -716,7 +721,7 @@
           <a:p>
             <a:fld id="{A4CC57BC-ABD5-4BB1-9517-CAB610235852}" type="datetimeFigureOut">
               <a:rPr lang="en-US" smtClean="0"/>
-              <a:t>5/15/2024</a:t>
+              <a:t>6/17/2024</a:t>
             </a:fld>
             <a:endParaRPr lang="en-US"/>
           </a:p>
@@ -914,7 +919,7 @@
           <a:p>
             <a:fld id="{A4CC57BC-ABD5-4BB1-9517-CAB610235852}" type="datetimeFigureOut">
               <a:rPr lang="en-US" smtClean="0"/>
-              <a:t>5/15/2024</a:t>
+              <a:t>6/17/2024</a:t>
             </a:fld>
             <a:endParaRPr lang="en-US"/>
           </a:p>
@@ -1122,7 +1127,7 @@
           <a:p>
             <a:fld id="{A4CC57BC-ABD5-4BB1-9517-CAB610235852}" type="datetimeFigureOut">
               <a:rPr lang="en-US" smtClean="0"/>
-              <a:t>5/15/2024</a:t>
+              <a:t>6/17/2024</a:t>
             </a:fld>
             <a:endParaRPr lang="en-US"/>
           </a:p>
@@ -1320,7 +1325,7 @@
           <a:p>
             <a:fld id="{A4CC57BC-ABD5-4BB1-9517-CAB610235852}" type="datetimeFigureOut">
               <a:rPr lang="en-US" smtClean="0"/>
-              <a:t>5/15/2024</a:t>
+              <a:t>6/17/2024</a:t>
             </a:fld>
             <a:endParaRPr lang="en-US"/>
           </a:p>
@@ -1595,7 +1600,7 @@
           <a:p>
             <a:fld id="{A4CC57BC-ABD5-4BB1-9517-CAB610235852}" type="datetimeFigureOut">
               <a:rPr lang="en-US" smtClean="0"/>
-              <a:t>5/15/2024</a:t>
+              <a:t>6/17/2024</a:t>
             </a:fld>
             <a:endParaRPr lang="en-US"/>
           </a:p>
@@ -1860,7 +1865,7 @@
           <a:p>
             <a:fld id="{A4CC57BC-ABD5-4BB1-9517-CAB610235852}" type="datetimeFigureOut">
               <a:rPr lang="en-US" smtClean="0"/>
-              <a:t>5/15/2024</a:t>
+              <a:t>6/17/2024</a:t>
             </a:fld>
             <a:endParaRPr lang="en-US"/>
           </a:p>
@@ -2272,7 +2277,7 @@
           <a:p>
             <a:fld id="{A4CC57BC-ABD5-4BB1-9517-CAB610235852}" type="datetimeFigureOut">
               <a:rPr lang="en-US" smtClean="0"/>
-              <a:t>5/15/2024</a:t>
+              <a:t>6/17/2024</a:t>
             </a:fld>
             <a:endParaRPr lang="en-US"/>
           </a:p>
@@ -2413,7 +2418,7 @@
           <a:p>
             <a:fld id="{A4CC57BC-ABD5-4BB1-9517-CAB610235852}" type="datetimeFigureOut">
               <a:rPr lang="en-US" smtClean="0"/>
-              <a:t>5/15/2024</a:t>
+              <a:t>6/17/2024</a:t>
             </a:fld>
             <a:endParaRPr lang="en-US"/>
           </a:p>
@@ -2526,7 +2531,7 @@
           <a:p>
             <a:fld id="{A4CC57BC-ABD5-4BB1-9517-CAB610235852}" type="datetimeFigureOut">
               <a:rPr lang="en-US" smtClean="0"/>
-              <a:t>5/15/2024</a:t>
+              <a:t>6/17/2024</a:t>
             </a:fld>
             <a:endParaRPr lang="en-US"/>
           </a:p>
@@ -2837,7 +2842,7 @@
           <a:p>
             <a:fld id="{A4CC57BC-ABD5-4BB1-9517-CAB610235852}" type="datetimeFigureOut">
               <a:rPr lang="en-US" smtClean="0"/>
-              <a:t>5/15/2024</a:t>
+              <a:t>6/17/2024</a:t>
             </a:fld>
             <a:endParaRPr lang="en-US"/>
           </a:p>
@@ -3125,7 +3130,7 @@
           <a:p>
             <a:fld id="{A4CC57BC-ABD5-4BB1-9517-CAB610235852}" type="datetimeFigureOut">
               <a:rPr lang="en-US" smtClean="0"/>
-              <a:t>5/15/2024</a:t>
+              <a:t>6/17/2024</a:t>
             </a:fld>
             <a:endParaRPr lang="en-US"/>
           </a:p>
@@ -3366,7 +3371,7 @@
           <a:p>
             <a:fld id="{A4CC57BC-ABD5-4BB1-9517-CAB610235852}" type="datetimeFigureOut">
               <a:rPr lang="en-US" smtClean="0"/>
-              <a:t>5/15/2024</a:t>
+              <a:t>6/17/2024</a:t>
             </a:fld>
             <a:endParaRPr lang="en-US"/>
           </a:p>
@@ -4013,6 +4018,168 @@
           </a:prstGeom>
         </p:spPr>
       </p:pic>
+      <p:sp>
+        <p:nvSpPr>
+          <p:cNvPr id="6" name="Content Placeholder 2">
+            <a:extLst>
+              <a:ext uri="{FF2B5EF4-FFF2-40B4-BE49-F238E27FC236}">
+                <a16:creationId xmlns:a16="http://schemas.microsoft.com/office/drawing/2014/main" id="{E15B9D47-9DEA-F94A-CFBF-0DAF2A277C26}"/>
+              </a:ext>
+            </a:extLst>
+          </p:cNvPr>
+          <p:cNvSpPr txBox="1">
+            <a:spLocks/>
+          </p:cNvSpPr>
+          <p:nvPr/>
+        </p:nvSpPr>
+        <p:spPr>
+          <a:xfrm>
+            <a:off x="149860" y="6142311"/>
+            <a:ext cx="5410200" cy="414367"/>
+          </a:xfrm>
+          <a:prstGeom prst="rect">
+            <a:avLst/>
+          </a:prstGeom>
+        </p:spPr>
+        <p:txBody>
+          <a:bodyPr vert="horz" lIns="91440" tIns="45720" rIns="91440" bIns="45720" rtlCol="0">
+            <a:noAutofit/>
+          </a:bodyPr>
+          <a:lstStyle>
+            <a:defPPr>
+              <a:defRPr lang="en-US"/>
+            </a:defPPr>
+            <a:lvl1pPr marL="0" algn="l" defTabSz="914400" rtl="0" eaLnBrk="1" latinLnBrk="0" hangingPunct="1">
+              <a:defRPr sz="1800" kern="1200">
+                <a:solidFill>
+                  <a:schemeClr val="tx1"/>
+                </a:solidFill>
+                <a:latin typeface="+mn-lt"/>
+                <a:ea typeface="+mn-ea"/>
+                <a:cs typeface="+mn-cs"/>
+              </a:defRPr>
+            </a:lvl1pPr>
+            <a:lvl2pPr marL="457200" algn="l" defTabSz="914400" rtl="0" eaLnBrk="1" latinLnBrk="0" hangingPunct="1">
+              <a:defRPr sz="1800" kern="1200">
+                <a:solidFill>
+                  <a:schemeClr val="tx1"/>
+                </a:solidFill>
+                <a:latin typeface="+mn-lt"/>
+                <a:ea typeface="+mn-ea"/>
+                <a:cs typeface="+mn-cs"/>
+              </a:defRPr>
+            </a:lvl2pPr>
+            <a:lvl3pPr marL="914400" algn="l" defTabSz="914400" rtl="0" eaLnBrk="1" latinLnBrk="0" hangingPunct="1">
+              <a:defRPr sz="1800" kern="1200">
+                <a:solidFill>
+                  <a:schemeClr val="tx1"/>
+                </a:solidFill>
+                <a:latin typeface="+mn-lt"/>
+                <a:ea typeface="+mn-ea"/>
+                <a:cs typeface="+mn-cs"/>
+              </a:defRPr>
+            </a:lvl3pPr>
+            <a:lvl4pPr marL="1371600" algn="l" defTabSz="914400" rtl="0" eaLnBrk="1" latinLnBrk="0" hangingPunct="1">
+              <a:defRPr sz="1800" kern="1200">
+                <a:solidFill>
+                  <a:schemeClr val="tx1"/>
+                </a:solidFill>
+                <a:latin typeface="+mn-lt"/>
+                <a:ea typeface="+mn-ea"/>
+                <a:cs typeface="+mn-cs"/>
+              </a:defRPr>
+            </a:lvl4pPr>
+            <a:lvl5pPr marL="1828800" algn="l" defTabSz="914400" rtl="0" eaLnBrk="1" latinLnBrk="0" hangingPunct="1">
+              <a:defRPr sz="1800" kern="1200">
+                <a:solidFill>
+                  <a:schemeClr val="tx1"/>
+                </a:solidFill>
+                <a:latin typeface="+mn-lt"/>
+                <a:ea typeface="+mn-ea"/>
+                <a:cs typeface="+mn-cs"/>
+              </a:defRPr>
+            </a:lvl5pPr>
+            <a:lvl6pPr marL="2286000" algn="l" defTabSz="914400" rtl="0" eaLnBrk="1" latinLnBrk="0" hangingPunct="1">
+              <a:defRPr sz="1800" kern="1200">
+                <a:solidFill>
+                  <a:schemeClr val="tx1"/>
+                </a:solidFill>
+                <a:latin typeface="+mn-lt"/>
+                <a:ea typeface="+mn-ea"/>
+                <a:cs typeface="+mn-cs"/>
+              </a:defRPr>
+            </a:lvl6pPr>
+            <a:lvl7pPr marL="2743200" algn="l" defTabSz="914400" rtl="0" eaLnBrk="1" latinLnBrk="0" hangingPunct="1">
+              <a:defRPr sz="1800" kern="1200">
+                <a:solidFill>
+                  <a:schemeClr val="tx1"/>
+                </a:solidFill>
+                <a:latin typeface="+mn-lt"/>
+                <a:ea typeface="+mn-ea"/>
+                <a:cs typeface="+mn-cs"/>
+              </a:defRPr>
+            </a:lvl7pPr>
+            <a:lvl8pPr marL="3200400" algn="l" defTabSz="914400" rtl="0" eaLnBrk="1" latinLnBrk="0" hangingPunct="1">
+              <a:defRPr sz="1800" kern="1200">
+                <a:solidFill>
+                  <a:schemeClr val="tx1"/>
+                </a:solidFill>
+                <a:latin typeface="+mn-lt"/>
+                <a:ea typeface="+mn-ea"/>
+                <a:cs typeface="+mn-cs"/>
+              </a:defRPr>
+            </a:lvl8pPr>
+            <a:lvl9pPr marL="3657600" algn="l" defTabSz="914400" rtl="0" eaLnBrk="1" latinLnBrk="0" hangingPunct="1">
+              <a:defRPr sz="1800" kern="1200">
+                <a:solidFill>
+                  <a:schemeClr val="tx1"/>
+                </a:solidFill>
+                <a:latin typeface="+mn-lt"/>
+                <a:ea typeface="+mn-ea"/>
+                <a:cs typeface="+mn-cs"/>
+              </a:defRPr>
+            </a:lvl9pPr>
+          </a:lstStyle>
+          <a:p>
+            <a:pPr algn="l"/>
+            <a:r>
+              <a:rPr lang="th-TH" sz="2400" dirty="0">
+                <a:latin typeface="TH SarabunPSK" panose="020B0500040200020003" pitchFamily="34" charset="-34"/>
+                <a:cs typeface="TH SarabunPSK" panose="020B0500040200020003" pitchFamily="34" charset="-34"/>
+              </a:rPr>
+              <a:t>โดย ผศ</a:t>
+            </a:r>
+            <a:r>
+              <a:rPr lang="en-US" sz="2400" dirty="0">
+                <a:latin typeface="TH SarabunPSK" panose="020B0500040200020003" pitchFamily="34" charset="-34"/>
+                <a:cs typeface="TH SarabunPSK" panose="020B0500040200020003" pitchFamily="34" charset="-34"/>
+              </a:rPr>
+              <a:t>. </a:t>
+            </a:r>
+            <a:r>
+              <a:rPr lang="th-TH" sz="2400" dirty="0">
+                <a:latin typeface="TH SarabunPSK" panose="020B0500040200020003" pitchFamily="34" charset="-34"/>
+                <a:cs typeface="TH SarabunPSK" panose="020B0500040200020003" pitchFamily="34" charset="-34"/>
+              </a:rPr>
+              <a:t>ดร</a:t>
+            </a:r>
+            <a:r>
+              <a:rPr lang="en-US" sz="2400" dirty="0">
+                <a:latin typeface="TH SarabunPSK" panose="020B0500040200020003" pitchFamily="34" charset="-34"/>
+                <a:cs typeface="TH SarabunPSK" panose="020B0500040200020003" pitchFamily="34" charset="-34"/>
+              </a:rPr>
+              <a:t>.</a:t>
+            </a:r>
+            <a:r>
+              <a:rPr lang="th-TH" sz="2400" dirty="0">
+                <a:latin typeface="TH SarabunPSK" panose="020B0500040200020003" pitchFamily="34" charset="-34"/>
+                <a:cs typeface="TH SarabunPSK" panose="020B0500040200020003" pitchFamily="34" charset="-34"/>
+              </a:rPr>
+              <a:t>ธนพงศ์ อินทระ สาขาวิชาสถิติ มหาวิทยาลัยขอนแก่น </a:t>
+            </a:r>
+          </a:p>
+        </p:txBody>
+      </p:sp>
     </p:spTree>
     <p:extLst>
       <p:ext uri="{BB962C8B-B14F-4D97-AF65-F5344CB8AC3E}">
@@ -4713,6 +4880,168 @@
           </a:p>
         </p:txBody>
       </p:sp>
+      <p:sp>
+        <p:nvSpPr>
+          <p:cNvPr id="9" name="Content Placeholder 2">
+            <a:extLst>
+              <a:ext uri="{FF2B5EF4-FFF2-40B4-BE49-F238E27FC236}">
+                <a16:creationId xmlns:a16="http://schemas.microsoft.com/office/drawing/2014/main" id="{0C8D4494-1969-1884-C359-2181E0F30796}"/>
+              </a:ext>
+            </a:extLst>
+          </p:cNvPr>
+          <p:cNvSpPr txBox="1">
+            <a:spLocks/>
+          </p:cNvSpPr>
+          <p:nvPr/>
+        </p:nvSpPr>
+        <p:spPr>
+          <a:xfrm>
+            <a:off x="114677" y="6142311"/>
+            <a:ext cx="5410200" cy="414367"/>
+          </a:xfrm>
+          <a:prstGeom prst="rect">
+            <a:avLst/>
+          </a:prstGeom>
+        </p:spPr>
+        <p:txBody>
+          <a:bodyPr vert="horz" lIns="91440" tIns="45720" rIns="91440" bIns="45720" rtlCol="0">
+            <a:noAutofit/>
+          </a:bodyPr>
+          <a:lstStyle>
+            <a:defPPr>
+              <a:defRPr lang="en-US"/>
+            </a:defPPr>
+            <a:lvl1pPr marL="0" algn="l" defTabSz="914400" rtl="0" eaLnBrk="1" latinLnBrk="0" hangingPunct="1">
+              <a:defRPr sz="1800" kern="1200">
+                <a:solidFill>
+                  <a:schemeClr val="tx1"/>
+                </a:solidFill>
+                <a:latin typeface="+mn-lt"/>
+                <a:ea typeface="+mn-ea"/>
+                <a:cs typeface="+mn-cs"/>
+              </a:defRPr>
+            </a:lvl1pPr>
+            <a:lvl2pPr marL="457200" algn="l" defTabSz="914400" rtl="0" eaLnBrk="1" latinLnBrk="0" hangingPunct="1">
+              <a:defRPr sz="1800" kern="1200">
+                <a:solidFill>
+                  <a:schemeClr val="tx1"/>
+                </a:solidFill>
+                <a:latin typeface="+mn-lt"/>
+                <a:ea typeface="+mn-ea"/>
+                <a:cs typeface="+mn-cs"/>
+              </a:defRPr>
+            </a:lvl2pPr>
+            <a:lvl3pPr marL="914400" algn="l" defTabSz="914400" rtl="0" eaLnBrk="1" latinLnBrk="0" hangingPunct="1">
+              <a:defRPr sz="1800" kern="1200">
+                <a:solidFill>
+                  <a:schemeClr val="tx1"/>
+                </a:solidFill>
+                <a:latin typeface="+mn-lt"/>
+                <a:ea typeface="+mn-ea"/>
+                <a:cs typeface="+mn-cs"/>
+              </a:defRPr>
+            </a:lvl3pPr>
+            <a:lvl4pPr marL="1371600" algn="l" defTabSz="914400" rtl="0" eaLnBrk="1" latinLnBrk="0" hangingPunct="1">
+              <a:defRPr sz="1800" kern="1200">
+                <a:solidFill>
+                  <a:schemeClr val="tx1"/>
+                </a:solidFill>
+                <a:latin typeface="+mn-lt"/>
+                <a:ea typeface="+mn-ea"/>
+                <a:cs typeface="+mn-cs"/>
+              </a:defRPr>
+            </a:lvl4pPr>
+            <a:lvl5pPr marL="1828800" algn="l" defTabSz="914400" rtl="0" eaLnBrk="1" latinLnBrk="0" hangingPunct="1">
+              <a:defRPr sz="1800" kern="1200">
+                <a:solidFill>
+                  <a:schemeClr val="tx1"/>
+                </a:solidFill>
+                <a:latin typeface="+mn-lt"/>
+                <a:ea typeface="+mn-ea"/>
+                <a:cs typeface="+mn-cs"/>
+              </a:defRPr>
+            </a:lvl5pPr>
+            <a:lvl6pPr marL="2286000" algn="l" defTabSz="914400" rtl="0" eaLnBrk="1" latinLnBrk="0" hangingPunct="1">
+              <a:defRPr sz="1800" kern="1200">
+                <a:solidFill>
+                  <a:schemeClr val="tx1"/>
+                </a:solidFill>
+                <a:latin typeface="+mn-lt"/>
+                <a:ea typeface="+mn-ea"/>
+                <a:cs typeface="+mn-cs"/>
+              </a:defRPr>
+            </a:lvl6pPr>
+            <a:lvl7pPr marL="2743200" algn="l" defTabSz="914400" rtl="0" eaLnBrk="1" latinLnBrk="0" hangingPunct="1">
+              <a:defRPr sz="1800" kern="1200">
+                <a:solidFill>
+                  <a:schemeClr val="tx1"/>
+                </a:solidFill>
+                <a:latin typeface="+mn-lt"/>
+                <a:ea typeface="+mn-ea"/>
+                <a:cs typeface="+mn-cs"/>
+              </a:defRPr>
+            </a:lvl7pPr>
+            <a:lvl8pPr marL="3200400" algn="l" defTabSz="914400" rtl="0" eaLnBrk="1" latinLnBrk="0" hangingPunct="1">
+              <a:defRPr sz="1800" kern="1200">
+                <a:solidFill>
+                  <a:schemeClr val="tx1"/>
+                </a:solidFill>
+                <a:latin typeface="+mn-lt"/>
+                <a:ea typeface="+mn-ea"/>
+                <a:cs typeface="+mn-cs"/>
+              </a:defRPr>
+            </a:lvl8pPr>
+            <a:lvl9pPr marL="3657600" algn="l" defTabSz="914400" rtl="0" eaLnBrk="1" latinLnBrk="0" hangingPunct="1">
+              <a:defRPr sz="1800" kern="1200">
+                <a:solidFill>
+                  <a:schemeClr val="tx1"/>
+                </a:solidFill>
+                <a:latin typeface="+mn-lt"/>
+                <a:ea typeface="+mn-ea"/>
+                <a:cs typeface="+mn-cs"/>
+              </a:defRPr>
+            </a:lvl9pPr>
+          </a:lstStyle>
+          <a:p>
+            <a:pPr algn="l"/>
+            <a:r>
+              <a:rPr lang="th-TH" sz="2400" dirty="0">
+                <a:latin typeface="TH SarabunPSK" panose="020B0500040200020003" pitchFamily="34" charset="-34"/>
+                <a:cs typeface="TH SarabunPSK" panose="020B0500040200020003" pitchFamily="34" charset="-34"/>
+              </a:rPr>
+              <a:t>โดย ผศ</a:t>
+            </a:r>
+            <a:r>
+              <a:rPr lang="en-US" sz="2400" dirty="0">
+                <a:latin typeface="TH SarabunPSK" panose="020B0500040200020003" pitchFamily="34" charset="-34"/>
+                <a:cs typeface="TH SarabunPSK" panose="020B0500040200020003" pitchFamily="34" charset="-34"/>
+              </a:rPr>
+              <a:t>. </a:t>
+            </a:r>
+            <a:r>
+              <a:rPr lang="th-TH" sz="2400" dirty="0">
+                <a:latin typeface="TH SarabunPSK" panose="020B0500040200020003" pitchFamily="34" charset="-34"/>
+                <a:cs typeface="TH SarabunPSK" panose="020B0500040200020003" pitchFamily="34" charset="-34"/>
+              </a:rPr>
+              <a:t>ดร</a:t>
+            </a:r>
+            <a:r>
+              <a:rPr lang="en-US" sz="2400" dirty="0">
+                <a:latin typeface="TH SarabunPSK" panose="020B0500040200020003" pitchFamily="34" charset="-34"/>
+                <a:cs typeface="TH SarabunPSK" panose="020B0500040200020003" pitchFamily="34" charset="-34"/>
+              </a:rPr>
+              <a:t>.</a:t>
+            </a:r>
+            <a:r>
+              <a:rPr lang="th-TH" sz="2400" dirty="0">
+                <a:latin typeface="TH SarabunPSK" panose="020B0500040200020003" pitchFamily="34" charset="-34"/>
+                <a:cs typeface="TH SarabunPSK" panose="020B0500040200020003" pitchFamily="34" charset="-34"/>
+              </a:rPr>
+              <a:t>ธนพงศ์ อินทระ สาขาวิชาสถิติ มหาวิทยาลัยขอนแก่น </a:t>
+            </a:r>
+          </a:p>
+        </p:txBody>
+      </p:sp>
     </p:spTree>
     <p:extLst>
       <p:ext uri="{BB962C8B-B14F-4D97-AF65-F5344CB8AC3E}">
@@ -5378,6 +5707,168 @@
           </a:p>
         </p:txBody>
       </p:sp>
+      <p:sp>
+        <p:nvSpPr>
+          <p:cNvPr id="9" name="Content Placeholder 2">
+            <a:extLst>
+              <a:ext uri="{FF2B5EF4-FFF2-40B4-BE49-F238E27FC236}">
+                <a16:creationId xmlns:a16="http://schemas.microsoft.com/office/drawing/2014/main" id="{B2830852-5C94-6598-110C-4CB739AE8331}"/>
+              </a:ext>
+            </a:extLst>
+          </p:cNvPr>
+          <p:cNvSpPr txBox="1">
+            <a:spLocks/>
+          </p:cNvSpPr>
+          <p:nvPr/>
+        </p:nvSpPr>
+        <p:spPr>
+          <a:xfrm>
+            <a:off x="114677" y="6142311"/>
+            <a:ext cx="5410200" cy="414367"/>
+          </a:xfrm>
+          <a:prstGeom prst="rect">
+            <a:avLst/>
+          </a:prstGeom>
+        </p:spPr>
+        <p:txBody>
+          <a:bodyPr vert="horz" lIns="91440" tIns="45720" rIns="91440" bIns="45720" rtlCol="0">
+            <a:noAutofit/>
+          </a:bodyPr>
+          <a:lstStyle>
+            <a:defPPr>
+              <a:defRPr lang="en-US"/>
+            </a:defPPr>
+            <a:lvl1pPr marL="0" algn="l" defTabSz="914400" rtl="0" eaLnBrk="1" latinLnBrk="0" hangingPunct="1">
+              <a:defRPr sz="1800" kern="1200">
+                <a:solidFill>
+                  <a:schemeClr val="tx1"/>
+                </a:solidFill>
+                <a:latin typeface="+mn-lt"/>
+                <a:ea typeface="+mn-ea"/>
+                <a:cs typeface="+mn-cs"/>
+              </a:defRPr>
+            </a:lvl1pPr>
+            <a:lvl2pPr marL="457200" algn="l" defTabSz="914400" rtl="0" eaLnBrk="1" latinLnBrk="0" hangingPunct="1">
+              <a:defRPr sz="1800" kern="1200">
+                <a:solidFill>
+                  <a:schemeClr val="tx1"/>
+                </a:solidFill>
+                <a:latin typeface="+mn-lt"/>
+                <a:ea typeface="+mn-ea"/>
+                <a:cs typeface="+mn-cs"/>
+              </a:defRPr>
+            </a:lvl2pPr>
+            <a:lvl3pPr marL="914400" algn="l" defTabSz="914400" rtl="0" eaLnBrk="1" latinLnBrk="0" hangingPunct="1">
+              <a:defRPr sz="1800" kern="1200">
+                <a:solidFill>
+                  <a:schemeClr val="tx1"/>
+                </a:solidFill>
+                <a:latin typeface="+mn-lt"/>
+                <a:ea typeface="+mn-ea"/>
+                <a:cs typeface="+mn-cs"/>
+              </a:defRPr>
+            </a:lvl3pPr>
+            <a:lvl4pPr marL="1371600" algn="l" defTabSz="914400" rtl="0" eaLnBrk="1" latinLnBrk="0" hangingPunct="1">
+              <a:defRPr sz="1800" kern="1200">
+                <a:solidFill>
+                  <a:schemeClr val="tx1"/>
+                </a:solidFill>
+                <a:latin typeface="+mn-lt"/>
+                <a:ea typeface="+mn-ea"/>
+                <a:cs typeface="+mn-cs"/>
+              </a:defRPr>
+            </a:lvl4pPr>
+            <a:lvl5pPr marL="1828800" algn="l" defTabSz="914400" rtl="0" eaLnBrk="1" latinLnBrk="0" hangingPunct="1">
+              <a:defRPr sz="1800" kern="1200">
+                <a:solidFill>
+                  <a:schemeClr val="tx1"/>
+                </a:solidFill>
+                <a:latin typeface="+mn-lt"/>
+                <a:ea typeface="+mn-ea"/>
+                <a:cs typeface="+mn-cs"/>
+              </a:defRPr>
+            </a:lvl5pPr>
+            <a:lvl6pPr marL="2286000" algn="l" defTabSz="914400" rtl="0" eaLnBrk="1" latinLnBrk="0" hangingPunct="1">
+              <a:defRPr sz="1800" kern="1200">
+                <a:solidFill>
+                  <a:schemeClr val="tx1"/>
+                </a:solidFill>
+                <a:latin typeface="+mn-lt"/>
+                <a:ea typeface="+mn-ea"/>
+                <a:cs typeface="+mn-cs"/>
+              </a:defRPr>
+            </a:lvl6pPr>
+            <a:lvl7pPr marL="2743200" algn="l" defTabSz="914400" rtl="0" eaLnBrk="1" latinLnBrk="0" hangingPunct="1">
+              <a:defRPr sz="1800" kern="1200">
+                <a:solidFill>
+                  <a:schemeClr val="tx1"/>
+                </a:solidFill>
+                <a:latin typeface="+mn-lt"/>
+                <a:ea typeface="+mn-ea"/>
+                <a:cs typeface="+mn-cs"/>
+              </a:defRPr>
+            </a:lvl7pPr>
+            <a:lvl8pPr marL="3200400" algn="l" defTabSz="914400" rtl="0" eaLnBrk="1" latinLnBrk="0" hangingPunct="1">
+              <a:defRPr sz="1800" kern="1200">
+                <a:solidFill>
+                  <a:schemeClr val="tx1"/>
+                </a:solidFill>
+                <a:latin typeface="+mn-lt"/>
+                <a:ea typeface="+mn-ea"/>
+                <a:cs typeface="+mn-cs"/>
+              </a:defRPr>
+            </a:lvl8pPr>
+            <a:lvl9pPr marL="3657600" algn="l" defTabSz="914400" rtl="0" eaLnBrk="1" latinLnBrk="0" hangingPunct="1">
+              <a:defRPr sz="1800" kern="1200">
+                <a:solidFill>
+                  <a:schemeClr val="tx1"/>
+                </a:solidFill>
+                <a:latin typeface="+mn-lt"/>
+                <a:ea typeface="+mn-ea"/>
+                <a:cs typeface="+mn-cs"/>
+              </a:defRPr>
+            </a:lvl9pPr>
+          </a:lstStyle>
+          <a:p>
+            <a:pPr algn="l"/>
+            <a:r>
+              <a:rPr lang="th-TH" sz="2400" dirty="0">
+                <a:latin typeface="TH SarabunPSK" panose="020B0500040200020003" pitchFamily="34" charset="-34"/>
+                <a:cs typeface="TH SarabunPSK" panose="020B0500040200020003" pitchFamily="34" charset="-34"/>
+              </a:rPr>
+              <a:t>โดย ผศ</a:t>
+            </a:r>
+            <a:r>
+              <a:rPr lang="en-US" sz="2400" dirty="0">
+                <a:latin typeface="TH SarabunPSK" panose="020B0500040200020003" pitchFamily="34" charset="-34"/>
+                <a:cs typeface="TH SarabunPSK" panose="020B0500040200020003" pitchFamily="34" charset="-34"/>
+              </a:rPr>
+              <a:t>. </a:t>
+            </a:r>
+            <a:r>
+              <a:rPr lang="th-TH" sz="2400" dirty="0">
+                <a:latin typeface="TH SarabunPSK" panose="020B0500040200020003" pitchFamily="34" charset="-34"/>
+                <a:cs typeface="TH SarabunPSK" panose="020B0500040200020003" pitchFamily="34" charset="-34"/>
+              </a:rPr>
+              <a:t>ดร</a:t>
+            </a:r>
+            <a:r>
+              <a:rPr lang="en-US" sz="2400" dirty="0">
+                <a:latin typeface="TH SarabunPSK" panose="020B0500040200020003" pitchFamily="34" charset="-34"/>
+                <a:cs typeface="TH SarabunPSK" panose="020B0500040200020003" pitchFamily="34" charset="-34"/>
+              </a:rPr>
+              <a:t>.</a:t>
+            </a:r>
+            <a:r>
+              <a:rPr lang="th-TH" sz="2400" dirty="0">
+                <a:latin typeface="TH SarabunPSK" panose="020B0500040200020003" pitchFamily="34" charset="-34"/>
+                <a:cs typeface="TH SarabunPSK" panose="020B0500040200020003" pitchFamily="34" charset="-34"/>
+              </a:rPr>
+              <a:t>ธนพงศ์ อินทระ สาขาวิชาสถิติ มหาวิทยาลัยขอนแก่น </a:t>
+            </a:r>
+          </a:p>
+        </p:txBody>
+      </p:sp>
     </p:spTree>
     <p:extLst>
       <p:ext uri="{BB962C8B-B14F-4D97-AF65-F5344CB8AC3E}">
@@ -6189,6 +6680,168 @@
           </a:p>
         </p:txBody>
       </p:sp>
+      <p:sp>
+        <p:nvSpPr>
+          <p:cNvPr id="9" name="Content Placeholder 2">
+            <a:extLst>
+              <a:ext uri="{FF2B5EF4-FFF2-40B4-BE49-F238E27FC236}">
+                <a16:creationId xmlns:a16="http://schemas.microsoft.com/office/drawing/2014/main" id="{554B7044-6266-89DB-8DD0-8BE1B6209941}"/>
+              </a:ext>
+            </a:extLst>
+          </p:cNvPr>
+          <p:cNvSpPr txBox="1">
+            <a:spLocks/>
+          </p:cNvSpPr>
+          <p:nvPr/>
+        </p:nvSpPr>
+        <p:spPr>
+          <a:xfrm>
+            <a:off x="114677" y="6142311"/>
+            <a:ext cx="5410200" cy="414367"/>
+          </a:xfrm>
+          <a:prstGeom prst="rect">
+            <a:avLst/>
+          </a:prstGeom>
+        </p:spPr>
+        <p:txBody>
+          <a:bodyPr vert="horz" lIns="91440" tIns="45720" rIns="91440" bIns="45720" rtlCol="0">
+            <a:noAutofit/>
+          </a:bodyPr>
+          <a:lstStyle>
+            <a:defPPr>
+              <a:defRPr lang="en-US"/>
+            </a:defPPr>
+            <a:lvl1pPr marL="0" algn="l" defTabSz="914400" rtl="0" eaLnBrk="1" latinLnBrk="0" hangingPunct="1">
+              <a:defRPr sz="1800" kern="1200">
+                <a:solidFill>
+                  <a:schemeClr val="tx1"/>
+                </a:solidFill>
+                <a:latin typeface="+mn-lt"/>
+                <a:ea typeface="+mn-ea"/>
+                <a:cs typeface="+mn-cs"/>
+              </a:defRPr>
+            </a:lvl1pPr>
+            <a:lvl2pPr marL="457200" algn="l" defTabSz="914400" rtl="0" eaLnBrk="1" latinLnBrk="0" hangingPunct="1">
+              <a:defRPr sz="1800" kern="1200">
+                <a:solidFill>
+                  <a:schemeClr val="tx1"/>
+                </a:solidFill>
+                <a:latin typeface="+mn-lt"/>
+                <a:ea typeface="+mn-ea"/>
+                <a:cs typeface="+mn-cs"/>
+              </a:defRPr>
+            </a:lvl2pPr>
+            <a:lvl3pPr marL="914400" algn="l" defTabSz="914400" rtl="0" eaLnBrk="1" latinLnBrk="0" hangingPunct="1">
+              <a:defRPr sz="1800" kern="1200">
+                <a:solidFill>
+                  <a:schemeClr val="tx1"/>
+                </a:solidFill>
+                <a:latin typeface="+mn-lt"/>
+                <a:ea typeface="+mn-ea"/>
+                <a:cs typeface="+mn-cs"/>
+              </a:defRPr>
+            </a:lvl3pPr>
+            <a:lvl4pPr marL="1371600" algn="l" defTabSz="914400" rtl="0" eaLnBrk="1" latinLnBrk="0" hangingPunct="1">
+              <a:defRPr sz="1800" kern="1200">
+                <a:solidFill>
+                  <a:schemeClr val="tx1"/>
+                </a:solidFill>
+                <a:latin typeface="+mn-lt"/>
+                <a:ea typeface="+mn-ea"/>
+                <a:cs typeface="+mn-cs"/>
+              </a:defRPr>
+            </a:lvl4pPr>
+            <a:lvl5pPr marL="1828800" algn="l" defTabSz="914400" rtl="0" eaLnBrk="1" latinLnBrk="0" hangingPunct="1">
+              <a:defRPr sz="1800" kern="1200">
+                <a:solidFill>
+                  <a:schemeClr val="tx1"/>
+                </a:solidFill>
+                <a:latin typeface="+mn-lt"/>
+                <a:ea typeface="+mn-ea"/>
+                <a:cs typeface="+mn-cs"/>
+              </a:defRPr>
+            </a:lvl5pPr>
+            <a:lvl6pPr marL="2286000" algn="l" defTabSz="914400" rtl="0" eaLnBrk="1" latinLnBrk="0" hangingPunct="1">
+              <a:defRPr sz="1800" kern="1200">
+                <a:solidFill>
+                  <a:schemeClr val="tx1"/>
+                </a:solidFill>
+                <a:latin typeface="+mn-lt"/>
+                <a:ea typeface="+mn-ea"/>
+                <a:cs typeface="+mn-cs"/>
+              </a:defRPr>
+            </a:lvl6pPr>
+            <a:lvl7pPr marL="2743200" algn="l" defTabSz="914400" rtl="0" eaLnBrk="1" latinLnBrk="0" hangingPunct="1">
+              <a:defRPr sz="1800" kern="1200">
+                <a:solidFill>
+                  <a:schemeClr val="tx1"/>
+                </a:solidFill>
+                <a:latin typeface="+mn-lt"/>
+                <a:ea typeface="+mn-ea"/>
+                <a:cs typeface="+mn-cs"/>
+              </a:defRPr>
+            </a:lvl7pPr>
+            <a:lvl8pPr marL="3200400" algn="l" defTabSz="914400" rtl="0" eaLnBrk="1" latinLnBrk="0" hangingPunct="1">
+              <a:defRPr sz="1800" kern="1200">
+                <a:solidFill>
+                  <a:schemeClr val="tx1"/>
+                </a:solidFill>
+                <a:latin typeface="+mn-lt"/>
+                <a:ea typeface="+mn-ea"/>
+                <a:cs typeface="+mn-cs"/>
+              </a:defRPr>
+            </a:lvl8pPr>
+            <a:lvl9pPr marL="3657600" algn="l" defTabSz="914400" rtl="0" eaLnBrk="1" latinLnBrk="0" hangingPunct="1">
+              <a:defRPr sz="1800" kern="1200">
+                <a:solidFill>
+                  <a:schemeClr val="tx1"/>
+                </a:solidFill>
+                <a:latin typeface="+mn-lt"/>
+                <a:ea typeface="+mn-ea"/>
+                <a:cs typeface="+mn-cs"/>
+              </a:defRPr>
+            </a:lvl9pPr>
+          </a:lstStyle>
+          <a:p>
+            <a:pPr algn="l"/>
+            <a:r>
+              <a:rPr lang="th-TH" sz="2400" dirty="0">
+                <a:latin typeface="TH SarabunPSK" panose="020B0500040200020003" pitchFamily="34" charset="-34"/>
+                <a:cs typeface="TH SarabunPSK" panose="020B0500040200020003" pitchFamily="34" charset="-34"/>
+              </a:rPr>
+              <a:t>โดย ผศ</a:t>
+            </a:r>
+            <a:r>
+              <a:rPr lang="en-US" sz="2400" dirty="0">
+                <a:latin typeface="TH SarabunPSK" panose="020B0500040200020003" pitchFamily="34" charset="-34"/>
+                <a:cs typeface="TH SarabunPSK" panose="020B0500040200020003" pitchFamily="34" charset="-34"/>
+              </a:rPr>
+              <a:t>. </a:t>
+            </a:r>
+            <a:r>
+              <a:rPr lang="th-TH" sz="2400" dirty="0">
+                <a:latin typeface="TH SarabunPSK" panose="020B0500040200020003" pitchFamily="34" charset="-34"/>
+                <a:cs typeface="TH SarabunPSK" panose="020B0500040200020003" pitchFamily="34" charset="-34"/>
+              </a:rPr>
+              <a:t>ดร</a:t>
+            </a:r>
+            <a:r>
+              <a:rPr lang="en-US" sz="2400" dirty="0">
+                <a:latin typeface="TH SarabunPSK" panose="020B0500040200020003" pitchFamily="34" charset="-34"/>
+                <a:cs typeface="TH SarabunPSK" panose="020B0500040200020003" pitchFamily="34" charset="-34"/>
+              </a:rPr>
+              <a:t>.</a:t>
+            </a:r>
+            <a:r>
+              <a:rPr lang="th-TH" sz="2400" dirty="0">
+                <a:latin typeface="TH SarabunPSK" panose="020B0500040200020003" pitchFamily="34" charset="-34"/>
+                <a:cs typeface="TH SarabunPSK" panose="020B0500040200020003" pitchFamily="34" charset="-34"/>
+              </a:rPr>
+              <a:t>ธนพงศ์ อินทระ สาขาวิชาสถิติ มหาวิทยาลัยขอนแก่น </a:t>
+            </a:r>
+          </a:p>
+        </p:txBody>
+      </p:sp>
     </p:spTree>
     <p:extLst>
       <p:ext uri="{BB962C8B-B14F-4D97-AF65-F5344CB8AC3E}">
@@ -7504,6 +8157,168 @@
           </a:p>
         </p:txBody>
       </p:sp>
+      <p:sp>
+        <p:nvSpPr>
+          <p:cNvPr id="3" name="Content Placeholder 2">
+            <a:extLst>
+              <a:ext uri="{FF2B5EF4-FFF2-40B4-BE49-F238E27FC236}">
+                <a16:creationId xmlns:a16="http://schemas.microsoft.com/office/drawing/2014/main" id="{061AAA52-499A-A1E2-9CEF-8A66340CFFF6}"/>
+              </a:ext>
+            </a:extLst>
+          </p:cNvPr>
+          <p:cNvSpPr txBox="1">
+            <a:spLocks/>
+          </p:cNvSpPr>
+          <p:nvPr/>
+        </p:nvSpPr>
+        <p:spPr>
+          <a:xfrm>
+            <a:off x="114677" y="6142311"/>
+            <a:ext cx="5410200" cy="414367"/>
+          </a:xfrm>
+          <a:prstGeom prst="rect">
+            <a:avLst/>
+          </a:prstGeom>
+        </p:spPr>
+        <p:txBody>
+          <a:bodyPr vert="horz" lIns="91440" tIns="45720" rIns="91440" bIns="45720" rtlCol="0">
+            <a:noAutofit/>
+          </a:bodyPr>
+          <a:lstStyle>
+            <a:defPPr>
+              <a:defRPr lang="en-US"/>
+            </a:defPPr>
+            <a:lvl1pPr marL="0" algn="l" defTabSz="914400" rtl="0" eaLnBrk="1" latinLnBrk="0" hangingPunct="1">
+              <a:defRPr sz="1800" kern="1200">
+                <a:solidFill>
+                  <a:schemeClr val="tx1"/>
+                </a:solidFill>
+                <a:latin typeface="+mn-lt"/>
+                <a:ea typeface="+mn-ea"/>
+                <a:cs typeface="+mn-cs"/>
+              </a:defRPr>
+            </a:lvl1pPr>
+            <a:lvl2pPr marL="457200" algn="l" defTabSz="914400" rtl="0" eaLnBrk="1" latinLnBrk="0" hangingPunct="1">
+              <a:defRPr sz="1800" kern="1200">
+                <a:solidFill>
+                  <a:schemeClr val="tx1"/>
+                </a:solidFill>
+                <a:latin typeface="+mn-lt"/>
+                <a:ea typeface="+mn-ea"/>
+                <a:cs typeface="+mn-cs"/>
+              </a:defRPr>
+            </a:lvl2pPr>
+            <a:lvl3pPr marL="914400" algn="l" defTabSz="914400" rtl="0" eaLnBrk="1" latinLnBrk="0" hangingPunct="1">
+              <a:defRPr sz="1800" kern="1200">
+                <a:solidFill>
+                  <a:schemeClr val="tx1"/>
+                </a:solidFill>
+                <a:latin typeface="+mn-lt"/>
+                <a:ea typeface="+mn-ea"/>
+                <a:cs typeface="+mn-cs"/>
+              </a:defRPr>
+            </a:lvl3pPr>
+            <a:lvl4pPr marL="1371600" algn="l" defTabSz="914400" rtl="0" eaLnBrk="1" latinLnBrk="0" hangingPunct="1">
+              <a:defRPr sz="1800" kern="1200">
+                <a:solidFill>
+                  <a:schemeClr val="tx1"/>
+                </a:solidFill>
+                <a:latin typeface="+mn-lt"/>
+                <a:ea typeface="+mn-ea"/>
+                <a:cs typeface="+mn-cs"/>
+              </a:defRPr>
+            </a:lvl4pPr>
+            <a:lvl5pPr marL="1828800" algn="l" defTabSz="914400" rtl="0" eaLnBrk="1" latinLnBrk="0" hangingPunct="1">
+              <a:defRPr sz="1800" kern="1200">
+                <a:solidFill>
+                  <a:schemeClr val="tx1"/>
+                </a:solidFill>
+                <a:latin typeface="+mn-lt"/>
+                <a:ea typeface="+mn-ea"/>
+                <a:cs typeface="+mn-cs"/>
+              </a:defRPr>
+            </a:lvl5pPr>
+            <a:lvl6pPr marL="2286000" algn="l" defTabSz="914400" rtl="0" eaLnBrk="1" latinLnBrk="0" hangingPunct="1">
+              <a:defRPr sz="1800" kern="1200">
+                <a:solidFill>
+                  <a:schemeClr val="tx1"/>
+                </a:solidFill>
+                <a:latin typeface="+mn-lt"/>
+                <a:ea typeface="+mn-ea"/>
+                <a:cs typeface="+mn-cs"/>
+              </a:defRPr>
+            </a:lvl6pPr>
+            <a:lvl7pPr marL="2743200" algn="l" defTabSz="914400" rtl="0" eaLnBrk="1" latinLnBrk="0" hangingPunct="1">
+              <a:defRPr sz="1800" kern="1200">
+                <a:solidFill>
+                  <a:schemeClr val="tx1"/>
+                </a:solidFill>
+                <a:latin typeface="+mn-lt"/>
+                <a:ea typeface="+mn-ea"/>
+                <a:cs typeface="+mn-cs"/>
+              </a:defRPr>
+            </a:lvl7pPr>
+            <a:lvl8pPr marL="3200400" algn="l" defTabSz="914400" rtl="0" eaLnBrk="1" latinLnBrk="0" hangingPunct="1">
+              <a:defRPr sz="1800" kern="1200">
+                <a:solidFill>
+                  <a:schemeClr val="tx1"/>
+                </a:solidFill>
+                <a:latin typeface="+mn-lt"/>
+                <a:ea typeface="+mn-ea"/>
+                <a:cs typeface="+mn-cs"/>
+              </a:defRPr>
+            </a:lvl8pPr>
+            <a:lvl9pPr marL="3657600" algn="l" defTabSz="914400" rtl="0" eaLnBrk="1" latinLnBrk="0" hangingPunct="1">
+              <a:defRPr sz="1800" kern="1200">
+                <a:solidFill>
+                  <a:schemeClr val="tx1"/>
+                </a:solidFill>
+                <a:latin typeface="+mn-lt"/>
+                <a:ea typeface="+mn-ea"/>
+                <a:cs typeface="+mn-cs"/>
+              </a:defRPr>
+            </a:lvl9pPr>
+          </a:lstStyle>
+          <a:p>
+            <a:pPr algn="l"/>
+            <a:r>
+              <a:rPr lang="th-TH" sz="2400" dirty="0">
+                <a:latin typeface="TH SarabunPSK" panose="020B0500040200020003" pitchFamily="34" charset="-34"/>
+                <a:cs typeface="TH SarabunPSK" panose="020B0500040200020003" pitchFamily="34" charset="-34"/>
+              </a:rPr>
+              <a:t>โดย ผศ</a:t>
+            </a:r>
+            <a:r>
+              <a:rPr lang="en-US" sz="2400" dirty="0">
+                <a:latin typeface="TH SarabunPSK" panose="020B0500040200020003" pitchFamily="34" charset="-34"/>
+                <a:cs typeface="TH SarabunPSK" panose="020B0500040200020003" pitchFamily="34" charset="-34"/>
+              </a:rPr>
+              <a:t>. </a:t>
+            </a:r>
+            <a:r>
+              <a:rPr lang="th-TH" sz="2400" dirty="0">
+                <a:latin typeface="TH SarabunPSK" panose="020B0500040200020003" pitchFamily="34" charset="-34"/>
+                <a:cs typeface="TH SarabunPSK" panose="020B0500040200020003" pitchFamily="34" charset="-34"/>
+              </a:rPr>
+              <a:t>ดร</a:t>
+            </a:r>
+            <a:r>
+              <a:rPr lang="en-US" sz="2400" dirty="0">
+                <a:latin typeface="TH SarabunPSK" panose="020B0500040200020003" pitchFamily="34" charset="-34"/>
+                <a:cs typeface="TH SarabunPSK" panose="020B0500040200020003" pitchFamily="34" charset="-34"/>
+              </a:rPr>
+              <a:t>.</a:t>
+            </a:r>
+            <a:r>
+              <a:rPr lang="th-TH" sz="2400" dirty="0">
+                <a:latin typeface="TH SarabunPSK" panose="020B0500040200020003" pitchFamily="34" charset="-34"/>
+                <a:cs typeface="TH SarabunPSK" panose="020B0500040200020003" pitchFamily="34" charset="-34"/>
+              </a:rPr>
+              <a:t>ธนพงศ์ อินทระ สาขาวิชาสถิติ มหาวิทยาลัยขอนแก่น </a:t>
+            </a:r>
+          </a:p>
+        </p:txBody>
+      </p:sp>
     </p:spTree>
     <p:extLst>
       <p:ext uri="{BB962C8B-B14F-4D97-AF65-F5344CB8AC3E}">
@@ -8274,6 +9089,168 @@
           </a:p>
         </p:txBody>
       </p:sp>
+      <p:sp>
+        <p:nvSpPr>
+          <p:cNvPr id="9" name="Content Placeholder 2">
+            <a:extLst>
+              <a:ext uri="{FF2B5EF4-FFF2-40B4-BE49-F238E27FC236}">
+                <a16:creationId xmlns:a16="http://schemas.microsoft.com/office/drawing/2014/main" id="{95093CBC-76A4-A466-1647-23AC9BAA5413}"/>
+              </a:ext>
+            </a:extLst>
+          </p:cNvPr>
+          <p:cNvSpPr txBox="1">
+            <a:spLocks/>
+          </p:cNvSpPr>
+          <p:nvPr/>
+        </p:nvSpPr>
+        <p:spPr>
+          <a:xfrm>
+            <a:off x="114677" y="6142311"/>
+            <a:ext cx="5410200" cy="414367"/>
+          </a:xfrm>
+          <a:prstGeom prst="rect">
+            <a:avLst/>
+          </a:prstGeom>
+        </p:spPr>
+        <p:txBody>
+          <a:bodyPr vert="horz" lIns="91440" tIns="45720" rIns="91440" bIns="45720" rtlCol="0">
+            <a:noAutofit/>
+          </a:bodyPr>
+          <a:lstStyle>
+            <a:defPPr>
+              <a:defRPr lang="en-US"/>
+            </a:defPPr>
+            <a:lvl1pPr marL="0" algn="l" defTabSz="914400" rtl="0" eaLnBrk="1" latinLnBrk="0" hangingPunct="1">
+              <a:defRPr sz="1800" kern="1200">
+                <a:solidFill>
+                  <a:schemeClr val="tx1"/>
+                </a:solidFill>
+                <a:latin typeface="+mn-lt"/>
+                <a:ea typeface="+mn-ea"/>
+                <a:cs typeface="+mn-cs"/>
+              </a:defRPr>
+            </a:lvl1pPr>
+            <a:lvl2pPr marL="457200" algn="l" defTabSz="914400" rtl="0" eaLnBrk="1" latinLnBrk="0" hangingPunct="1">
+              <a:defRPr sz="1800" kern="1200">
+                <a:solidFill>
+                  <a:schemeClr val="tx1"/>
+                </a:solidFill>
+                <a:latin typeface="+mn-lt"/>
+                <a:ea typeface="+mn-ea"/>
+                <a:cs typeface="+mn-cs"/>
+              </a:defRPr>
+            </a:lvl2pPr>
+            <a:lvl3pPr marL="914400" algn="l" defTabSz="914400" rtl="0" eaLnBrk="1" latinLnBrk="0" hangingPunct="1">
+              <a:defRPr sz="1800" kern="1200">
+                <a:solidFill>
+                  <a:schemeClr val="tx1"/>
+                </a:solidFill>
+                <a:latin typeface="+mn-lt"/>
+                <a:ea typeface="+mn-ea"/>
+                <a:cs typeface="+mn-cs"/>
+              </a:defRPr>
+            </a:lvl3pPr>
+            <a:lvl4pPr marL="1371600" algn="l" defTabSz="914400" rtl="0" eaLnBrk="1" latinLnBrk="0" hangingPunct="1">
+              <a:defRPr sz="1800" kern="1200">
+                <a:solidFill>
+                  <a:schemeClr val="tx1"/>
+                </a:solidFill>
+                <a:latin typeface="+mn-lt"/>
+                <a:ea typeface="+mn-ea"/>
+                <a:cs typeface="+mn-cs"/>
+              </a:defRPr>
+            </a:lvl4pPr>
+            <a:lvl5pPr marL="1828800" algn="l" defTabSz="914400" rtl="0" eaLnBrk="1" latinLnBrk="0" hangingPunct="1">
+              <a:defRPr sz="1800" kern="1200">
+                <a:solidFill>
+                  <a:schemeClr val="tx1"/>
+                </a:solidFill>
+                <a:latin typeface="+mn-lt"/>
+                <a:ea typeface="+mn-ea"/>
+                <a:cs typeface="+mn-cs"/>
+              </a:defRPr>
+            </a:lvl5pPr>
+            <a:lvl6pPr marL="2286000" algn="l" defTabSz="914400" rtl="0" eaLnBrk="1" latinLnBrk="0" hangingPunct="1">
+              <a:defRPr sz="1800" kern="1200">
+                <a:solidFill>
+                  <a:schemeClr val="tx1"/>
+                </a:solidFill>
+                <a:latin typeface="+mn-lt"/>
+                <a:ea typeface="+mn-ea"/>
+                <a:cs typeface="+mn-cs"/>
+              </a:defRPr>
+            </a:lvl6pPr>
+            <a:lvl7pPr marL="2743200" algn="l" defTabSz="914400" rtl="0" eaLnBrk="1" latinLnBrk="0" hangingPunct="1">
+              <a:defRPr sz="1800" kern="1200">
+                <a:solidFill>
+                  <a:schemeClr val="tx1"/>
+                </a:solidFill>
+                <a:latin typeface="+mn-lt"/>
+                <a:ea typeface="+mn-ea"/>
+                <a:cs typeface="+mn-cs"/>
+              </a:defRPr>
+            </a:lvl7pPr>
+            <a:lvl8pPr marL="3200400" algn="l" defTabSz="914400" rtl="0" eaLnBrk="1" latinLnBrk="0" hangingPunct="1">
+              <a:defRPr sz="1800" kern="1200">
+                <a:solidFill>
+                  <a:schemeClr val="tx1"/>
+                </a:solidFill>
+                <a:latin typeface="+mn-lt"/>
+                <a:ea typeface="+mn-ea"/>
+                <a:cs typeface="+mn-cs"/>
+              </a:defRPr>
+            </a:lvl8pPr>
+            <a:lvl9pPr marL="3657600" algn="l" defTabSz="914400" rtl="0" eaLnBrk="1" latinLnBrk="0" hangingPunct="1">
+              <a:defRPr sz="1800" kern="1200">
+                <a:solidFill>
+                  <a:schemeClr val="tx1"/>
+                </a:solidFill>
+                <a:latin typeface="+mn-lt"/>
+                <a:ea typeface="+mn-ea"/>
+                <a:cs typeface="+mn-cs"/>
+              </a:defRPr>
+            </a:lvl9pPr>
+          </a:lstStyle>
+          <a:p>
+            <a:pPr algn="l"/>
+            <a:r>
+              <a:rPr lang="th-TH" sz="2400" dirty="0">
+                <a:latin typeface="TH SarabunPSK" panose="020B0500040200020003" pitchFamily="34" charset="-34"/>
+                <a:cs typeface="TH SarabunPSK" panose="020B0500040200020003" pitchFamily="34" charset="-34"/>
+              </a:rPr>
+              <a:t>โดย ผศ</a:t>
+            </a:r>
+            <a:r>
+              <a:rPr lang="en-US" sz="2400" dirty="0">
+                <a:latin typeface="TH SarabunPSK" panose="020B0500040200020003" pitchFamily="34" charset="-34"/>
+                <a:cs typeface="TH SarabunPSK" panose="020B0500040200020003" pitchFamily="34" charset="-34"/>
+              </a:rPr>
+              <a:t>. </a:t>
+            </a:r>
+            <a:r>
+              <a:rPr lang="th-TH" sz="2400" dirty="0">
+                <a:latin typeface="TH SarabunPSK" panose="020B0500040200020003" pitchFamily="34" charset="-34"/>
+                <a:cs typeface="TH SarabunPSK" panose="020B0500040200020003" pitchFamily="34" charset="-34"/>
+              </a:rPr>
+              <a:t>ดร</a:t>
+            </a:r>
+            <a:r>
+              <a:rPr lang="en-US" sz="2400" dirty="0">
+                <a:latin typeface="TH SarabunPSK" panose="020B0500040200020003" pitchFamily="34" charset="-34"/>
+                <a:cs typeface="TH SarabunPSK" panose="020B0500040200020003" pitchFamily="34" charset="-34"/>
+              </a:rPr>
+              <a:t>.</a:t>
+            </a:r>
+            <a:r>
+              <a:rPr lang="th-TH" sz="2400" dirty="0">
+                <a:latin typeface="TH SarabunPSK" panose="020B0500040200020003" pitchFamily="34" charset="-34"/>
+                <a:cs typeface="TH SarabunPSK" panose="020B0500040200020003" pitchFamily="34" charset="-34"/>
+              </a:rPr>
+              <a:t>ธนพงศ์ อินทระ สาขาวิชาสถิติ มหาวิทยาลัยขอนแก่น </a:t>
+            </a:r>
+          </a:p>
+        </p:txBody>
+      </p:sp>
     </p:spTree>
     <p:extLst>
       <p:ext uri="{BB962C8B-B14F-4D97-AF65-F5344CB8AC3E}">
@@ -9059,6 +10036,168 @@
           </a:p>
         </p:txBody>
       </p:sp>
+      <p:sp>
+        <p:nvSpPr>
+          <p:cNvPr id="9" name="Content Placeholder 2">
+            <a:extLst>
+              <a:ext uri="{FF2B5EF4-FFF2-40B4-BE49-F238E27FC236}">
+                <a16:creationId xmlns:a16="http://schemas.microsoft.com/office/drawing/2014/main" id="{C1DFB269-83B5-B67C-9652-B9FDDBF4E5ED}"/>
+              </a:ext>
+            </a:extLst>
+          </p:cNvPr>
+          <p:cNvSpPr txBox="1">
+            <a:spLocks/>
+          </p:cNvSpPr>
+          <p:nvPr/>
+        </p:nvSpPr>
+        <p:spPr>
+          <a:xfrm>
+            <a:off x="114677" y="6142311"/>
+            <a:ext cx="5410200" cy="414367"/>
+          </a:xfrm>
+          <a:prstGeom prst="rect">
+            <a:avLst/>
+          </a:prstGeom>
+        </p:spPr>
+        <p:txBody>
+          <a:bodyPr vert="horz" lIns="91440" tIns="45720" rIns="91440" bIns="45720" rtlCol="0">
+            <a:noAutofit/>
+          </a:bodyPr>
+          <a:lstStyle>
+            <a:defPPr>
+              <a:defRPr lang="en-US"/>
+            </a:defPPr>
+            <a:lvl1pPr marL="0" algn="l" defTabSz="914400" rtl="0" eaLnBrk="1" latinLnBrk="0" hangingPunct="1">
+              <a:defRPr sz="1800" kern="1200">
+                <a:solidFill>
+                  <a:schemeClr val="tx1"/>
+                </a:solidFill>
+                <a:latin typeface="+mn-lt"/>
+                <a:ea typeface="+mn-ea"/>
+                <a:cs typeface="+mn-cs"/>
+              </a:defRPr>
+            </a:lvl1pPr>
+            <a:lvl2pPr marL="457200" algn="l" defTabSz="914400" rtl="0" eaLnBrk="1" latinLnBrk="0" hangingPunct="1">
+              <a:defRPr sz="1800" kern="1200">
+                <a:solidFill>
+                  <a:schemeClr val="tx1"/>
+                </a:solidFill>
+                <a:latin typeface="+mn-lt"/>
+                <a:ea typeface="+mn-ea"/>
+                <a:cs typeface="+mn-cs"/>
+              </a:defRPr>
+            </a:lvl2pPr>
+            <a:lvl3pPr marL="914400" algn="l" defTabSz="914400" rtl="0" eaLnBrk="1" latinLnBrk="0" hangingPunct="1">
+              <a:defRPr sz="1800" kern="1200">
+                <a:solidFill>
+                  <a:schemeClr val="tx1"/>
+                </a:solidFill>
+                <a:latin typeface="+mn-lt"/>
+                <a:ea typeface="+mn-ea"/>
+                <a:cs typeface="+mn-cs"/>
+              </a:defRPr>
+            </a:lvl3pPr>
+            <a:lvl4pPr marL="1371600" algn="l" defTabSz="914400" rtl="0" eaLnBrk="1" latinLnBrk="0" hangingPunct="1">
+              <a:defRPr sz="1800" kern="1200">
+                <a:solidFill>
+                  <a:schemeClr val="tx1"/>
+                </a:solidFill>
+                <a:latin typeface="+mn-lt"/>
+                <a:ea typeface="+mn-ea"/>
+                <a:cs typeface="+mn-cs"/>
+              </a:defRPr>
+            </a:lvl4pPr>
+            <a:lvl5pPr marL="1828800" algn="l" defTabSz="914400" rtl="0" eaLnBrk="1" latinLnBrk="0" hangingPunct="1">
+              <a:defRPr sz="1800" kern="1200">
+                <a:solidFill>
+                  <a:schemeClr val="tx1"/>
+                </a:solidFill>
+                <a:latin typeface="+mn-lt"/>
+                <a:ea typeface="+mn-ea"/>
+                <a:cs typeface="+mn-cs"/>
+              </a:defRPr>
+            </a:lvl5pPr>
+            <a:lvl6pPr marL="2286000" algn="l" defTabSz="914400" rtl="0" eaLnBrk="1" latinLnBrk="0" hangingPunct="1">
+              <a:defRPr sz="1800" kern="1200">
+                <a:solidFill>
+                  <a:schemeClr val="tx1"/>
+                </a:solidFill>
+                <a:latin typeface="+mn-lt"/>
+                <a:ea typeface="+mn-ea"/>
+                <a:cs typeface="+mn-cs"/>
+              </a:defRPr>
+            </a:lvl6pPr>
+            <a:lvl7pPr marL="2743200" algn="l" defTabSz="914400" rtl="0" eaLnBrk="1" latinLnBrk="0" hangingPunct="1">
+              <a:defRPr sz="1800" kern="1200">
+                <a:solidFill>
+                  <a:schemeClr val="tx1"/>
+                </a:solidFill>
+                <a:latin typeface="+mn-lt"/>
+                <a:ea typeface="+mn-ea"/>
+                <a:cs typeface="+mn-cs"/>
+              </a:defRPr>
+            </a:lvl7pPr>
+            <a:lvl8pPr marL="3200400" algn="l" defTabSz="914400" rtl="0" eaLnBrk="1" latinLnBrk="0" hangingPunct="1">
+              <a:defRPr sz="1800" kern="1200">
+                <a:solidFill>
+                  <a:schemeClr val="tx1"/>
+                </a:solidFill>
+                <a:latin typeface="+mn-lt"/>
+                <a:ea typeface="+mn-ea"/>
+                <a:cs typeface="+mn-cs"/>
+              </a:defRPr>
+            </a:lvl8pPr>
+            <a:lvl9pPr marL="3657600" algn="l" defTabSz="914400" rtl="0" eaLnBrk="1" latinLnBrk="0" hangingPunct="1">
+              <a:defRPr sz="1800" kern="1200">
+                <a:solidFill>
+                  <a:schemeClr val="tx1"/>
+                </a:solidFill>
+                <a:latin typeface="+mn-lt"/>
+                <a:ea typeface="+mn-ea"/>
+                <a:cs typeface="+mn-cs"/>
+              </a:defRPr>
+            </a:lvl9pPr>
+          </a:lstStyle>
+          <a:p>
+            <a:pPr algn="l"/>
+            <a:r>
+              <a:rPr lang="th-TH" sz="2400" dirty="0">
+                <a:latin typeface="TH SarabunPSK" panose="020B0500040200020003" pitchFamily="34" charset="-34"/>
+                <a:cs typeface="TH SarabunPSK" panose="020B0500040200020003" pitchFamily="34" charset="-34"/>
+              </a:rPr>
+              <a:t>โดย ผศ</a:t>
+            </a:r>
+            <a:r>
+              <a:rPr lang="en-US" sz="2400" dirty="0">
+                <a:latin typeface="TH SarabunPSK" panose="020B0500040200020003" pitchFamily="34" charset="-34"/>
+                <a:cs typeface="TH SarabunPSK" panose="020B0500040200020003" pitchFamily="34" charset="-34"/>
+              </a:rPr>
+              <a:t>. </a:t>
+            </a:r>
+            <a:r>
+              <a:rPr lang="th-TH" sz="2400" dirty="0">
+                <a:latin typeface="TH SarabunPSK" panose="020B0500040200020003" pitchFamily="34" charset="-34"/>
+                <a:cs typeface="TH SarabunPSK" panose="020B0500040200020003" pitchFamily="34" charset="-34"/>
+              </a:rPr>
+              <a:t>ดร</a:t>
+            </a:r>
+            <a:r>
+              <a:rPr lang="en-US" sz="2400" dirty="0">
+                <a:latin typeface="TH SarabunPSK" panose="020B0500040200020003" pitchFamily="34" charset="-34"/>
+                <a:cs typeface="TH SarabunPSK" panose="020B0500040200020003" pitchFamily="34" charset="-34"/>
+              </a:rPr>
+              <a:t>.</a:t>
+            </a:r>
+            <a:r>
+              <a:rPr lang="th-TH" sz="2400" dirty="0">
+                <a:latin typeface="TH SarabunPSK" panose="020B0500040200020003" pitchFamily="34" charset="-34"/>
+                <a:cs typeface="TH SarabunPSK" panose="020B0500040200020003" pitchFamily="34" charset="-34"/>
+              </a:rPr>
+              <a:t>ธนพงศ์ อินทระ สาขาวิชาสถิติ มหาวิทยาลัยขอนแก่น </a:t>
+            </a:r>
+          </a:p>
+        </p:txBody>
+      </p:sp>
     </p:spTree>
     <p:extLst>
       <p:ext uri="{BB962C8B-B14F-4D97-AF65-F5344CB8AC3E}">
@@ -9840,6 +10979,168 @@
           </a:p>
         </p:txBody>
       </p:sp>
+      <p:sp>
+        <p:nvSpPr>
+          <p:cNvPr id="10" name="Content Placeholder 2">
+            <a:extLst>
+              <a:ext uri="{FF2B5EF4-FFF2-40B4-BE49-F238E27FC236}">
+                <a16:creationId xmlns:a16="http://schemas.microsoft.com/office/drawing/2014/main" id="{F3FCFAFC-39D0-CC48-4C9E-6BF85BBE3B08}"/>
+              </a:ext>
+            </a:extLst>
+          </p:cNvPr>
+          <p:cNvSpPr txBox="1">
+            <a:spLocks/>
+          </p:cNvSpPr>
+          <p:nvPr/>
+        </p:nvSpPr>
+        <p:spPr>
+          <a:xfrm>
+            <a:off x="114677" y="6142311"/>
+            <a:ext cx="5410200" cy="414367"/>
+          </a:xfrm>
+          <a:prstGeom prst="rect">
+            <a:avLst/>
+          </a:prstGeom>
+        </p:spPr>
+        <p:txBody>
+          <a:bodyPr vert="horz" lIns="91440" tIns="45720" rIns="91440" bIns="45720" rtlCol="0">
+            <a:noAutofit/>
+          </a:bodyPr>
+          <a:lstStyle>
+            <a:defPPr>
+              <a:defRPr lang="en-US"/>
+            </a:defPPr>
+            <a:lvl1pPr marL="0" algn="l" defTabSz="914400" rtl="0" eaLnBrk="1" latinLnBrk="0" hangingPunct="1">
+              <a:defRPr sz="1800" kern="1200">
+                <a:solidFill>
+                  <a:schemeClr val="tx1"/>
+                </a:solidFill>
+                <a:latin typeface="+mn-lt"/>
+                <a:ea typeface="+mn-ea"/>
+                <a:cs typeface="+mn-cs"/>
+              </a:defRPr>
+            </a:lvl1pPr>
+            <a:lvl2pPr marL="457200" algn="l" defTabSz="914400" rtl="0" eaLnBrk="1" latinLnBrk="0" hangingPunct="1">
+              <a:defRPr sz="1800" kern="1200">
+                <a:solidFill>
+                  <a:schemeClr val="tx1"/>
+                </a:solidFill>
+                <a:latin typeface="+mn-lt"/>
+                <a:ea typeface="+mn-ea"/>
+                <a:cs typeface="+mn-cs"/>
+              </a:defRPr>
+            </a:lvl2pPr>
+            <a:lvl3pPr marL="914400" algn="l" defTabSz="914400" rtl="0" eaLnBrk="1" latinLnBrk="0" hangingPunct="1">
+              <a:defRPr sz="1800" kern="1200">
+                <a:solidFill>
+                  <a:schemeClr val="tx1"/>
+                </a:solidFill>
+                <a:latin typeface="+mn-lt"/>
+                <a:ea typeface="+mn-ea"/>
+                <a:cs typeface="+mn-cs"/>
+              </a:defRPr>
+            </a:lvl3pPr>
+            <a:lvl4pPr marL="1371600" algn="l" defTabSz="914400" rtl="0" eaLnBrk="1" latinLnBrk="0" hangingPunct="1">
+              <a:defRPr sz="1800" kern="1200">
+                <a:solidFill>
+                  <a:schemeClr val="tx1"/>
+                </a:solidFill>
+                <a:latin typeface="+mn-lt"/>
+                <a:ea typeface="+mn-ea"/>
+                <a:cs typeface="+mn-cs"/>
+              </a:defRPr>
+            </a:lvl4pPr>
+            <a:lvl5pPr marL="1828800" algn="l" defTabSz="914400" rtl="0" eaLnBrk="1" latinLnBrk="0" hangingPunct="1">
+              <a:defRPr sz="1800" kern="1200">
+                <a:solidFill>
+                  <a:schemeClr val="tx1"/>
+                </a:solidFill>
+                <a:latin typeface="+mn-lt"/>
+                <a:ea typeface="+mn-ea"/>
+                <a:cs typeface="+mn-cs"/>
+              </a:defRPr>
+            </a:lvl5pPr>
+            <a:lvl6pPr marL="2286000" algn="l" defTabSz="914400" rtl="0" eaLnBrk="1" latinLnBrk="0" hangingPunct="1">
+              <a:defRPr sz="1800" kern="1200">
+                <a:solidFill>
+                  <a:schemeClr val="tx1"/>
+                </a:solidFill>
+                <a:latin typeface="+mn-lt"/>
+                <a:ea typeface="+mn-ea"/>
+                <a:cs typeface="+mn-cs"/>
+              </a:defRPr>
+            </a:lvl6pPr>
+            <a:lvl7pPr marL="2743200" algn="l" defTabSz="914400" rtl="0" eaLnBrk="1" latinLnBrk="0" hangingPunct="1">
+              <a:defRPr sz="1800" kern="1200">
+                <a:solidFill>
+                  <a:schemeClr val="tx1"/>
+                </a:solidFill>
+                <a:latin typeface="+mn-lt"/>
+                <a:ea typeface="+mn-ea"/>
+                <a:cs typeface="+mn-cs"/>
+              </a:defRPr>
+            </a:lvl7pPr>
+            <a:lvl8pPr marL="3200400" algn="l" defTabSz="914400" rtl="0" eaLnBrk="1" latinLnBrk="0" hangingPunct="1">
+              <a:defRPr sz="1800" kern="1200">
+                <a:solidFill>
+                  <a:schemeClr val="tx1"/>
+                </a:solidFill>
+                <a:latin typeface="+mn-lt"/>
+                <a:ea typeface="+mn-ea"/>
+                <a:cs typeface="+mn-cs"/>
+              </a:defRPr>
+            </a:lvl8pPr>
+            <a:lvl9pPr marL="3657600" algn="l" defTabSz="914400" rtl="0" eaLnBrk="1" latinLnBrk="0" hangingPunct="1">
+              <a:defRPr sz="1800" kern="1200">
+                <a:solidFill>
+                  <a:schemeClr val="tx1"/>
+                </a:solidFill>
+                <a:latin typeface="+mn-lt"/>
+                <a:ea typeface="+mn-ea"/>
+                <a:cs typeface="+mn-cs"/>
+              </a:defRPr>
+            </a:lvl9pPr>
+          </a:lstStyle>
+          <a:p>
+            <a:pPr algn="l"/>
+            <a:r>
+              <a:rPr lang="th-TH" sz="2400" dirty="0">
+                <a:latin typeface="TH SarabunPSK" panose="020B0500040200020003" pitchFamily="34" charset="-34"/>
+                <a:cs typeface="TH SarabunPSK" panose="020B0500040200020003" pitchFamily="34" charset="-34"/>
+              </a:rPr>
+              <a:t>โดย ผศ</a:t>
+            </a:r>
+            <a:r>
+              <a:rPr lang="en-US" sz="2400" dirty="0">
+                <a:latin typeface="TH SarabunPSK" panose="020B0500040200020003" pitchFamily="34" charset="-34"/>
+                <a:cs typeface="TH SarabunPSK" panose="020B0500040200020003" pitchFamily="34" charset="-34"/>
+              </a:rPr>
+              <a:t>. </a:t>
+            </a:r>
+            <a:r>
+              <a:rPr lang="th-TH" sz="2400" dirty="0">
+                <a:latin typeface="TH SarabunPSK" panose="020B0500040200020003" pitchFamily="34" charset="-34"/>
+                <a:cs typeface="TH SarabunPSK" panose="020B0500040200020003" pitchFamily="34" charset="-34"/>
+              </a:rPr>
+              <a:t>ดร</a:t>
+            </a:r>
+            <a:r>
+              <a:rPr lang="en-US" sz="2400" dirty="0">
+                <a:latin typeface="TH SarabunPSK" panose="020B0500040200020003" pitchFamily="34" charset="-34"/>
+                <a:cs typeface="TH SarabunPSK" panose="020B0500040200020003" pitchFamily="34" charset="-34"/>
+              </a:rPr>
+              <a:t>.</a:t>
+            </a:r>
+            <a:r>
+              <a:rPr lang="th-TH" sz="2400" dirty="0">
+                <a:latin typeface="TH SarabunPSK" panose="020B0500040200020003" pitchFamily="34" charset="-34"/>
+                <a:cs typeface="TH SarabunPSK" panose="020B0500040200020003" pitchFamily="34" charset="-34"/>
+              </a:rPr>
+              <a:t>ธนพงศ์ อินทระ สาขาวิชาสถิติ มหาวิทยาลัยขอนแก่น </a:t>
+            </a:r>
+          </a:p>
+        </p:txBody>
+      </p:sp>
     </p:spTree>
     <p:extLst>
       <p:ext uri="{BB962C8B-B14F-4D97-AF65-F5344CB8AC3E}">
@@ -10616,6 +11917,168 @@
           </a:p>
         </p:txBody>
       </p:sp>
+      <p:sp>
+        <p:nvSpPr>
+          <p:cNvPr id="10" name="Content Placeholder 2">
+            <a:extLst>
+              <a:ext uri="{FF2B5EF4-FFF2-40B4-BE49-F238E27FC236}">
+                <a16:creationId xmlns:a16="http://schemas.microsoft.com/office/drawing/2014/main" id="{79C54AC9-4CEC-C32E-4A2A-9E4748179D44}"/>
+              </a:ext>
+            </a:extLst>
+          </p:cNvPr>
+          <p:cNvSpPr txBox="1">
+            <a:spLocks/>
+          </p:cNvSpPr>
+          <p:nvPr/>
+        </p:nvSpPr>
+        <p:spPr>
+          <a:xfrm>
+            <a:off x="114677" y="6142311"/>
+            <a:ext cx="5410200" cy="414367"/>
+          </a:xfrm>
+          <a:prstGeom prst="rect">
+            <a:avLst/>
+          </a:prstGeom>
+        </p:spPr>
+        <p:txBody>
+          <a:bodyPr vert="horz" lIns="91440" tIns="45720" rIns="91440" bIns="45720" rtlCol="0">
+            <a:noAutofit/>
+          </a:bodyPr>
+          <a:lstStyle>
+            <a:defPPr>
+              <a:defRPr lang="en-US"/>
+            </a:defPPr>
+            <a:lvl1pPr marL="0" algn="l" defTabSz="914400" rtl="0" eaLnBrk="1" latinLnBrk="0" hangingPunct="1">
+              <a:defRPr sz="1800" kern="1200">
+                <a:solidFill>
+                  <a:schemeClr val="tx1"/>
+                </a:solidFill>
+                <a:latin typeface="+mn-lt"/>
+                <a:ea typeface="+mn-ea"/>
+                <a:cs typeface="+mn-cs"/>
+              </a:defRPr>
+            </a:lvl1pPr>
+            <a:lvl2pPr marL="457200" algn="l" defTabSz="914400" rtl="0" eaLnBrk="1" latinLnBrk="0" hangingPunct="1">
+              <a:defRPr sz="1800" kern="1200">
+                <a:solidFill>
+                  <a:schemeClr val="tx1"/>
+                </a:solidFill>
+                <a:latin typeface="+mn-lt"/>
+                <a:ea typeface="+mn-ea"/>
+                <a:cs typeface="+mn-cs"/>
+              </a:defRPr>
+            </a:lvl2pPr>
+            <a:lvl3pPr marL="914400" algn="l" defTabSz="914400" rtl="0" eaLnBrk="1" latinLnBrk="0" hangingPunct="1">
+              <a:defRPr sz="1800" kern="1200">
+                <a:solidFill>
+                  <a:schemeClr val="tx1"/>
+                </a:solidFill>
+                <a:latin typeface="+mn-lt"/>
+                <a:ea typeface="+mn-ea"/>
+                <a:cs typeface="+mn-cs"/>
+              </a:defRPr>
+            </a:lvl3pPr>
+            <a:lvl4pPr marL="1371600" algn="l" defTabSz="914400" rtl="0" eaLnBrk="1" latinLnBrk="0" hangingPunct="1">
+              <a:defRPr sz="1800" kern="1200">
+                <a:solidFill>
+                  <a:schemeClr val="tx1"/>
+                </a:solidFill>
+                <a:latin typeface="+mn-lt"/>
+                <a:ea typeface="+mn-ea"/>
+                <a:cs typeface="+mn-cs"/>
+              </a:defRPr>
+            </a:lvl4pPr>
+            <a:lvl5pPr marL="1828800" algn="l" defTabSz="914400" rtl="0" eaLnBrk="1" latinLnBrk="0" hangingPunct="1">
+              <a:defRPr sz="1800" kern="1200">
+                <a:solidFill>
+                  <a:schemeClr val="tx1"/>
+                </a:solidFill>
+                <a:latin typeface="+mn-lt"/>
+                <a:ea typeface="+mn-ea"/>
+                <a:cs typeface="+mn-cs"/>
+              </a:defRPr>
+            </a:lvl5pPr>
+            <a:lvl6pPr marL="2286000" algn="l" defTabSz="914400" rtl="0" eaLnBrk="1" latinLnBrk="0" hangingPunct="1">
+              <a:defRPr sz="1800" kern="1200">
+                <a:solidFill>
+                  <a:schemeClr val="tx1"/>
+                </a:solidFill>
+                <a:latin typeface="+mn-lt"/>
+                <a:ea typeface="+mn-ea"/>
+                <a:cs typeface="+mn-cs"/>
+              </a:defRPr>
+            </a:lvl6pPr>
+            <a:lvl7pPr marL="2743200" algn="l" defTabSz="914400" rtl="0" eaLnBrk="1" latinLnBrk="0" hangingPunct="1">
+              <a:defRPr sz="1800" kern="1200">
+                <a:solidFill>
+                  <a:schemeClr val="tx1"/>
+                </a:solidFill>
+                <a:latin typeface="+mn-lt"/>
+                <a:ea typeface="+mn-ea"/>
+                <a:cs typeface="+mn-cs"/>
+              </a:defRPr>
+            </a:lvl7pPr>
+            <a:lvl8pPr marL="3200400" algn="l" defTabSz="914400" rtl="0" eaLnBrk="1" latinLnBrk="0" hangingPunct="1">
+              <a:defRPr sz="1800" kern="1200">
+                <a:solidFill>
+                  <a:schemeClr val="tx1"/>
+                </a:solidFill>
+                <a:latin typeface="+mn-lt"/>
+                <a:ea typeface="+mn-ea"/>
+                <a:cs typeface="+mn-cs"/>
+              </a:defRPr>
+            </a:lvl8pPr>
+            <a:lvl9pPr marL="3657600" algn="l" defTabSz="914400" rtl="0" eaLnBrk="1" latinLnBrk="0" hangingPunct="1">
+              <a:defRPr sz="1800" kern="1200">
+                <a:solidFill>
+                  <a:schemeClr val="tx1"/>
+                </a:solidFill>
+                <a:latin typeface="+mn-lt"/>
+                <a:ea typeface="+mn-ea"/>
+                <a:cs typeface="+mn-cs"/>
+              </a:defRPr>
+            </a:lvl9pPr>
+          </a:lstStyle>
+          <a:p>
+            <a:pPr algn="l"/>
+            <a:r>
+              <a:rPr lang="th-TH" sz="2400" dirty="0">
+                <a:latin typeface="TH SarabunPSK" panose="020B0500040200020003" pitchFamily="34" charset="-34"/>
+                <a:cs typeface="TH SarabunPSK" panose="020B0500040200020003" pitchFamily="34" charset="-34"/>
+              </a:rPr>
+              <a:t>โดย ผศ</a:t>
+            </a:r>
+            <a:r>
+              <a:rPr lang="en-US" sz="2400" dirty="0">
+                <a:latin typeface="TH SarabunPSK" panose="020B0500040200020003" pitchFamily="34" charset="-34"/>
+                <a:cs typeface="TH SarabunPSK" panose="020B0500040200020003" pitchFamily="34" charset="-34"/>
+              </a:rPr>
+              <a:t>. </a:t>
+            </a:r>
+            <a:r>
+              <a:rPr lang="th-TH" sz="2400" dirty="0">
+                <a:latin typeface="TH SarabunPSK" panose="020B0500040200020003" pitchFamily="34" charset="-34"/>
+                <a:cs typeface="TH SarabunPSK" panose="020B0500040200020003" pitchFamily="34" charset="-34"/>
+              </a:rPr>
+              <a:t>ดร</a:t>
+            </a:r>
+            <a:r>
+              <a:rPr lang="en-US" sz="2400" dirty="0">
+                <a:latin typeface="TH SarabunPSK" panose="020B0500040200020003" pitchFamily="34" charset="-34"/>
+                <a:cs typeface="TH SarabunPSK" panose="020B0500040200020003" pitchFamily="34" charset="-34"/>
+              </a:rPr>
+              <a:t>.</a:t>
+            </a:r>
+            <a:r>
+              <a:rPr lang="th-TH" sz="2400" dirty="0">
+                <a:latin typeface="TH SarabunPSK" panose="020B0500040200020003" pitchFamily="34" charset="-34"/>
+                <a:cs typeface="TH SarabunPSK" panose="020B0500040200020003" pitchFamily="34" charset="-34"/>
+              </a:rPr>
+              <a:t>ธนพงศ์ อินทระ สาขาวิชาสถิติ มหาวิทยาลัยขอนแก่น </a:t>
+            </a:r>
+          </a:p>
+        </p:txBody>
+      </p:sp>
     </p:spTree>
     <p:extLst>
       <p:ext uri="{BB962C8B-B14F-4D97-AF65-F5344CB8AC3E}">
@@ -11348,6 +12811,168 @@
           </a:p>
         </p:txBody>
       </p:sp>
+      <p:sp>
+        <p:nvSpPr>
+          <p:cNvPr id="9" name="Content Placeholder 2">
+            <a:extLst>
+              <a:ext uri="{FF2B5EF4-FFF2-40B4-BE49-F238E27FC236}">
+                <a16:creationId xmlns:a16="http://schemas.microsoft.com/office/drawing/2014/main" id="{FC7999C4-76F2-4B4B-FFDE-F0138BECE79C}"/>
+              </a:ext>
+            </a:extLst>
+          </p:cNvPr>
+          <p:cNvSpPr txBox="1">
+            <a:spLocks/>
+          </p:cNvSpPr>
+          <p:nvPr/>
+        </p:nvSpPr>
+        <p:spPr>
+          <a:xfrm>
+            <a:off x="114677" y="6142311"/>
+            <a:ext cx="5410200" cy="414367"/>
+          </a:xfrm>
+          <a:prstGeom prst="rect">
+            <a:avLst/>
+          </a:prstGeom>
+        </p:spPr>
+        <p:txBody>
+          <a:bodyPr vert="horz" lIns="91440" tIns="45720" rIns="91440" bIns="45720" rtlCol="0">
+            <a:noAutofit/>
+          </a:bodyPr>
+          <a:lstStyle>
+            <a:defPPr>
+              <a:defRPr lang="en-US"/>
+            </a:defPPr>
+            <a:lvl1pPr marL="0" algn="l" defTabSz="914400" rtl="0" eaLnBrk="1" latinLnBrk="0" hangingPunct="1">
+              <a:defRPr sz="1800" kern="1200">
+                <a:solidFill>
+                  <a:schemeClr val="tx1"/>
+                </a:solidFill>
+                <a:latin typeface="+mn-lt"/>
+                <a:ea typeface="+mn-ea"/>
+                <a:cs typeface="+mn-cs"/>
+              </a:defRPr>
+            </a:lvl1pPr>
+            <a:lvl2pPr marL="457200" algn="l" defTabSz="914400" rtl="0" eaLnBrk="1" latinLnBrk="0" hangingPunct="1">
+              <a:defRPr sz="1800" kern="1200">
+                <a:solidFill>
+                  <a:schemeClr val="tx1"/>
+                </a:solidFill>
+                <a:latin typeface="+mn-lt"/>
+                <a:ea typeface="+mn-ea"/>
+                <a:cs typeface="+mn-cs"/>
+              </a:defRPr>
+            </a:lvl2pPr>
+            <a:lvl3pPr marL="914400" algn="l" defTabSz="914400" rtl="0" eaLnBrk="1" latinLnBrk="0" hangingPunct="1">
+              <a:defRPr sz="1800" kern="1200">
+                <a:solidFill>
+                  <a:schemeClr val="tx1"/>
+                </a:solidFill>
+                <a:latin typeface="+mn-lt"/>
+                <a:ea typeface="+mn-ea"/>
+                <a:cs typeface="+mn-cs"/>
+              </a:defRPr>
+            </a:lvl3pPr>
+            <a:lvl4pPr marL="1371600" algn="l" defTabSz="914400" rtl="0" eaLnBrk="1" latinLnBrk="0" hangingPunct="1">
+              <a:defRPr sz="1800" kern="1200">
+                <a:solidFill>
+                  <a:schemeClr val="tx1"/>
+                </a:solidFill>
+                <a:latin typeface="+mn-lt"/>
+                <a:ea typeface="+mn-ea"/>
+                <a:cs typeface="+mn-cs"/>
+              </a:defRPr>
+            </a:lvl4pPr>
+            <a:lvl5pPr marL="1828800" algn="l" defTabSz="914400" rtl="0" eaLnBrk="1" latinLnBrk="0" hangingPunct="1">
+              <a:defRPr sz="1800" kern="1200">
+                <a:solidFill>
+                  <a:schemeClr val="tx1"/>
+                </a:solidFill>
+                <a:latin typeface="+mn-lt"/>
+                <a:ea typeface="+mn-ea"/>
+                <a:cs typeface="+mn-cs"/>
+              </a:defRPr>
+            </a:lvl5pPr>
+            <a:lvl6pPr marL="2286000" algn="l" defTabSz="914400" rtl="0" eaLnBrk="1" latinLnBrk="0" hangingPunct="1">
+              <a:defRPr sz="1800" kern="1200">
+                <a:solidFill>
+                  <a:schemeClr val="tx1"/>
+                </a:solidFill>
+                <a:latin typeface="+mn-lt"/>
+                <a:ea typeface="+mn-ea"/>
+                <a:cs typeface="+mn-cs"/>
+              </a:defRPr>
+            </a:lvl6pPr>
+            <a:lvl7pPr marL="2743200" algn="l" defTabSz="914400" rtl="0" eaLnBrk="1" latinLnBrk="0" hangingPunct="1">
+              <a:defRPr sz="1800" kern="1200">
+                <a:solidFill>
+                  <a:schemeClr val="tx1"/>
+                </a:solidFill>
+                <a:latin typeface="+mn-lt"/>
+                <a:ea typeface="+mn-ea"/>
+                <a:cs typeface="+mn-cs"/>
+              </a:defRPr>
+            </a:lvl7pPr>
+            <a:lvl8pPr marL="3200400" algn="l" defTabSz="914400" rtl="0" eaLnBrk="1" latinLnBrk="0" hangingPunct="1">
+              <a:defRPr sz="1800" kern="1200">
+                <a:solidFill>
+                  <a:schemeClr val="tx1"/>
+                </a:solidFill>
+                <a:latin typeface="+mn-lt"/>
+                <a:ea typeface="+mn-ea"/>
+                <a:cs typeface="+mn-cs"/>
+              </a:defRPr>
+            </a:lvl8pPr>
+            <a:lvl9pPr marL="3657600" algn="l" defTabSz="914400" rtl="0" eaLnBrk="1" latinLnBrk="0" hangingPunct="1">
+              <a:defRPr sz="1800" kern="1200">
+                <a:solidFill>
+                  <a:schemeClr val="tx1"/>
+                </a:solidFill>
+                <a:latin typeface="+mn-lt"/>
+                <a:ea typeface="+mn-ea"/>
+                <a:cs typeface="+mn-cs"/>
+              </a:defRPr>
+            </a:lvl9pPr>
+          </a:lstStyle>
+          <a:p>
+            <a:pPr algn="l"/>
+            <a:r>
+              <a:rPr lang="th-TH" sz="2400" dirty="0">
+                <a:latin typeface="TH SarabunPSK" panose="020B0500040200020003" pitchFamily="34" charset="-34"/>
+                <a:cs typeface="TH SarabunPSK" panose="020B0500040200020003" pitchFamily="34" charset="-34"/>
+              </a:rPr>
+              <a:t>โดย ผศ</a:t>
+            </a:r>
+            <a:r>
+              <a:rPr lang="en-US" sz="2400" dirty="0">
+                <a:latin typeface="TH SarabunPSK" panose="020B0500040200020003" pitchFamily="34" charset="-34"/>
+                <a:cs typeface="TH SarabunPSK" panose="020B0500040200020003" pitchFamily="34" charset="-34"/>
+              </a:rPr>
+              <a:t>. </a:t>
+            </a:r>
+            <a:r>
+              <a:rPr lang="th-TH" sz="2400" dirty="0">
+                <a:latin typeface="TH SarabunPSK" panose="020B0500040200020003" pitchFamily="34" charset="-34"/>
+                <a:cs typeface="TH SarabunPSK" panose="020B0500040200020003" pitchFamily="34" charset="-34"/>
+              </a:rPr>
+              <a:t>ดร</a:t>
+            </a:r>
+            <a:r>
+              <a:rPr lang="en-US" sz="2400" dirty="0">
+                <a:latin typeface="TH SarabunPSK" panose="020B0500040200020003" pitchFamily="34" charset="-34"/>
+                <a:cs typeface="TH SarabunPSK" panose="020B0500040200020003" pitchFamily="34" charset="-34"/>
+              </a:rPr>
+              <a:t>.</a:t>
+            </a:r>
+            <a:r>
+              <a:rPr lang="th-TH" sz="2400" dirty="0">
+                <a:latin typeface="TH SarabunPSK" panose="020B0500040200020003" pitchFamily="34" charset="-34"/>
+                <a:cs typeface="TH SarabunPSK" panose="020B0500040200020003" pitchFamily="34" charset="-34"/>
+              </a:rPr>
+              <a:t>ธนพงศ์ อินทระ สาขาวิชาสถิติ มหาวิทยาลัยขอนแก่น </a:t>
+            </a:r>
+          </a:p>
+        </p:txBody>
+      </p:sp>
     </p:spTree>
     <p:extLst>
       <p:ext uri="{BB962C8B-B14F-4D97-AF65-F5344CB8AC3E}">
@@ -12081,6 +13706,168 @@
           </a:p>
         </p:txBody>
       </p:sp>
+      <p:sp>
+        <p:nvSpPr>
+          <p:cNvPr id="9" name="Content Placeholder 2">
+            <a:extLst>
+              <a:ext uri="{FF2B5EF4-FFF2-40B4-BE49-F238E27FC236}">
+                <a16:creationId xmlns:a16="http://schemas.microsoft.com/office/drawing/2014/main" id="{37E9E3FC-86FC-E99A-5902-29D1E5421F7B}"/>
+              </a:ext>
+            </a:extLst>
+          </p:cNvPr>
+          <p:cNvSpPr txBox="1">
+            <a:spLocks/>
+          </p:cNvSpPr>
+          <p:nvPr/>
+        </p:nvSpPr>
+        <p:spPr>
+          <a:xfrm>
+            <a:off x="114677" y="6142311"/>
+            <a:ext cx="5410200" cy="414367"/>
+          </a:xfrm>
+          <a:prstGeom prst="rect">
+            <a:avLst/>
+          </a:prstGeom>
+        </p:spPr>
+        <p:txBody>
+          <a:bodyPr vert="horz" lIns="91440" tIns="45720" rIns="91440" bIns="45720" rtlCol="0">
+            <a:noAutofit/>
+          </a:bodyPr>
+          <a:lstStyle>
+            <a:defPPr>
+              <a:defRPr lang="en-US"/>
+            </a:defPPr>
+            <a:lvl1pPr marL="0" algn="l" defTabSz="914400" rtl="0" eaLnBrk="1" latinLnBrk="0" hangingPunct="1">
+              <a:defRPr sz="1800" kern="1200">
+                <a:solidFill>
+                  <a:schemeClr val="tx1"/>
+                </a:solidFill>
+                <a:latin typeface="+mn-lt"/>
+                <a:ea typeface="+mn-ea"/>
+                <a:cs typeface="+mn-cs"/>
+              </a:defRPr>
+            </a:lvl1pPr>
+            <a:lvl2pPr marL="457200" algn="l" defTabSz="914400" rtl="0" eaLnBrk="1" latinLnBrk="0" hangingPunct="1">
+              <a:defRPr sz="1800" kern="1200">
+                <a:solidFill>
+                  <a:schemeClr val="tx1"/>
+                </a:solidFill>
+                <a:latin typeface="+mn-lt"/>
+                <a:ea typeface="+mn-ea"/>
+                <a:cs typeface="+mn-cs"/>
+              </a:defRPr>
+            </a:lvl2pPr>
+            <a:lvl3pPr marL="914400" algn="l" defTabSz="914400" rtl="0" eaLnBrk="1" latinLnBrk="0" hangingPunct="1">
+              <a:defRPr sz="1800" kern="1200">
+                <a:solidFill>
+                  <a:schemeClr val="tx1"/>
+                </a:solidFill>
+                <a:latin typeface="+mn-lt"/>
+                <a:ea typeface="+mn-ea"/>
+                <a:cs typeface="+mn-cs"/>
+              </a:defRPr>
+            </a:lvl3pPr>
+            <a:lvl4pPr marL="1371600" algn="l" defTabSz="914400" rtl="0" eaLnBrk="1" latinLnBrk="0" hangingPunct="1">
+              <a:defRPr sz="1800" kern="1200">
+                <a:solidFill>
+                  <a:schemeClr val="tx1"/>
+                </a:solidFill>
+                <a:latin typeface="+mn-lt"/>
+                <a:ea typeface="+mn-ea"/>
+                <a:cs typeface="+mn-cs"/>
+              </a:defRPr>
+            </a:lvl4pPr>
+            <a:lvl5pPr marL="1828800" algn="l" defTabSz="914400" rtl="0" eaLnBrk="1" latinLnBrk="0" hangingPunct="1">
+              <a:defRPr sz="1800" kern="1200">
+                <a:solidFill>
+                  <a:schemeClr val="tx1"/>
+                </a:solidFill>
+                <a:latin typeface="+mn-lt"/>
+                <a:ea typeface="+mn-ea"/>
+                <a:cs typeface="+mn-cs"/>
+              </a:defRPr>
+            </a:lvl5pPr>
+            <a:lvl6pPr marL="2286000" algn="l" defTabSz="914400" rtl="0" eaLnBrk="1" latinLnBrk="0" hangingPunct="1">
+              <a:defRPr sz="1800" kern="1200">
+                <a:solidFill>
+                  <a:schemeClr val="tx1"/>
+                </a:solidFill>
+                <a:latin typeface="+mn-lt"/>
+                <a:ea typeface="+mn-ea"/>
+                <a:cs typeface="+mn-cs"/>
+              </a:defRPr>
+            </a:lvl6pPr>
+            <a:lvl7pPr marL="2743200" algn="l" defTabSz="914400" rtl="0" eaLnBrk="1" latinLnBrk="0" hangingPunct="1">
+              <a:defRPr sz="1800" kern="1200">
+                <a:solidFill>
+                  <a:schemeClr val="tx1"/>
+                </a:solidFill>
+                <a:latin typeface="+mn-lt"/>
+                <a:ea typeface="+mn-ea"/>
+                <a:cs typeface="+mn-cs"/>
+              </a:defRPr>
+            </a:lvl7pPr>
+            <a:lvl8pPr marL="3200400" algn="l" defTabSz="914400" rtl="0" eaLnBrk="1" latinLnBrk="0" hangingPunct="1">
+              <a:defRPr sz="1800" kern="1200">
+                <a:solidFill>
+                  <a:schemeClr val="tx1"/>
+                </a:solidFill>
+                <a:latin typeface="+mn-lt"/>
+                <a:ea typeface="+mn-ea"/>
+                <a:cs typeface="+mn-cs"/>
+              </a:defRPr>
+            </a:lvl8pPr>
+            <a:lvl9pPr marL="3657600" algn="l" defTabSz="914400" rtl="0" eaLnBrk="1" latinLnBrk="0" hangingPunct="1">
+              <a:defRPr sz="1800" kern="1200">
+                <a:solidFill>
+                  <a:schemeClr val="tx1"/>
+                </a:solidFill>
+                <a:latin typeface="+mn-lt"/>
+                <a:ea typeface="+mn-ea"/>
+                <a:cs typeface="+mn-cs"/>
+              </a:defRPr>
+            </a:lvl9pPr>
+          </a:lstStyle>
+          <a:p>
+            <a:pPr algn="l"/>
+            <a:r>
+              <a:rPr lang="th-TH" sz="2400" dirty="0">
+                <a:latin typeface="TH SarabunPSK" panose="020B0500040200020003" pitchFamily="34" charset="-34"/>
+                <a:cs typeface="TH SarabunPSK" panose="020B0500040200020003" pitchFamily="34" charset="-34"/>
+              </a:rPr>
+              <a:t>โดย ผศ</a:t>
+            </a:r>
+            <a:r>
+              <a:rPr lang="en-US" sz="2400" dirty="0">
+                <a:latin typeface="TH SarabunPSK" panose="020B0500040200020003" pitchFamily="34" charset="-34"/>
+                <a:cs typeface="TH SarabunPSK" panose="020B0500040200020003" pitchFamily="34" charset="-34"/>
+              </a:rPr>
+              <a:t>. </a:t>
+            </a:r>
+            <a:r>
+              <a:rPr lang="th-TH" sz="2400" dirty="0">
+                <a:latin typeface="TH SarabunPSK" panose="020B0500040200020003" pitchFamily="34" charset="-34"/>
+                <a:cs typeface="TH SarabunPSK" panose="020B0500040200020003" pitchFamily="34" charset="-34"/>
+              </a:rPr>
+              <a:t>ดร</a:t>
+            </a:r>
+            <a:r>
+              <a:rPr lang="en-US" sz="2400" dirty="0">
+                <a:latin typeface="TH SarabunPSK" panose="020B0500040200020003" pitchFamily="34" charset="-34"/>
+                <a:cs typeface="TH SarabunPSK" panose="020B0500040200020003" pitchFamily="34" charset="-34"/>
+              </a:rPr>
+              <a:t>.</a:t>
+            </a:r>
+            <a:r>
+              <a:rPr lang="th-TH" sz="2400" dirty="0">
+                <a:latin typeface="TH SarabunPSK" panose="020B0500040200020003" pitchFamily="34" charset="-34"/>
+                <a:cs typeface="TH SarabunPSK" panose="020B0500040200020003" pitchFamily="34" charset="-34"/>
+              </a:rPr>
+              <a:t>ธนพงศ์ อินทระ สาขาวิชาสถิติ มหาวิทยาลัยขอนแก่น </a:t>
+            </a:r>
+          </a:p>
+        </p:txBody>
+      </p:sp>
     </p:spTree>
     <p:extLst>
       <p:ext uri="{BB962C8B-B14F-4D97-AF65-F5344CB8AC3E}">
@@ -12756,6 +14543,168 @@
           </a:p>
         </p:txBody>
       </p:sp>
+      <p:sp>
+        <p:nvSpPr>
+          <p:cNvPr id="9" name="Content Placeholder 2">
+            <a:extLst>
+              <a:ext uri="{FF2B5EF4-FFF2-40B4-BE49-F238E27FC236}">
+                <a16:creationId xmlns:a16="http://schemas.microsoft.com/office/drawing/2014/main" id="{E15B9D47-9DEA-F94A-CFBF-0DAF2A277C26}"/>
+              </a:ext>
+            </a:extLst>
+          </p:cNvPr>
+          <p:cNvSpPr txBox="1">
+            <a:spLocks/>
+          </p:cNvSpPr>
+          <p:nvPr/>
+        </p:nvSpPr>
+        <p:spPr>
+          <a:xfrm>
+            <a:off x="114677" y="6142311"/>
+            <a:ext cx="5410200" cy="414367"/>
+          </a:xfrm>
+          <a:prstGeom prst="rect">
+            <a:avLst/>
+          </a:prstGeom>
+        </p:spPr>
+        <p:txBody>
+          <a:bodyPr vert="horz" lIns="91440" tIns="45720" rIns="91440" bIns="45720" rtlCol="0">
+            <a:noAutofit/>
+          </a:bodyPr>
+          <a:lstStyle>
+            <a:defPPr>
+              <a:defRPr lang="en-US"/>
+            </a:defPPr>
+            <a:lvl1pPr marL="0" algn="l" defTabSz="914400" rtl="0" eaLnBrk="1" latinLnBrk="0" hangingPunct="1">
+              <a:defRPr sz="1800" kern="1200">
+                <a:solidFill>
+                  <a:schemeClr val="tx1"/>
+                </a:solidFill>
+                <a:latin typeface="+mn-lt"/>
+                <a:ea typeface="+mn-ea"/>
+                <a:cs typeface="+mn-cs"/>
+              </a:defRPr>
+            </a:lvl1pPr>
+            <a:lvl2pPr marL="457200" algn="l" defTabSz="914400" rtl="0" eaLnBrk="1" latinLnBrk="0" hangingPunct="1">
+              <a:defRPr sz="1800" kern="1200">
+                <a:solidFill>
+                  <a:schemeClr val="tx1"/>
+                </a:solidFill>
+                <a:latin typeface="+mn-lt"/>
+                <a:ea typeface="+mn-ea"/>
+                <a:cs typeface="+mn-cs"/>
+              </a:defRPr>
+            </a:lvl2pPr>
+            <a:lvl3pPr marL="914400" algn="l" defTabSz="914400" rtl="0" eaLnBrk="1" latinLnBrk="0" hangingPunct="1">
+              <a:defRPr sz="1800" kern="1200">
+                <a:solidFill>
+                  <a:schemeClr val="tx1"/>
+                </a:solidFill>
+                <a:latin typeface="+mn-lt"/>
+                <a:ea typeface="+mn-ea"/>
+                <a:cs typeface="+mn-cs"/>
+              </a:defRPr>
+            </a:lvl3pPr>
+            <a:lvl4pPr marL="1371600" algn="l" defTabSz="914400" rtl="0" eaLnBrk="1" latinLnBrk="0" hangingPunct="1">
+              <a:defRPr sz="1800" kern="1200">
+                <a:solidFill>
+                  <a:schemeClr val="tx1"/>
+                </a:solidFill>
+                <a:latin typeface="+mn-lt"/>
+                <a:ea typeface="+mn-ea"/>
+                <a:cs typeface="+mn-cs"/>
+              </a:defRPr>
+            </a:lvl4pPr>
+            <a:lvl5pPr marL="1828800" algn="l" defTabSz="914400" rtl="0" eaLnBrk="1" latinLnBrk="0" hangingPunct="1">
+              <a:defRPr sz="1800" kern="1200">
+                <a:solidFill>
+                  <a:schemeClr val="tx1"/>
+                </a:solidFill>
+                <a:latin typeface="+mn-lt"/>
+                <a:ea typeface="+mn-ea"/>
+                <a:cs typeface="+mn-cs"/>
+              </a:defRPr>
+            </a:lvl5pPr>
+            <a:lvl6pPr marL="2286000" algn="l" defTabSz="914400" rtl="0" eaLnBrk="1" latinLnBrk="0" hangingPunct="1">
+              <a:defRPr sz="1800" kern="1200">
+                <a:solidFill>
+                  <a:schemeClr val="tx1"/>
+                </a:solidFill>
+                <a:latin typeface="+mn-lt"/>
+                <a:ea typeface="+mn-ea"/>
+                <a:cs typeface="+mn-cs"/>
+              </a:defRPr>
+            </a:lvl6pPr>
+            <a:lvl7pPr marL="2743200" algn="l" defTabSz="914400" rtl="0" eaLnBrk="1" latinLnBrk="0" hangingPunct="1">
+              <a:defRPr sz="1800" kern="1200">
+                <a:solidFill>
+                  <a:schemeClr val="tx1"/>
+                </a:solidFill>
+                <a:latin typeface="+mn-lt"/>
+                <a:ea typeface="+mn-ea"/>
+                <a:cs typeface="+mn-cs"/>
+              </a:defRPr>
+            </a:lvl7pPr>
+            <a:lvl8pPr marL="3200400" algn="l" defTabSz="914400" rtl="0" eaLnBrk="1" latinLnBrk="0" hangingPunct="1">
+              <a:defRPr sz="1800" kern="1200">
+                <a:solidFill>
+                  <a:schemeClr val="tx1"/>
+                </a:solidFill>
+                <a:latin typeface="+mn-lt"/>
+                <a:ea typeface="+mn-ea"/>
+                <a:cs typeface="+mn-cs"/>
+              </a:defRPr>
+            </a:lvl8pPr>
+            <a:lvl9pPr marL="3657600" algn="l" defTabSz="914400" rtl="0" eaLnBrk="1" latinLnBrk="0" hangingPunct="1">
+              <a:defRPr sz="1800" kern="1200">
+                <a:solidFill>
+                  <a:schemeClr val="tx1"/>
+                </a:solidFill>
+                <a:latin typeface="+mn-lt"/>
+                <a:ea typeface="+mn-ea"/>
+                <a:cs typeface="+mn-cs"/>
+              </a:defRPr>
+            </a:lvl9pPr>
+          </a:lstStyle>
+          <a:p>
+            <a:pPr algn="l"/>
+            <a:r>
+              <a:rPr lang="th-TH" sz="2400" dirty="0">
+                <a:latin typeface="TH SarabunPSK" panose="020B0500040200020003" pitchFamily="34" charset="-34"/>
+                <a:cs typeface="TH SarabunPSK" panose="020B0500040200020003" pitchFamily="34" charset="-34"/>
+              </a:rPr>
+              <a:t>โดย ผศ</a:t>
+            </a:r>
+            <a:r>
+              <a:rPr lang="en-US" sz="2400" dirty="0">
+                <a:latin typeface="TH SarabunPSK" panose="020B0500040200020003" pitchFamily="34" charset="-34"/>
+                <a:cs typeface="TH SarabunPSK" panose="020B0500040200020003" pitchFamily="34" charset="-34"/>
+              </a:rPr>
+              <a:t>. </a:t>
+            </a:r>
+            <a:r>
+              <a:rPr lang="th-TH" sz="2400" dirty="0">
+                <a:latin typeface="TH SarabunPSK" panose="020B0500040200020003" pitchFamily="34" charset="-34"/>
+                <a:cs typeface="TH SarabunPSK" panose="020B0500040200020003" pitchFamily="34" charset="-34"/>
+              </a:rPr>
+              <a:t>ดร</a:t>
+            </a:r>
+            <a:r>
+              <a:rPr lang="en-US" sz="2400" dirty="0">
+                <a:latin typeface="TH SarabunPSK" panose="020B0500040200020003" pitchFamily="34" charset="-34"/>
+                <a:cs typeface="TH SarabunPSK" panose="020B0500040200020003" pitchFamily="34" charset="-34"/>
+              </a:rPr>
+              <a:t>.</a:t>
+            </a:r>
+            <a:r>
+              <a:rPr lang="th-TH" sz="2400" dirty="0">
+                <a:latin typeface="TH SarabunPSK" panose="020B0500040200020003" pitchFamily="34" charset="-34"/>
+                <a:cs typeface="TH SarabunPSK" panose="020B0500040200020003" pitchFamily="34" charset="-34"/>
+              </a:rPr>
+              <a:t>ธนพงศ์ อินทระ สาขาวิชาสถิติ มหาวิทยาลัยขอนแก่น </a:t>
+            </a:r>
+          </a:p>
+        </p:txBody>
+      </p:sp>
     </p:spTree>
     <p:extLst>
       <p:ext uri="{BB962C8B-B14F-4D97-AF65-F5344CB8AC3E}">
@@ -14340,6 +16289,168 @@
           </a:p>
         </p:txBody>
       </p:sp>
+      <p:sp>
+        <p:nvSpPr>
+          <p:cNvPr id="13" name="Content Placeholder 2">
+            <a:extLst>
+              <a:ext uri="{FF2B5EF4-FFF2-40B4-BE49-F238E27FC236}">
+                <a16:creationId xmlns:a16="http://schemas.microsoft.com/office/drawing/2014/main" id="{0B2038FE-05F8-D67F-D121-30E1E143E3E5}"/>
+              </a:ext>
+            </a:extLst>
+          </p:cNvPr>
+          <p:cNvSpPr txBox="1">
+            <a:spLocks/>
+          </p:cNvSpPr>
+          <p:nvPr/>
+        </p:nvSpPr>
+        <p:spPr>
+          <a:xfrm>
+            <a:off x="114677" y="6142311"/>
+            <a:ext cx="5410200" cy="414367"/>
+          </a:xfrm>
+          <a:prstGeom prst="rect">
+            <a:avLst/>
+          </a:prstGeom>
+        </p:spPr>
+        <p:txBody>
+          <a:bodyPr vert="horz" lIns="91440" tIns="45720" rIns="91440" bIns="45720" rtlCol="0">
+            <a:noAutofit/>
+          </a:bodyPr>
+          <a:lstStyle>
+            <a:defPPr>
+              <a:defRPr lang="en-US"/>
+            </a:defPPr>
+            <a:lvl1pPr marL="0" algn="l" defTabSz="914400" rtl="0" eaLnBrk="1" latinLnBrk="0" hangingPunct="1">
+              <a:defRPr sz="1800" kern="1200">
+                <a:solidFill>
+                  <a:schemeClr val="tx1"/>
+                </a:solidFill>
+                <a:latin typeface="+mn-lt"/>
+                <a:ea typeface="+mn-ea"/>
+                <a:cs typeface="+mn-cs"/>
+              </a:defRPr>
+            </a:lvl1pPr>
+            <a:lvl2pPr marL="457200" algn="l" defTabSz="914400" rtl="0" eaLnBrk="1" latinLnBrk="0" hangingPunct="1">
+              <a:defRPr sz="1800" kern="1200">
+                <a:solidFill>
+                  <a:schemeClr val="tx1"/>
+                </a:solidFill>
+                <a:latin typeface="+mn-lt"/>
+                <a:ea typeface="+mn-ea"/>
+                <a:cs typeface="+mn-cs"/>
+              </a:defRPr>
+            </a:lvl2pPr>
+            <a:lvl3pPr marL="914400" algn="l" defTabSz="914400" rtl="0" eaLnBrk="1" latinLnBrk="0" hangingPunct="1">
+              <a:defRPr sz="1800" kern="1200">
+                <a:solidFill>
+                  <a:schemeClr val="tx1"/>
+                </a:solidFill>
+                <a:latin typeface="+mn-lt"/>
+                <a:ea typeface="+mn-ea"/>
+                <a:cs typeface="+mn-cs"/>
+              </a:defRPr>
+            </a:lvl3pPr>
+            <a:lvl4pPr marL="1371600" algn="l" defTabSz="914400" rtl="0" eaLnBrk="1" latinLnBrk="0" hangingPunct="1">
+              <a:defRPr sz="1800" kern="1200">
+                <a:solidFill>
+                  <a:schemeClr val="tx1"/>
+                </a:solidFill>
+                <a:latin typeface="+mn-lt"/>
+                <a:ea typeface="+mn-ea"/>
+                <a:cs typeface="+mn-cs"/>
+              </a:defRPr>
+            </a:lvl4pPr>
+            <a:lvl5pPr marL="1828800" algn="l" defTabSz="914400" rtl="0" eaLnBrk="1" latinLnBrk="0" hangingPunct="1">
+              <a:defRPr sz="1800" kern="1200">
+                <a:solidFill>
+                  <a:schemeClr val="tx1"/>
+                </a:solidFill>
+                <a:latin typeface="+mn-lt"/>
+                <a:ea typeface="+mn-ea"/>
+                <a:cs typeface="+mn-cs"/>
+              </a:defRPr>
+            </a:lvl5pPr>
+            <a:lvl6pPr marL="2286000" algn="l" defTabSz="914400" rtl="0" eaLnBrk="1" latinLnBrk="0" hangingPunct="1">
+              <a:defRPr sz="1800" kern="1200">
+                <a:solidFill>
+                  <a:schemeClr val="tx1"/>
+                </a:solidFill>
+                <a:latin typeface="+mn-lt"/>
+                <a:ea typeface="+mn-ea"/>
+                <a:cs typeface="+mn-cs"/>
+              </a:defRPr>
+            </a:lvl6pPr>
+            <a:lvl7pPr marL="2743200" algn="l" defTabSz="914400" rtl="0" eaLnBrk="1" latinLnBrk="0" hangingPunct="1">
+              <a:defRPr sz="1800" kern="1200">
+                <a:solidFill>
+                  <a:schemeClr val="tx1"/>
+                </a:solidFill>
+                <a:latin typeface="+mn-lt"/>
+                <a:ea typeface="+mn-ea"/>
+                <a:cs typeface="+mn-cs"/>
+              </a:defRPr>
+            </a:lvl7pPr>
+            <a:lvl8pPr marL="3200400" algn="l" defTabSz="914400" rtl="0" eaLnBrk="1" latinLnBrk="0" hangingPunct="1">
+              <a:defRPr sz="1800" kern="1200">
+                <a:solidFill>
+                  <a:schemeClr val="tx1"/>
+                </a:solidFill>
+                <a:latin typeface="+mn-lt"/>
+                <a:ea typeface="+mn-ea"/>
+                <a:cs typeface="+mn-cs"/>
+              </a:defRPr>
+            </a:lvl8pPr>
+            <a:lvl9pPr marL="3657600" algn="l" defTabSz="914400" rtl="0" eaLnBrk="1" latinLnBrk="0" hangingPunct="1">
+              <a:defRPr sz="1800" kern="1200">
+                <a:solidFill>
+                  <a:schemeClr val="tx1"/>
+                </a:solidFill>
+                <a:latin typeface="+mn-lt"/>
+                <a:ea typeface="+mn-ea"/>
+                <a:cs typeface="+mn-cs"/>
+              </a:defRPr>
+            </a:lvl9pPr>
+          </a:lstStyle>
+          <a:p>
+            <a:pPr algn="l"/>
+            <a:r>
+              <a:rPr lang="th-TH" sz="2400" dirty="0">
+                <a:latin typeface="TH SarabunPSK" panose="020B0500040200020003" pitchFamily="34" charset="-34"/>
+                <a:cs typeface="TH SarabunPSK" panose="020B0500040200020003" pitchFamily="34" charset="-34"/>
+              </a:rPr>
+              <a:t>โดย ผศ</a:t>
+            </a:r>
+            <a:r>
+              <a:rPr lang="en-US" sz="2400" dirty="0">
+                <a:latin typeface="TH SarabunPSK" panose="020B0500040200020003" pitchFamily="34" charset="-34"/>
+                <a:cs typeface="TH SarabunPSK" panose="020B0500040200020003" pitchFamily="34" charset="-34"/>
+              </a:rPr>
+              <a:t>. </a:t>
+            </a:r>
+            <a:r>
+              <a:rPr lang="th-TH" sz="2400" dirty="0">
+                <a:latin typeface="TH SarabunPSK" panose="020B0500040200020003" pitchFamily="34" charset="-34"/>
+                <a:cs typeface="TH SarabunPSK" panose="020B0500040200020003" pitchFamily="34" charset="-34"/>
+              </a:rPr>
+              <a:t>ดร</a:t>
+            </a:r>
+            <a:r>
+              <a:rPr lang="en-US" sz="2400" dirty="0">
+                <a:latin typeface="TH SarabunPSK" panose="020B0500040200020003" pitchFamily="34" charset="-34"/>
+                <a:cs typeface="TH SarabunPSK" panose="020B0500040200020003" pitchFamily="34" charset="-34"/>
+              </a:rPr>
+              <a:t>.</a:t>
+            </a:r>
+            <a:r>
+              <a:rPr lang="th-TH" sz="2400" dirty="0">
+                <a:latin typeface="TH SarabunPSK" panose="020B0500040200020003" pitchFamily="34" charset="-34"/>
+                <a:cs typeface="TH SarabunPSK" panose="020B0500040200020003" pitchFamily="34" charset="-34"/>
+              </a:rPr>
+              <a:t>ธนพงศ์ อินทระ สาขาวิชาสถิติ มหาวิทยาลัยขอนแก่น </a:t>
+            </a:r>
+          </a:p>
+        </p:txBody>
+      </p:sp>
     </p:spTree>
     <p:extLst>
       <p:ext uri="{BB962C8B-B14F-4D97-AF65-F5344CB8AC3E}">
@@ -15004,6 +17115,168 @@
           </a:p>
         </p:txBody>
       </p:sp>
+      <p:sp>
+        <p:nvSpPr>
+          <p:cNvPr id="9" name="Content Placeholder 2">
+            <a:extLst>
+              <a:ext uri="{FF2B5EF4-FFF2-40B4-BE49-F238E27FC236}">
+                <a16:creationId xmlns:a16="http://schemas.microsoft.com/office/drawing/2014/main" id="{62EAC0A5-5B16-17CB-5438-CE84DE4B6CA5}"/>
+              </a:ext>
+            </a:extLst>
+          </p:cNvPr>
+          <p:cNvSpPr txBox="1">
+            <a:spLocks/>
+          </p:cNvSpPr>
+          <p:nvPr/>
+        </p:nvSpPr>
+        <p:spPr>
+          <a:xfrm>
+            <a:off x="114677" y="6142311"/>
+            <a:ext cx="5410200" cy="414367"/>
+          </a:xfrm>
+          <a:prstGeom prst="rect">
+            <a:avLst/>
+          </a:prstGeom>
+        </p:spPr>
+        <p:txBody>
+          <a:bodyPr vert="horz" lIns="91440" tIns="45720" rIns="91440" bIns="45720" rtlCol="0">
+            <a:noAutofit/>
+          </a:bodyPr>
+          <a:lstStyle>
+            <a:defPPr>
+              <a:defRPr lang="en-US"/>
+            </a:defPPr>
+            <a:lvl1pPr marL="0" algn="l" defTabSz="914400" rtl="0" eaLnBrk="1" latinLnBrk="0" hangingPunct="1">
+              <a:defRPr sz="1800" kern="1200">
+                <a:solidFill>
+                  <a:schemeClr val="tx1"/>
+                </a:solidFill>
+                <a:latin typeface="+mn-lt"/>
+                <a:ea typeface="+mn-ea"/>
+                <a:cs typeface="+mn-cs"/>
+              </a:defRPr>
+            </a:lvl1pPr>
+            <a:lvl2pPr marL="457200" algn="l" defTabSz="914400" rtl="0" eaLnBrk="1" latinLnBrk="0" hangingPunct="1">
+              <a:defRPr sz="1800" kern="1200">
+                <a:solidFill>
+                  <a:schemeClr val="tx1"/>
+                </a:solidFill>
+                <a:latin typeface="+mn-lt"/>
+                <a:ea typeface="+mn-ea"/>
+                <a:cs typeface="+mn-cs"/>
+              </a:defRPr>
+            </a:lvl2pPr>
+            <a:lvl3pPr marL="914400" algn="l" defTabSz="914400" rtl="0" eaLnBrk="1" latinLnBrk="0" hangingPunct="1">
+              <a:defRPr sz="1800" kern="1200">
+                <a:solidFill>
+                  <a:schemeClr val="tx1"/>
+                </a:solidFill>
+                <a:latin typeface="+mn-lt"/>
+                <a:ea typeface="+mn-ea"/>
+                <a:cs typeface="+mn-cs"/>
+              </a:defRPr>
+            </a:lvl3pPr>
+            <a:lvl4pPr marL="1371600" algn="l" defTabSz="914400" rtl="0" eaLnBrk="1" latinLnBrk="0" hangingPunct="1">
+              <a:defRPr sz="1800" kern="1200">
+                <a:solidFill>
+                  <a:schemeClr val="tx1"/>
+                </a:solidFill>
+                <a:latin typeface="+mn-lt"/>
+                <a:ea typeface="+mn-ea"/>
+                <a:cs typeface="+mn-cs"/>
+              </a:defRPr>
+            </a:lvl4pPr>
+            <a:lvl5pPr marL="1828800" algn="l" defTabSz="914400" rtl="0" eaLnBrk="1" latinLnBrk="0" hangingPunct="1">
+              <a:defRPr sz="1800" kern="1200">
+                <a:solidFill>
+                  <a:schemeClr val="tx1"/>
+                </a:solidFill>
+                <a:latin typeface="+mn-lt"/>
+                <a:ea typeface="+mn-ea"/>
+                <a:cs typeface="+mn-cs"/>
+              </a:defRPr>
+            </a:lvl5pPr>
+            <a:lvl6pPr marL="2286000" algn="l" defTabSz="914400" rtl="0" eaLnBrk="1" latinLnBrk="0" hangingPunct="1">
+              <a:defRPr sz="1800" kern="1200">
+                <a:solidFill>
+                  <a:schemeClr val="tx1"/>
+                </a:solidFill>
+                <a:latin typeface="+mn-lt"/>
+                <a:ea typeface="+mn-ea"/>
+                <a:cs typeface="+mn-cs"/>
+              </a:defRPr>
+            </a:lvl6pPr>
+            <a:lvl7pPr marL="2743200" algn="l" defTabSz="914400" rtl="0" eaLnBrk="1" latinLnBrk="0" hangingPunct="1">
+              <a:defRPr sz="1800" kern="1200">
+                <a:solidFill>
+                  <a:schemeClr val="tx1"/>
+                </a:solidFill>
+                <a:latin typeface="+mn-lt"/>
+                <a:ea typeface="+mn-ea"/>
+                <a:cs typeface="+mn-cs"/>
+              </a:defRPr>
+            </a:lvl7pPr>
+            <a:lvl8pPr marL="3200400" algn="l" defTabSz="914400" rtl="0" eaLnBrk="1" latinLnBrk="0" hangingPunct="1">
+              <a:defRPr sz="1800" kern="1200">
+                <a:solidFill>
+                  <a:schemeClr val="tx1"/>
+                </a:solidFill>
+                <a:latin typeface="+mn-lt"/>
+                <a:ea typeface="+mn-ea"/>
+                <a:cs typeface="+mn-cs"/>
+              </a:defRPr>
+            </a:lvl8pPr>
+            <a:lvl9pPr marL="3657600" algn="l" defTabSz="914400" rtl="0" eaLnBrk="1" latinLnBrk="0" hangingPunct="1">
+              <a:defRPr sz="1800" kern="1200">
+                <a:solidFill>
+                  <a:schemeClr val="tx1"/>
+                </a:solidFill>
+                <a:latin typeface="+mn-lt"/>
+                <a:ea typeface="+mn-ea"/>
+                <a:cs typeface="+mn-cs"/>
+              </a:defRPr>
+            </a:lvl9pPr>
+          </a:lstStyle>
+          <a:p>
+            <a:pPr algn="l"/>
+            <a:r>
+              <a:rPr lang="th-TH" sz="2400" dirty="0">
+                <a:latin typeface="TH SarabunPSK" panose="020B0500040200020003" pitchFamily="34" charset="-34"/>
+                <a:cs typeface="TH SarabunPSK" panose="020B0500040200020003" pitchFamily="34" charset="-34"/>
+              </a:rPr>
+              <a:t>โดย ผศ</a:t>
+            </a:r>
+            <a:r>
+              <a:rPr lang="en-US" sz="2400" dirty="0">
+                <a:latin typeface="TH SarabunPSK" panose="020B0500040200020003" pitchFamily="34" charset="-34"/>
+                <a:cs typeface="TH SarabunPSK" panose="020B0500040200020003" pitchFamily="34" charset="-34"/>
+              </a:rPr>
+              <a:t>. </a:t>
+            </a:r>
+            <a:r>
+              <a:rPr lang="th-TH" sz="2400" dirty="0">
+                <a:latin typeface="TH SarabunPSK" panose="020B0500040200020003" pitchFamily="34" charset="-34"/>
+                <a:cs typeface="TH SarabunPSK" panose="020B0500040200020003" pitchFamily="34" charset="-34"/>
+              </a:rPr>
+              <a:t>ดร</a:t>
+            </a:r>
+            <a:r>
+              <a:rPr lang="en-US" sz="2400" dirty="0">
+                <a:latin typeface="TH SarabunPSK" panose="020B0500040200020003" pitchFamily="34" charset="-34"/>
+                <a:cs typeface="TH SarabunPSK" panose="020B0500040200020003" pitchFamily="34" charset="-34"/>
+              </a:rPr>
+              <a:t>.</a:t>
+            </a:r>
+            <a:r>
+              <a:rPr lang="th-TH" sz="2400" dirty="0">
+                <a:latin typeface="TH SarabunPSK" panose="020B0500040200020003" pitchFamily="34" charset="-34"/>
+                <a:cs typeface="TH SarabunPSK" panose="020B0500040200020003" pitchFamily="34" charset="-34"/>
+              </a:rPr>
+              <a:t>ธนพงศ์ อินทระ สาขาวิชาสถิติ มหาวิทยาลัยขอนแก่น </a:t>
+            </a:r>
+          </a:p>
+        </p:txBody>
+      </p:sp>
     </p:spTree>
     <p:extLst>
       <p:ext uri="{BB962C8B-B14F-4D97-AF65-F5344CB8AC3E}">
@@ -16306,6 +18579,168 @@
           </a:p>
         </p:txBody>
       </p:sp>
+      <p:sp>
+        <p:nvSpPr>
+          <p:cNvPr id="11" name="Content Placeholder 2">
+            <a:extLst>
+              <a:ext uri="{FF2B5EF4-FFF2-40B4-BE49-F238E27FC236}">
+                <a16:creationId xmlns:a16="http://schemas.microsoft.com/office/drawing/2014/main" id="{41901813-7163-A471-EFC4-32301FABA719}"/>
+              </a:ext>
+            </a:extLst>
+          </p:cNvPr>
+          <p:cNvSpPr txBox="1">
+            <a:spLocks/>
+          </p:cNvSpPr>
+          <p:nvPr/>
+        </p:nvSpPr>
+        <p:spPr>
+          <a:xfrm>
+            <a:off x="114677" y="6142311"/>
+            <a:ext cx="5410200" cy="414367"/>
+          </a:xfrm>
+          <a:prstGeom prst="rect">
+            <a:avLst/>
+          </a:prstGeom>
+        </p:spPr>
+        <p:txBody>
+          <a:bodyPr vert="horz" lIns="91440" tIns="45720" rIns="91440" bIns="45720" rtlCol="0">
+            <a:noAutofit/>
+          </a:bodyPr>
+          <a:lstStyle>
+            <a:defPPr>
+              <a:defRPr lang="en-US"/>
+            </a:defPPr>
+            <a:lvl1pPr marL="0" algn="l" defTabSz="914400" rtl="0" eaLnBrk="1" latinLnBrk="0" hangingPunct="1">
+              <a:defRPr sz="1800" kern="1200">
+                <a:solidFill>
+                  <a:schemeClr val="tx1"/>
+                </a:solidFill>
+                <a:latin typeface="+mn-lt"/>
+                <a:ea typeface="+mn-ea"/>
+                <a:cs typeface="+mn-cs"/>
+              </a:defRPr>
+            </a:lvl1pPr>
+            <a:lvl2pPr marL="457200" algn="l" defTabSz="914400" rtl="0" eaLnBrk="1" latinLnBrk="0" hangingPunct="1">
+              <a:defRPr sz="1800" kern="1200">
+                <a:solidFill>
+                  <a:schemeClr val="tx1"/>
+                </a:solidFill>
+                <a:latin typeface="+mn-lt"/>
+                <a:ea typeface="+mn-ea"/>
+                <a:cs typeface="+mn-cs"/>
+              </a:defRPr>
+            </a:lvl2pPr>
+            <a:lvl3pPr marL="914400" algn="l" defTabSz="914400" rtl="0" eaLnBrk="1" latinLnBrk="0" hangingPunct="1">
+              <a:defRPr sz="1800" kern="1200">
+                <a:solidFill>
+                  <a:schemeClr val="tx1"/>
+                </a:solidFill>
+                <a:latin typeface="+mn-lt"/>
+                <a:ea typeface="+mn-ea"/>
+                <a:cs typeface="+mn-cs"/>
+              </a:defRPr>
+            </a:lvl3pPr>
+            <a:lvl4pPr marL="1371600" algn="l" defTabSz="914400" rtl="0" eaLnBrk="1" latinLnBrk="0" hangingPunct="1">
+              <a:defRPr sz="1800" kern="1200">
+                <a:solidFill>
+                  <a:schemeClr val="tx1"/>
+                </a:solidFill>
+                <a:latin typeface="+mn-lt"/>
+                <a:ea typeface="+mn-ea"/>
+                <a:cs typeface="+mn-cs"/>
+              </a:defRPr>
+            </a:lvl4pPr>
+            <a:lvl5pPr marL="1828800" algn="l" defTabSz="914400" rtl="0" eaLnBrk="1" latinLnBrk="0" hangingPunct="1">
+              <a:defRPr sz="1800" kern="1200">
+                <a:solidFill>
+                  <a:schemeClr val="tx1"/>
+                </a:solidFill>
+                <a:latin typeface="+mn-lt"/>
+                <a:ea typeface="+mn-ea"/>
+                <a:cs typeface="+mn-cs"/>
+              </a:defRPr>
+            </a:lvl5pPr>
+            <a:lvl6pPr marL="2286000" algn="l" defTabSz="914400" rtl="0" eaLnBrk="1" latinLnBrk="0" hangingPunct="1">
+              <a:defRPr sz="1800" kern="1200">
+                <a:solidFill>
+                  <a:schemeClr val="tx1"/>
+                </a:solidFill>
+                <a:latin typeface="+mn-lt"/>
+                <a:ea typeface="+mn-ea"/>
+                <a:cs typeface="+mn-cs"/>
+              </a:defRPr>
+            </a:lvl6pPr>
+            <a:lvl7pPr marL="2743200" algn="l" defTabSz="914400" rtl="0" eaLnBrk="1" latinLnBrk="0" hangingPunct="1">
+              <a:defRPr sz="1800" kern="1200">
+                <a:solidFill>
+                  <a:schemeClr val="tx1"/>
+                </a:solidFill>
+                <a:latin typeface="+mn-lt"/>
+                <a:ea typeface="+mn-ea"/>
+                <a:cs typeface="+mn-cs"/>
+              </a:defRPr>
+            </a:lvl7pPr>
+            <a:lvl8pPr marL="3200400" algn="l" defTabSz="914400" rtl="0" eaLnBrk="1" latinLnBrk="0" hangingPunct="1">
+              <a:defRPr sz="1800" kern="1200">
+                <a:solidFill>
+                  <a:schemeClr val="tx1"/>
+                </a:solidFill>
+                <a:latin typeface="+mn-lt"/>
+                <a:ea typeface="+mn-ea"/>
+                <a:cs typeface="+mn-cs"/>
+              </a:defRPr>
+            </a:lvl8pPr>
+            <a:lvl9pPr marL="3657600" algn="l" defTabSz="914400" rtl="0" eaLnBrk="1" latinLnBrk="0" hangingPunct="1">
+              <a:defRPr sz="1800" kern="1200">
+                <a:solidFill>
+                  <a:schemeClr val="tx1"/>
+                </a:solidFill>
+                <a:latin typeface="+mn-lt"/>
+                <a:ea typeface="+mn-ea"/>
+                <a:cs typeface="+mn-cs"/>
+              </a:defRPr>
+            </a:lvl9pPr>
+          </a:lstStyle>
+          <a:p>
+            <a:pPr algn="l"/>
+            <a:r>
+              <a:rPr lang="th-TH" sz="2400" dirty="0">
+                <a:latin typeface="TH SarabunPSK" panose="020B0500040200020003" pitchFamily="34" charset="-34"/>
+                <a:cs typeface="TH SarabunPSK" panose="020B0500040200020003" pitchFamily="34" charset="-34"/>
+              </a:rPr>
+              <a:t>โดย ผศ</a:t>
+            </a:r>
+            <a:r>
+              <a:rPr lang="en-US" sz="2400" dirty="0">
+                <a:latin typeface="TH SarabunPSK" panose="020B0500040200020003" pitchFamily="34" charset="-34"/>
+                <a:cs typeface="TH SarabunPSK" panose="020B0500040200020003" pitchFamily="34" charset="-34"/>
+              </a:rPr>
+              <a:t>. </a:t>
+            </a:r>
+            <a:r>
+              <a:rPr lang="th-TH" sz="2400" dirty="0">
+                <a:latin typeface="TH SarabunPSK" panose="020B0500040200020003" pitchFamily="34" charset="-34"/>
+                <a:cs typeface="TH SarabunPSK" panose="020B0500040200020003" pitchFamily="34" charset="-34"/>
+              </a:rPr>
+              <a:t>ดร</a:t>
+            </a:r>
+            <a:r>
+              <a:rPr lang="en-US" sz="2400" dirty="0">
+                <a:latin typeface="TH SarabunPSK" panose="020B0500040200020003" pitchFamily="34" charset="-34"/>
+                <a:cs typeface="TH SarabunPSK" panose="020B0500040200020003" pitchFamily="34" charset="-34"/>
+              </a:rPr>
+              <a:t>.</a:t>
+            </a:r>
+            <a:r>
+              <a:rPr lang="th-TH" sz="2400" dirty="0">
+                <a:latin typeface="TH SarabunPSK" panose="020B0500040200020003" pitchFamily="34" charset="-34"/>
+                <a:cs typeface="TH SarabunPSK" panose="020B0500040200020003" pitchFamily="34" charset="-34"/>
+              </a:rPr>
+              <a:t>ธนพงศ์ อินทระ สาขาวิชาสถิติ มหาวิทยาลัยขอนแก่น </a:t>
+            </a:r>
+          </a:p>
+        </p:txBody>
+      </p:sp>
     </p:spTree>
     <p:extLst>
       <p:ext uri="{BB962C8B-B14F-4D97-AF65-F5344CB8AC3E}">
@@ -16893,6 +19328,168 @@
           </a:p>
         </p:txBody>
       </p:sp>
+      <p:sp>
+        <p:nvSpPr>
+          <p:cNvPr id="9" name="Content Placeholder 2">
+            <a:extLst>
+              <a:ext uri="{FF2B5EF4-FFF2-40B4-BE49-F238E27FC236}">
+                <a16:creationId xmlns:a16="http://schemas.microsoft.com/office/drawing/2014/main" id="{443192A5-BA40-A2EF-1819-182239A0157A}"/>
+              </a:ext>
+            </a:extLst>
+          </p:cNvPr>
+          <p:cNvSpPr txBox="1">
+            <a:spLocks/>
+          </p:cNvSpPr>
+          <p:nvPr/>
+        </p:nvSpPr>
+        <p:spPr>
+          <a:xfrm>
+            <a:off x="114677" y="6142311"/>
+            <a:ext cx="5410200" cy="414367"/>
+          </a:xfrm>
+          <a:prstGeom prst="rect">
+            <a:avLst/>
+          </a:prstGeom>
+        </p:spPr>
+        <p:txBody>
+          <a:bodyPr vert="horz" lIns="91440" tIns="45720" rIns="91440" bIns="45720" rtlCol="0">
+            <a:noAutofit/>
+          </a:bodyPr>
+          <a:lstStyle>
+            <a:defPPr>
+              <a:defRPr lang="en-US"/>
+            </a:defPPr>
+            <a:lvl1pPr marL="0" algn="l" defTabSz="914400" rtl="0" eaLnBrk="1" latinLnBrk="0" hangingPunct="1">
+              <a:defRPr sz="1800" kern="1200">
+                <a:solidFill>
+                  <a:schemeClr val="tx1"/>
+                </a:solidFill>
+                <a:latin typeface="+mn-lt"/>
+                <a:ea typeface="+mn-ea"/>
+                <a:cs typeface="+mn-cs"/>
+              </a:defRPr>
+            </a:lvl1pPr>
+            <a:lvl2pPr marL="457200" algn="l" defTabSz="914400" rtl="0" eaLnBrk="1" latinLnBrk="0" hangingPunct="1">
+              <a:defRPr sz="1800" kern="1200">
+                <a:solidFill>
+                  <a:schemeClr val="tx1"/>
+                </a:solidFill>
+                <a:latin typeface="+mn-lt"/>
+                <a:ea typeface="+mn-ea"/>
+                <a:cs typeface="+mn-cs"/>
+              </a:defRPr>
+            </a:lvl2pPr>
+            <a:lvl3pPr marL="914400" algn="l" defTabSz="914400" rtl="0" eaLnBrk="1" latinLnBrk="0" hangingPunct="1">
+              <a:defRPr sz="1800" kern="1200">
+                <a:solidFill>
+                  <a:schemeClr val="tx1"/>
+                </a:solidFill>
+                <a:latin typeface="+mn-lt"/>
+                <a:ea typeface="+mn-ea"/>
+                <a:cs typeface="+mn-cs"/>
+              </a:defRPr>
+            </a:lvl3pPr>
+            <a:lvl4pPr marL="1371600" algn="l" defTabSz="914400" rtl="0" eaLnBrk="1" latinLnBrk="0" hangingPunct="1">
+              <a:defRPr sz="1800" kern="1200">
+                <a:solidFill>
+                  <a:schemeClr val="tx1"/>
+                </a:solidFill>
+                <a:latin typeface="+mn-lt"/>
+                <a:ea typeface="+mn-ea"/>
+                <a:cs typeface="+mn-cs"/>
+              </a:defRPr>
+            </a:lvl4pPr>
+            <a:lvl5pPr marL="1828800" algn="l" defTabSz="914400" rtl="0" eaLnBrk="1" latinLnBrk="0" hangingPunct="1">
+              <a:defRPr sz="1800" kern="1200">
+                <a:solidFill>
+                  <a:schemeClr val="tx1"/>
+                </a:solidFill>
+                <a:latin typeface="+mn-lt"/>
+                <a:ea typeface="+mn-ea"/>
+                <a:cs typeface="+mn-cs"/>
+              </a:defRPr>
+            </a:lvl5pPr>
+            <a:lvl6pPr marL="2286000" algn="l" defTabSz="914400" rtl="0" eaLnBrk="1" latinLnBrk="0" hangingPunct="1">
+              <a:defRPr sz="1800" kern="1200">
+                <a:solidFill>
+                  <a:schemeClr val="tx1"/>
+                </a:solidFill>
+                <a:latin typeface="+mn-lt"/>
+                <a:ea typeface="+mn-ea"/>
+                <a:cs typeface="+mn-cs"/>
+              </a:defRPr>
+            </a:lvl6pPr>
+            <a:lvl7pPr marL="2743200" algn="l" defTabSz="914400" rtl="0" eaLnBrk="1" latinLnBrk="0" hangingPunct="1">
+              <a:defRPr sz="1800" kern="1200">
+                <a:solidFill>
+                  <a:schemeClr val="tx1"/>
+                </a:solidFill>
+                <a:latin typeface="+mn-lt"/>
+                <a:ea typeface="+mn-ea"/>
+                <a:cs typeface="+mn-cs"/>
+              </a:defRPr>
+            </a:lvl7pPr>
+            <a:lvl8pPr marL="3200400" algn="l" defTabSz="914400" rtl="0" eaLnBrk="1" latinLnBrk="0" hangingPunct="1">
+              <a:defRPr sz="1800" kern="1200">
+                <a:solidFill>
+                  <a:schemeClr val="tx1"/>
+                </a:solidFill>
+                <a:latin typeface="+mn-lt"/>
+                <a:ea typeface="+mn-ea"/>
+                <a:cs typeface="+mn-cs"/>
+              </a:defRPr>
+            </a:lvl8pPr>
+            <a:lvl9pPr marL="3657600" algn="l" defTabSz="914400" rtl="0" eaLnBrk="1" latinLnBrk="0" hangingPunct="1">
+              <a:defRPr sz="1800" kern="1200">
+                <a:solidFill>
+                  <a:schemeClr val="tx1"/>
+                </a:solidFill>
+                <a:latin typeface="+mn-lt"/>
+                <a:ea typeface="+mn-ea"/>
+                <a:cs typeface="+mn-cs"/>
+              </a:defRPr>
+            </a:lvl9pPr>
+          </a:lstStyle>
+          <a:p>
+            <a:pPr algn="l"/>
+            <a:r>
+              <a:rPr lang="th-TH" sz="2400" dirty="0">
+                <a:latin typeface="TH SarabunPSK" panose="020B0500040200020003" pitchFamily="34" charset="-34"/>
+                <a:cs typeface="TH SarabunPSK" panose="020B0500040200020003" pitchFamily="34" charset="-34"/>
+              </a:rPr>
+              <a:t>โดย ผศ</a:t>
+            </a:r>
+            <a:r>
+              <a:rPr lang="en-US" sz="2400" dirty="0">
+                <a:latin typeface="TH SarabunPSK" panose="020B0500040200020003" pitchFamily="34" charset="-34"/>
+                <a:cs typeface="TH SarabunPSK" panose="020B0500040200020003" pitchFamily="34" charset="-34"/>
+              </a:rPr>
+              <a:t>. </a:t>
+            </a:r>
+            <a:r>
+              <a:rPr lang="th-TH" sz="2400" dirty="0">
+                <a:latin typeface="TH SarabunPSK" panose="020B0500040200020003" pitchFamily="34" charset="-34"/>
+                <a:cs typeface="TH SarabunPSK" panose="020B0500040200020003" pitchFamily="34" charset="-34"/>
+              </a:rPr>
+              <a:t>ดร</a:t>
+            </a:r>
+            <a:r>
+              <a:rPr lang="en-US" sz="2400" dirty="0">
+                <a:latin typeface="TH SarabunPSK" panose="020B0500040200020003" pitchFamily="34" charset="-34"/>
+                <a:cs typeface="TH SarabunPSK" panose="020B0500040200020003" pitchFamily="34" charset="-34"/>
+              </a:rPr>
+              <a:t>.</a:t>
+            </a:r>
+            <a:r>
+              <a:rPr lang="th-TH" sz="2400" dirty="0">
+                <a:latin typeface="TH SarabunPSK" panose="020B0500040200020003" pitchFamily="34" charset="-34"/>
+                <a:cs typeface="TH SarabunPSK" panose="020B0500040200020003" pitchFamily="34" charset="-34"/>
+              </a:rPr>
+              <a:t>ธนพงศ์ อินทระ สาขาวิชาสถิติ มหาวิทยาลัยขอนแก่น </a:t>
+            </a:r>
+          </a:p>
+        </p:txBody>
+      </p:sp>
     </p:spTree>
     <p:extLst>
       <p:ext uri="{BB962C8B-B14F-4D97-AF65-F5344CB8AC3E}">
@@ -17489,6 +20086,168 @@
           </a:p>
         </p:txBody>
       </p:sp>
+      <p:sp>
+        <p:nvSpPr>
+          <p:cNvPr id="9" name="Content Placeholder 2">
+            <a:extLst>
+              <a:ext uri="{FF2B5EF4-FFF2-40B4-BE49-F238E27FC236}">
+                <a16:creationId xmlns:a16="http://schemas.microsoft.com/office/drawing/2014/main" id="{C1416C8F-0C1C-5A83-4344-75AD7FFAA6B0}"/>
+              </a:ext>
+            </a:extLst>
+          </p:cNvPr>
+          <p:cNvSpPr txBox="1">
+            <a:spLocks/>
+          </p:cNvSpPr>
+          <p:nvPr/>
+        </p:nvSpPr>
+        <p:spPr>
+          <a:xfrm>
+            <a:off x="114677" y="6142311"/>
+            <a:ext cx="5410200" cy="414367"/>
+          </a:xfrm>
+          <a:prstGeom prst="rect">
+            <a:avLst/>
+          </a:prstGeom>
+        </p:spPr>
+        <p:txBody>
+          <a:bodyPr vert="horz" lIns="91440" tIns="45720" rIns="91440" bIns="45720" rtlCol="0">
+            <a:noAutofit/>
+          </a:bodyPr>
+          <a:lstStyle>
+            <a:defPPr>
+              <a:defRPr lang="en-US"/>
+            </a:defPPr>
+            <a:lvl1pPr marL="0" algn="l" defTabSz="914400" rtl="0" eaLnBrk="1" latinLnBrk="0" hangingPunct="1">
+              <a:defRPr sz="1800" kern="1200">
+                <a:solidFill>
+                  <a:schemeClr val="tx1"/>
+                </a:solidFill>
+                <a:latin typeface="+mn-lt"/>
+                <a:ea typeface="+mn-ea"/>
+                <a:cs typeface="+mn-cs"/>
+              </a:defRPr>
+            </a:lvl1pPr>
+            <a:lvl2pPr marL="457200" algn="l" defTabSz="914400" rtl="0" eaLnBrk="1" latinLnBrk="0" hangingPunct="1">
+              <a:defRPr sz="1800" kern="1200">
+                <a:solidFill>
+                  <a:schemeClr val="tx1"/>
+                </a:solidFill>
+                <a:latin typeface="+mn-lt"/>
+                <a:ea typeface="+mn-ea"/>
+                <a:cs typeface="+mn-cs"/>
+              </a:defRPr>
+            </a:lvl2pPr>
+            <a:lvl3pPr marL="914400" algn="l" defTabSz="914400" rtl="0" eaLnBrk="1" latinLnBrk="0" hangingPunct="1">
+              <a:defRPr sz="1800" kern="1200">
+                <a:solidFill>
+                  <a:schemeClr val="tx1"/>
+                </a:solidFill>
+                <a:latin typeface="+mn-lt"/>
+                <a:ea typeface="+mn-ea"/>
+                <a:cs typeface="+mn-cs"/>
+              </a:defRPr>
+            </a:lvl3pPr>
+            <a:lvl4pPr marL="1371600" algn="l" defTabSz="914400" rtl="0" eaLnBrk="1" latinLnBrk="0" hangingPunct="1">
+              <a:defRPr sz="1800" kern="1200">
+                <a:solidFill>
+                  <a:schemeClr val="tx1"/>
+                </a:solidFill>
+                <a:latin typeface="+mn-lt"/>
+                <a:ea typeface="+mn-ea"/>
+                <a:cs typeface="+mn-cs"/>
+              </a:defRPr>
+            </a:lvl4pPr>
+            <a:lvl5pPr marL="1828800" algn="l" defTabSz="914400" rtl="0" eaLnBrk="1" latinLnBrk="0" hangingPunct="1">
+              <a:defRPr sz="1800" kern="1200">
+                <a:solidFill>
+                  <a:schemeClr val="tx1"/>
+                </a:solidFill>
+                <a:latin typeface="+mn-lt"/>
+                <a:ea typeface="+mn-ea"/>
+                <a:cs typeface="+mn-cs"/>
+              </a:defRPr>
+            </a:lvl5pPr>
+            <a:lvl6pPr marL="2286000" algn="l" defTabSz="914400" rtl="0" eaLnBrk="1" latinLnBrk="0" hangingPunct="1">
+              <a:defRPr sz="1800" kern="1200">
+                <a:solidFill>
+                  <a:schemeClr val="tx1"/>
+                </a:solidFill>
+                <a:latin typeface="+mn-lt"/>
+                <a:ea typeface="+mn-ea"/>
+                <a:cs typeface="+mn-cs"/>
+              </a:defRPr>
+            </a:lvl6pPr>
+            <a:lvl7pPr marL="2743200" algn="l" defTabSz="914400" rtl="0" eaLnBrk="1" latinLnBrk="0" hangingPunct="1">
+              <a:defRPr sz="1800" kern="1200">
+                <a:solidFill>
+                  <a:schemeClr val="tx1"/>
+                </a:solidFill>
+                <a:latin typeface="+mn-lt"/>
+                <a:ea typeface="+mn-ea"/>
+                <a:cs typeface="+mn-cs"/>
+              </a:defRPr>
+            </a:lvl7pPr>
+            <a:lvl8pPr marL="3200400" algn="l" defTabSz="914400" rtl="0" eaLnBrk="1" latinLnBrk="0" hangingPunct="1">
+              <a:defRPr sz="1800" kern="1200">
+                <a:solidFill>
+                  <a:schemeClr val="tx1"/>
+                </a:solidFill>
+                <a:latin typeface="+mn-lt"/>
+                <a:ea typeface="+mn-ea"/>
+                <a:cs typeface="+mn-cs"/>
+              </a:defRPr>
+            </a:lvl8pPr>
+            <a:lvl9pPr marL="3657600" algn="l" defTabSz="914400" rtl="0" eaLnBrk="1" latinLnBrk="0" hangingPunct="1">
+              <a:defRPr sz="1800" kern="1200">
+                <a:solidFill>
+                  <a:schemeClr val="tx1"/>
+                </a:solidFill>
+                <a:latin typeface="+mn-lt"/>
+                <a:ea typeface="+mn-ea"/>
+                <a:cs typeface="+mn-cs"/>
+              </a:defRPr>
+            </a:lvl9pPr>
+          </a:lstStyle>
+          <a:p>
+            <a:pPr algn="l"/>
+            <a:r>
+              <a:rPr lang="th-TH" sz="2400" dirty="0">
+                <a:latin typeface="TH SarabunPSK" panose="020B0500040200020003" pitchFamily="34" charset="-34"/>
+                <a:cs typeface="TH SarabunPSK" panose="020B0500040200020003" pitchFamily="34" charset="-34"/>
+              </a:rPr>
+              <a:t>โดย ผศ</a:t>
+            </a:r>
+            <a:r>
+              <a:rPr lang="en-US" sz="2400" dirty="0">
+                <a:latin typeface="TH SarabunPSK" panose="020B0500040200020003" pitchFamily="34" charset="-34"/>
+                <a:cs typeface="TH SarabunPSK" panose="020B0500040200020003" pitchFamily="34" charset="-34"/>
+              </a:rPr>
+              <a:t>. </a:t>
+            </a:r>
+            <a:r>
+              <a:rPr lang="th-TH" sz="2400" dirty="0">
+                <a:latin typeface="TH SarabunPSK" panose="020B0500040200020003" pitchFamily="34" charset="-34"/>
+                <a:cs typeface="TH SarabunPSK" panose="020B0500040200020003" pitchFamily="34" charset="-34"/>
+              </a:rPr>
+              <a:t>ดร</a:t>
+            </a:r>
+            <a:r>
+              <a:rPr lang="en-US" sz="2400" dirty="0">
+                <a:latin typeface="TH SarabunPSK" panose="020B0500040200020003" pitchFamily="34" charset="-34"/>
+                <a:cs typeface="TH SarabunPSK" panose="020B0500040200020003" pitchFamily="34" charset="-34"/>
+              </a:rPr>
+              <a:t>.</a:t>
+            </a:r>
+            <a:r>
+              <a:rPr lang="th-TH" sz="2400" dirty="0">
+                <a:latin typeface="TH SarabunPSK" panose="020B0500040200020003" pitchFamily="34" charset="-34"/>
+                <a:cs typeface="TH SarabunPSK" panose="020B0500040200020003" pitchFamily="34" charset="-34"/>
+              </a:rPr>
+              <a:t>ธนพงศ์ อินทระ สาขาวิชาสถิติ มหาวิทยาลัยขอนแก่น </a:t>
+            </a:r>
+          </a:p>
+        </p:txBody>
+      </p:sp>
     </p:spTree>
     <p:extLst>
       <p:ext uri="{BB962C8B-B14F-4D97-AF65-F5344CB8AC3E}">
@@ -18177,6 +20936,168 @@
           </a:p>
         </p:txBody>
       </p:sp>
+      <p:sp>
+        <p:nvSpPr>
+          <p:cNvPr id="9" name="Content Placeholder 2">
+            <a:extLst>
+              <a:ext uri="{FF2B5EF4-FFF2-40B4-BE49-F238E27FC236}">
+                <a16:creationId xmlns:a16="http://schemas.microsoft.com/office/drawing/2014/main" id="{731F6827-5BA3-E61E-330B-5372DB3076AD}"/>
+              </a:ext>
+            </a:extLst>
+          </p:cNvPr>
+          <p:cNvSpPr txBox="1">
+            <a:spLocks/>
+          </p:cNvSpPr>
+          <p:nvPr/>
+        </p:nvSpPr>
+        <p:spPr>
+          <a:xfrm>
+            <a:off x="114677" y="6142311"/>
+            <a:ext cx="5410200" cy="414367"/>
+          </a:xfrm>
+          <a:prstGeom prst="rect">
+            <a:avLst/>
+          </a:prstGeom>
+        </p:spPr>
+        <p:txBody>
+          <a:bodyPr vert="horz" lIns="91440" tIns="45720" rIns="91440" bIns="45720" rtlCol="0">
+            <a:noAutofit/>
+          </a:bodyPr>
+          <a:lstStyle>
+            <a:defPPr>
+              <a:defRPr lang="en-US"/>
+            </a:defPPr>
+            <a:lvl1pPr marL="0" algn="l" defTabSz="914400" rtl="0" eaLnBrk="1" latinLnBrk="0" hangingPunct="1">
+              <a:defRPr sz="1800" kern="1200">
+                <a:solidFill>
+                  <a:schemeClr val="tx1"/>
+                </a:solidFill>
+                <a:latin typeface="+mn-lt"/>
+                <a:ea typeface="+mn-ea"/>
+                <a:cs typeface="+mn-cs"/>
+              </a:defRPr>
+            </a:lvl1pPr>
+            <a:lvl2pPr marL="457200" algn="l" defTabSz="914400" rtl="0" eaLnBrk="1" latinLnBrk="0" hangingPunct="1">
+              <a:defRPr sz="1800" kern="1200">
+                <a:solidFill>
+                  <a:schemeClr val="tx1"/>
+                </a:solidFill>
+                <a:latin typeface="+mn-lt"/>
+                <a:ea typeface="+mn-ea"/>
+                <a:cs typeface="+mn-cs"/>
+              </a:defRPr>
+            </a:lvl2pPr>
+            <a:lvl3pPr marL="914400" algn="l" defTabSz="914400" rtl="0" eaLnBrk="1" latinLnBrk="0" hangingPunct="1">
+              <a:defRPr sz="1800" kern="1200">
+                <a:solidFill>
+                  <a:schemeClr val="tx1"/>
+                </a:solidFill>
+                <a:latin typeface="+mn-lt"/>
+                <a:ea typeface="+mn-ea"/>
+                <a:cs typeface="+mn-cs"/>
+              </a:defRPr>
+            </a:lvl3pPr>
+            <a:lvl4pPr marL="1371600" algn="l" defTabSz="914400" rtl="0" eaLnBrk="1" latinLnBrk="0" hangingPunct="1">
+              <a:defRPr sz="1800" kern="1200">
+                <a:solidFill>
+                  <a:schemeClr val="tx1"/>
+                </a:solidFill>
+                <a:latin typeface="+mn-lt"/>
+                <a:ea typeface="+mn-ea"/>
+                <a:cs typeface="+mn-cs"/>
+              </a:defRPr>
+            </a:lvl4pPr>
+            <a:lvl5pPr marL="1828800" algn="l" defTabSz="914400" rtl="0" eaLnBrk="1" latinLnBrk="0" hangingPunct="1">
+              <a:defRPr sz="1800" kern="1200">
+                <a:solidFill>
+                  <a:schemeClr val="tx1"/>
+                </a:solidFill>
+                <a:latin typeface="+mn-lt"/>
+                <a:ea typeface="+mn-ea"/>
+                <a:cs typeface="+mn-cs"/>
+              </a:defRPr>
+            </a:lvl5pPr>
+            <a:lvl6pPr marL="2286000" algn="l" defTabSz="914400" rtl="0" eaLnBrk="1" latinLnBrk="0" hangingPunct="1">
+              <a:defRPr sz="1800" kern="1200">
+                <a:solidFill>
+                  <a:schemeClr val="tx1"/>
+                </a:solidFill>
+                <a:latin typeface="+mn-lt"/>
+                <a:ea typeface="+mn-ea"/>
+                <a:cs typeface="+mn-cs"/>
+              </a:defRPr>
+            </a:lvl6pPr>
+            <a:lvl7pPr marL="2743200" algn="l" defTabSz="914400" rtl="0" eaLnBrk="1" latinLnBrk="0" hangingPunct="1">
+              <a:defRPr sz="1800" kern="1200">
+                <a:solidFill>
+                  <a:schemeClr val="tx1"/>
+                </a:solidFill>
+                <a:latin typeface="+mn-lt"/>
+                <a:ea typeface="+mn-ea"/>
+                <a:cs typeface="+mn-cs"/>
+              </a:defRPr>
+            </a:lvl7pPr>
+            <a:lvl8pPr marL="3200400" algn="l" defTabSz="914400" rtl="0" eaLnBrk="1" latinLnBrk="0" hangingPunct="1">
+              <a:defRPr sz="1800" kern="1200">
+                <a:solidFill>
+                  <a:schemeClr val="tx1"/>
+                </a:solidFill>
+                <a:latin typeface="+mn-lt"/>
+                <a:ea typeface="+mn-ea"/>
+                <a:cs typeface="+mn-cs"/>
+              </a:defRPr>
+            </a:lvl8pPr>
+            <a:lvl9pPr marL="3657600" algn="l" defTabSz="914400" rtl="0" eaLnBrk="1" latinLnBrk="0" hangingPunct="1">
+              <a:defRPr sz="1800" kern="1200">
+                <a:solidFill>
+                  <a:schemeClr val="tx1"/>
+                </a:solidFill>
+                <a:latin typeface="+mn-lt"/>
+                <a:ea typeface="+mn-ea"/>
+                <a:cs typeface="+mn-cs"/>
+              </a:defRPr>
+            </a:lvl9pPr>
+          </a:lstStyle>
+          <a:p>
+            <a:pPr algn="l"/>
+            <a:r>
+              <a:rPr lang="th-TH" sz="2400" dirty="0">
+                <a:latin typeface="TH SarabunPSK" panose="020B0500040200020003" pitchFamily="34" charset="-34"/>
+                <a:cs typeface="TH SarabunPSK" panose="020B0500040200020003" pitchFamily="34" charset="-34"/>
+              </a:rPr>
+              <a:t>โดย ผศ</a:t>
+            </a:r>
+            <a:r>
+              <a:rPr lang="en-US" sz="2400" dirty="0">
+                <a:latin typeface="TH SarabunPSK" panose="020B0500040200020003" pitchFamily="34" charset="-34"/>
+                <a:cs typeface="TH SarabunPSK" panose="020B0500040200020003" pitchFamily="34" charset="-34"/>
+              </a:rPr>
+              <a:t>. </a:t>
+            </a:r>
+            <a:r>
+              <a:rPr lang="th-TH" sz="2400" dirty="0">
+                <a:latin typeface="TH SarabunPSK" panose="020B0500040200020003" pitchFamily="34" charset="-34"/>
+                <a:cs typeface="TH SarabunPSK" panose="020B0500040200020003" pitchFamily="34" charset="-34"/>
+              </a:rPr>
+              <a:t>ดร</a:t>
+            </a:r>
+            <a:r>
+              <a:rPr lang="en-US" sz="2400" dirty="0">
+                <a:latin typeface="TH SarabunPSK" panose="020B0500040200020003" pitchFamily="34" charset="-34"/>
+                <a:cs typeface="TH SarabunPSK" panose="020B0500040200020003" pitchFamily="34" charset="-34"/>
+              </a:rPr>
+              <a:t>.</a:t>
+            </a:r>
+            <a:r>
+              <a:rPr lang="th-TH" sz="2400" dirty="0">
+                <a:latin typeface="TH SarabunPSK" panose="020B0500040200020003" pitchFamily="34" charset="-34"/>
+                <a:cs typeface="TH SarabunPSK" panose="020B0500040200020003" pitchFamily="34" charset="-34"/>
+              </a:rPr>
+              <a:t>ธนพงศ์ อินทระ สาขาวิชาสถิติ มหาวิทยาลัยขอนแก่น </a:t>
+            </a:r>
+          </a:p>
+        </p:txBody>
+      </p:sp>
     </p:spTree>
     <p:extLst>
       <p:ext uri="{BB962C8B-B14F-4D97-AF65-F5344CB8AC3E}">
@@ -18732,6 +21653,168 @@
           </a:p>
         </p:txBody>
       </p:sp>
+      <p:sp>
+        <p:nvSpPr>
+          <p:cNvPr id="9" name="Content Placeholder 2">
+            <a:extLst>
+              <a:ext uri="{FF2B5EF4-FFF2-40B4-BE49-F238E27FC236}">
+                <a16:creationId xmlns:a16="http://schemas.microsoft.com/office/drawing/2014/main" id="{12F93187-18D0-0BF8-EC38-4FC25FCAEEDA}"/>
+              </a:ext>
+            </a:extLst>
+          </p:cNvPr>
+          <p:cNvSpPr txBox="1">
+            <a:spLocks/>
+          </p:cNvSpPr>
+          <p:nvPr/>
+        </p:nvSpPr>
+        <p:spPr>
+          <a:xfrm>
+            <a:off x="114677" y="6142311"/>
+            <a:ext cx="5410200" cy="414367"/>
+          </a:xfrm>
+          <a:prstGeom prst="rect">
+            <a:avLst/>
+          </a:prstGeom>
+        </p:spPr>
+        <p:txBody>
+          <a:bodyPr vert="horz" lIns="91440" tIns="45720" rIns="91440" bIns="45720" rtlCol="0">
+            <a:noAutofit/>
+          </a:bodyPr>
+          <a:lstStyle>
+            <a:defPPr>
+              <a:defRPr lang="en-US"/>
+            </a:defPPr>
+            <a:lvl1pPr marL="0" algn="l" defTabSz="914400" rtl="0" eaLnBrk="1" latinLnBrk="0" hangingPunct="1">
+              <a:defRPr sz="1800" kern="1200">
+                <a:solidFill>
+                  <a:schemeClr val="tx1"/>
+                </a:solidFill>
+                <a:latin typeface="+mn-lt"/>
+                <a:ea typeface="+mn-ea"/>
+                <a:cs typeface="+mn-cs"/>
+              </a:defRPr>
+            </a:lvl1pPr>
+            <a:lvl2pPr marL="457200" algn="l" defTabSz="914400" rtl="0" eaLnBrk="1" latinLnBrk="0" hangingPunct="1">
+              <a:defRPr sz="1800" kern="1200">
+                <a:solidFill>
+                  <a:schemeClr val="tx1"/>
+                </a:solidFill>
+                <a:latin typeface="+mn-lt"/>
+                <a:ea typeface="+mn-ea"/>
+                <a:cs typeface="+mn-cs"/>
+              </a:defRPr>
+            </a:lvl2pPr>
+            <a:lvl3pPr marL="914400" algn="l" defTabSz="914400" rtl="0" eaLnBrk="1" latinLnBrk="0" hangingPunct="1">
+              <a:defRPr sz="1800" kern="1200">
+                <a:solidFill>
+                  <a:schemeClr val="tx1"/>
+                </a:solidFill>
+                <a:latin typeface="+mn-lt"/>
+                <a:ea typeface="+mn-ea"/>
+                <a:cs typeface="+mn-cs"/>
+              </a:defRPr>
+            </a:lvl3pPr>
+            <a:lvl4pPr marL="1371600" algn="l" defTabSz="914400" rtl="0" eaLnBrk="1" latinLnBrk="0" hangingPunct="1">
+              <a:defRPr sz="1800" kern="1200">
+                <a:solidFill>
+                  <a:schemeClr val="tx1"/>
+                </a:solidFill>
+                <a:latin typeface="+mn-lt"/>
+                <a:ea typeface="+mn-ea"/>
+                <a:cs typeface="+mn-cs"/>
+              </a:defRPr>
+            </a:lvl4pPr>
+            <a:lvl5pPr marL="1828800" algn="l" defTabSz="914400" rtl="0" eaLnBrk="1" latinLnBrk="0" hangingPunct="1">
+              <a:defRPr sz="1800" kern="1200">
+                <a:solidFill>
+                  <a:schemeClr val="tx1"/>
+                </a:solidFill>
+                <a:latin typeface="+mn-lt"/>
+                <a:ea typeface="+mn-ea"/>
+                <a:cs typeface="+mn-cs"/>
+              </a:defRPr>
+            </a:lvl5pPr>
+            <a:lvl6pPr marL="2286000" algn="l" defTabSz="914400" rtl="0" eaLnBrk="1" latinLnBrk="0" hangingPunct="1">
+              <a:defRPr sz="1800" kern="1200">
+                <a:solidFill>
+                  <a:schemeClr val="tx1"/>
+                </a:solidFill>
+                <a:latin typeface="+mn-lt"/>
+                <a:ea typeface="+mn-ea"/>
+                <a:cs typeface="+mn-cs"/>
+              </a:defRPr>
+            </a:lvl6pPr>
+            <a:lvl7pPr marL="2743200" algn="l" defTabSz="914400" rtl="0" eaLnBrk="1" latinLnBrk="0" hangingPunct="1">
+              <a:defRPr sz="1800" kern="1200">
+                <a:solidFill>
+                  <a:schemeClr val="tx1"/>
+                </a:solidFill>
+                <a:latin typeface="+mn-lt"/>
+                <a:ea typeface="+mn-ea"/>
+                <a:cs typeface="+mn-cs"/>
+              </a:defRPr>
+            </a:lvl7pPr>
+            <a:lvl8pPr marL="3200400" algn="l" defTabSz="914400" rtl="0" eaLnBrk="1" latinLnBrk="0" hangingPunct="1">
+              <a:defRPr sz="1800" kern="1200">
+                <a:solidFill>
+                  <a:schemeClr val="tx1"/>
+                </a:solidFill>
+                <a:latin typeface="+mn-lt"/>
+                <a:ea typeface="+mn-ea"/>
+                <a:cs typeface="+mn-cs"/>
+              </a:defRPr>
+            </a:lvl8pPr>
+            <a:lvl9pPr marL="3657600" algn="l" defTabSz="914400" rtl="0" eaLnBrk="1" latinLnBrk="0" hangingPunct="1">
+              <a:defRPr sz="1800" kern="1200">
+                <a:solidFill>
+                  <a:schemeClr val="tx1"/>
+                </a:solidFill>
+                <a:latin typeface="+mn-lt"/>
+                <a:ea typeface="+mn-ea"/>
+                <a:cs typeface="+mn-cs"/>
+              </a:defRPr>
+            </a:lvl9pPr>
+          </a:lstStyle>
+          <a:p>
+            <a:pPr algn="l"/>
+            <a:r>
+              <a:rPr lang="th-TH" sz="2400" dirty="0">
+                <a:latin typeface="TH SarabunPSK" panose="020B0500040200020003" pitchFamily="34" charset="-34"/>
+                <a:cs typeface="TH SarabunPSK" panose="020B0500040200020003" pitchFamily="34" charset="-34"/>
+              </a:rPr>
+              <a:t>โดย ผศ</a:t>
+            </a:r>
+            <a:r>
+              <a:rPr lang="en-US" sz="2400" dirty="0">
+                <a:latin typeface="TH SarabunPSK" panose="020B0500040200020003" pitchFamily="34" charset="-34"/>
+                <a:cs typeface="TH SarabunPSK" panose="020B0500040200020003" pitchFamily="34" charset="-34"/>
+              </a:rPr>
+              <a:t>. </a:t>
+            </a:r>
+            <a:r>
+              <a:rPr lang="th-TH" sz="2400" dirty="0">
+                <a:latin typeface="TH SarabunPSK" panose="020B0500040200020003" pitchFamily="34" charset="-34"/>
+                <a:cs typeface="TH SarabunPSK" panose="020B0500040200020003" pitchFamily="34" charset="-34"/>
+              </a:rPr>
+              <a:t>ดร</a:t>
+            </a:r>
+            <a:r>
+              <a:rPr lang="en-US" sz="2400" dirty="0">
+                <a:latin typeface="TH SarabunPSK" panose="020B0500040200020003" pitchFamily="34" charset="-34"/>
+                <a:cs typeface="TH SarabunPSK" panose="020B0500040200020003" pitchFamily="34" charset="-34"/>
+              </a:rPr>
+              <a:t>.</a:t>
+            </a:r>
+            <a:r>
+              <a:rPr lang="th-TH" sz="2400" dirty="0">
+                <a:latin typeface="TH SarabunPSK" panose="020B0500040200020003" pitchFamily="34" charset="-34"/>
+                <a:cs typeface="TH SarabunPSK" panose="020B0500040200020003" pitchFamily="34" charset="-34"/>
+              </a:rPr>
+              <a:t>ธนพงศ์ อินทระ สาขาวิชาสถิติ มหาวิทยาลัยขอนแก่น </a:t>
+            </a:r>
+          </a:p>
+        </p:txBody>
+      </p:sp>
     </p:spTree>
     <p:extLst>
       <p:ext uri="{BB962C8B-B14F-4D97-AF65-F5344CB8AC3E}">
@@ -19481,6 +22564,168 @@
           </a:p>
         </p:txBody>
       </p:sp>
+      <p:sp>
+        <p:nvSpPr>
+          <p:cNvPr id="9" name="Content Placeholder 2">
+            <a:extLst>
+              <a:ext uri="{FF2B5EF4-FFF2-40B4-BE49-F238E27FC236}">
+                <a16:creationId xmlns:a16="http://schemas.microsoft.com/office/drawing/2014/main" id="{953BE21A-8E5A-88FD-A5FA-3690839A1009}"/>
+              </a:ext>
+            </a:extLst>
+          </p:cNvPr>
+          <p:cNvSpPr txBox="1">
+            <a:spLocks/>
+          </p:cNvSpPr>
+          <p:nvPr/>
+        </p:nvSpPr>
+        <p:spPr>
+          <a:xfrm>
+            <a:off x="114677" y="6142311"/>
+            <a:ext cx="5410200" cy="414367"/>
+          </a:xfrm>
+          <a:prstGeom prst="rect">
+            <a:avLst/>
+          </a:prstGeom>
+        </p:spPr>
+        <p:txBody>
+          <a:bodyPr vert="horz" lIns="91440" tIns="45720" rIns="91440" bIns="45720" rtlCol="0">
+            <a:noAutofit/>
+          </a:bodyPr>
+          <a:lstStyle>
+            <a:defPPr>
+              <a:defRPr lang="en-US"/>
+            </a:defPPr>
+            <a:lvl1pPr marL="0" algn="l" defTabSz="914400" rtl="0" eaLnBrk="1" latinLnBrk="0" hangingPunct="1">
+              <a:defRPr sz="1800" kern="1200">
+                <a:solidFill>
+                  <a:schemeClr val="tx1"/>
+                </a:solidFill>
+                <a:latin typeface="+mn-lt"/>
+                <a:ea typeface="+mn-ea"/>
+                <a:cs typeface="+mn-cs"/>
+              </a:defRPr>
+            </a:lvl1pPr>
+            <a:lvl2pPr marL="457200" algn="l" defTabSz="914400" rtl="0" eaLnBrk="1" latinLnBrk="0" hangingPunct="1">
+              <a:defRPr sz="1800" kern="1200">
+                <a:solidFill>
+                  <a:schemeClr val="tx1"/>
+                </a:solidFill>
+                <a:latin typeface="+mn-lt"/>
+                <a:ea typeface="+mn-ea"/>
+                <a:cs typeface="+mn-cs"/>
+              </a:defRPr>
+            </a:lvl2pPr>
+            <a:lvl3pPr marL="914400" algn="l" defTabSz="914400" rtl="0" eaLnBrk="1" latinLnBrk="0" hangingPunct="1">
+              <a:defRPr sz="1800" kern="1200">
+                <a:solidFill>
+                  <a:schemeClr val="tx1"/>
+                </a:solidFill>
+                <a:latin typeface="+mn-lt"/>
+                <a:ea typeface="+mn-ea"/>
+                <a:cs typeface="+mn-cs"/>
+              </a:defRPr>
+            </a:lvl3pPr>
+            <a:lvl4pPr marL="1371600" algn="l" defTabSz="914400" rtl="0" eaLnBrk="1" latinLnBrk="0" hangingPunct="1">
+              <a:defRPr sz="1800" kern="1200">
+                <a:solidFill>
+                  <a:schemeClr val="tx1"/>
+                </a:solidFill>
+                <a:latin typeface="+mn-lt"/>
+                <a:ea typeface="+mn-ea"/>
+                <a:cs typeface="+mn-cs"/>
+              </a:defRPr>
+            </a:lvl4pPr>
+            <a:lvl5pPr marL="1828800" algn="l" defTabSz="914400" rtl="0" eaLnBrk="1" latinLnBrk="0" hangingPunct="1">
+              <a:defRPr sz="1800" kern="1200">
+                <a:solidFill>
+                  <a:schemeClr val="tx1"/>
+                </a:solidFill>
+                <a:latin typeface="+mn-lt"/>
+                <a:ea typeface="+mn-ea"/>
+                <a:cs typeface="+mn-cs"/>
+              </a:defRPr>
+            </a:lvl5pPr>
+            <a:lvl6pPr marL="2286000" algn="l" defTabSz="914400" rtl="0" eaLnBrk="1" latinLnBrk="0" hangingPunct="1">
+              <a:defRPr sz="1800" kern="1200">
+                <a:solidFill>
+                  <a:schemeClr val="tx1"/>
+                </a:solidFill>
+                <a:latin typeface="+mn-lt"/>
+                <a:ea typeface="+mn-ea"/>
+                <a:cs typeface="+mn-cs"/>
+              </a:defRPr>
+            </a:lvl6pPr>
+            <a:lvl7pPr marL="2743200" algn="l" defTabSz="914400" rtl="0" eaLnBrk="1" latinLnBrk="0" hangingPunct="1">
+              <a:defRPr sz="1800" kern="1200">
+                <a:solidFill>
+                  <a:schemeClr val="tx1"/>
+                </a:solidFill>
+                <a:latin typeface="+mn-lt"/>
+                <a:ea typeface="+mn-ea"/>
+                <a:cs typeface="+mn-cs"/>
+              </a:defRPr>
+            </a:lvl7pPr>
+            <a:lvl8pPr marL="3200400" algn="l" defTabSz="914400" rtl="0" eaLnBrk="1" latinLnBrk="0" hangingPunct="1">
+              <a:defRPr sz="1800" kern="1200">
+                <a:solidFill>
+                  <a:schemeClr val="tx1"/>
+                </a:solidFill>
+                <a:latin typeface="+mn-lt"/>
+                <a:ea typeface="+mn-ea"/>
+                <a:cs typeface="+mn-cs"/>
+              </a:defRPr>
+            </a:lvl8pPr>
+            <a:lvl9pPr marL="3657600" algn="l" defTabSz="914400" rtl="0" eaLnBrk="1" latinLnBrk="0" hangingPunct="1">
+              <a:defRPr sz="1800" kern="1200">
+                <a:solidFill>
+                  <a:schemeClr val="tx1"/>
+                </a:solidFill>
+                <a:latin typeface="+mn-lt"/>
+                <a:ea typeface="+mn-ea"/>
+                <a:cs typeface="+mn-cs"/>
+              </a:defRPr>
+            </a:lvl9pPr>
+          </a:lstStyle>
+          <a:p>
+            <a:pPr algn="l"/>
+            <a:r>
+              <a:rPr lang="th-TH" sz="2400" dirty="0">
+                <a:latin typeface="TH SarabunPSK" panose="020B0500040200020003" pitchFamily="34" charset="-34"/>
+                <a:cs typeface="TH SarabunPSK" panose="020B0500040200020003" pitchFamily="34" charset="-34"/>
+              </a:rPr>
+              <a:t>โดย ผศ</a:t>
+            </a:r>
+            <a:r>
+              <a:rPr lang="en-US" sz="2400" dirty="0">
+                <a:latin typeface="TH SarabunPSK" panose="020B0500040200020003" pitchFamily="34" charset="-34"/>
+                <a:cs typeface="TH SarabunPSK" panose="020B0500040200020003" pitchFamily="34" charset="-34"/>
+              </a:rPr>
+              <a:t>. </a:t>
+            </a:r>
+            <a:r>
+              <a:rPr lang="th-TH" sz="2400" dirty="0">
+                <a:latin typeface="TH SarabunPSK" panose="020B0500040200020003" pitchFamily="34" charset="-34"/>
+                <a:cs typeface="TH SarabunPSK" panose="020B0500040200020003" pitchFamily="34" charset="-34"/>
+              </a:rPr>
+              <a:t>ดร</a:t>
+            </a:r>
+            <a:r>
+              <a:rPr lang="en-US" sz="2400" dirty="0">
+                <a:latin typeface="TH SarabunPSK" panose="020B0500040200020003" pitchFamily="34" charset="-34"/>
+                <a:cs typeface="TH SarabunPSK" panose="020B0500040200020003" pitchFamily="34" charset="-34"/>
+              </a:rPr>
+              <a:t>.</a:t>
+            </a:r>
+            <a:r>
+              <a:rPr lang="th-TH" sz="2400" dirty="0">
+                <a:latin typeface="TH SarabunPSK" panose="020B0500040200020003" pitchFamily="34" charset="-34"/>
+                <a:cs typeface="TH SarabunPSK" panose="020B0500040200020003" pitchFamily="34" charset="-34"/>
+              </a:rPr>
+              <a:t>ธนพงศ์ อินทระ สาขาวิชาสถิติ มหาวิทยาลัยขอนแก่น </a:t>
+            </a:r>
+          </a:p>
+        </p:txBody>
+      </p:sp>
     </p:spTree>
     <p:extLst>
       <p:ext uri="{BB962C8B-B14F-4D97-AF65-F5344CB8AC3E}">
@@ -20150,6 +23395,168 @@
           </a:p>
         </p:txBody>
       </p:sp>
+      <p:sp>
+        <p:nvSpPr>
+          <p:cNvPr id="9" name="Content Placeholder 2">
+            <a:extLst>
+              <a:ext uri="{FF2B5EF4-FFF2-40B4-BE49-F238E27FC236}">
+                <a16:creationId xmlns:a16="http://schemas.microsoft.com/office/drawing/2014/main" id="{B9CFC7A0-3283-BF16-57A3-10D59BB9A927}"/>
+              </a:ext>
+            </a:extLst>
+          </p:cNvPr>
+          <p:cNvSpPr txBox="1">
+            <a:spLocks/>
+          </p:cNvSpPr>
+          <p:nvPr/>
+        </p:nvSpPr>
+        <p:spPr>
+          <a:xfrm>
+            <a:off x="114677" y="6142311"/>
+            <a:ext cx="5410200" cy="414367"/>
+          </a:xfrm>
+          <a:prstGeom prst="rect">
+            <a:avLst/>
+          </a:prstGeom>
+        </p:spPr>
+        <p:txBody>
+          <a:bodyPr vert="horz" lIns="91440" tIns="45720" rIns="91440" bIns="45720" rtlCol="0">
+            <a:noAutofit/>
+          </a:bodyPr>
+          <a:lstStyle>
+            <a:defPPr>
+              <a:defRPr lang="en-US"/>
+            </a:defPPr>
+            <a:lvl1pPr marL="0" algn="l" defTabSz="914400" rtl="0" eaLnBrk="1" latinLnBrk="0" hangingPunct="1">
+              <a:defRPr sz="1800" kern="1200">
+                <a:solidFill>
+                  <a:schemeClr val="tx1"/>
+                </a:solidFill>
+                <a:latin typeface="+mn-lt"/>
+                <a:ea typeface="+mn-ea"/>
+                <a:cs typeface="+mn-cs"/>
+              </a:defRPr>
+            </a:lvl1pPr>
+            <a:lvl2pPr marL="457200" algn="l" defTabSz="914400" rtl="0" eaLnBrk="1" latinLnBrk="0" hangingPunct="1">
+              <a:defRPr sz="1800" kern="1200">
+                <a:solidFill>
+                  <a:schemeClr val="tx1"/>
+                </a:solidFill>
+                <a:latin typeface="+mn-lt"/>
+                <a:ea typeface="+mn-ea"/>
+                <a:cs typeface="+mn-cs"/>
+              </a:defRPr>
+            </a:lvl2pPr>
+            <a:lvl3pPr marL="914400" algn="l" defTabSz="914400" rtl="0" eaLnBrk="1" latinLnBrk="0" hangingPunct="1">
+              <a:defRPr sz="1800" kern="1200">
+                <a:solidFill>
+                  <a:schemeClr val="tx1"/>
+                </a:solidFill>
+                <a:latin typeface="+mn-lt"/>
+                <a:ea typeface="+mn-ea"/>
+                <a:cs typeface="+mn-cs"/>
+              </a:defRPr>
+            </a:lvl3pPr>
+            <a:lvl4pPr marL="1371600" algn="l" defTabSz="914400" rtl="0" eaLnBrk="1" latinLnBrk="0" hangingPunct="1">
+              <a:defRPr sz="1800" kern="1200">
+                <a:solidFill>
+                  <a:schemeClr val="tx1"/>
+                </a:solidFill>
+                <a:latin typeface="+mn-lt"/>
+                <a:ea typeface="+mn-ea"/>
+                <a:cs typeface="+mn-cs"/>
+              </a:defRPr>
+            </a:lvl4pPr>
+            <a:lvl5pPr marL="1828800" algn="l" defTabSz="914400" rtl="0" eaLnBrk="1" latinLnBrk="0" hangingPunct="1">
+              <a:defRPr sz="1800" kern="1200">
+                <a:solidFill>
+                  <a:schemeClr val="tx1"/>
+                </a:solidFill>
+                <a:latin typeface="+mn-lt"/>
+                <a:ea typeface="+mn-ea"/>
+                <a:cs typeface="+mn-cs"/>
+              </a:defRPr>
+            </a:lvl5pPr>
+            <a:lvl6pPr marL="2286000" algn="l" defTabSz="914400" rtl="0" eaLnBrk="1" latinLnBrk="0" hangingPunct="1">
+              <a:defRPr sz="1800" kern="1200">
+                <a:solidFill>
+                  <a:schemeClr val="tx1"/>
+                </a:solidFill>
+                <a:latin typeface="+mn-lt"/>
+                <a:ea typeface="+mn-ea"/>
+                <a:cs typeface="+mn-cs"/>
+              </a:defRPr>
+            </a:lvl6pPr>
+            <a:lvl7pPr marL="2743200" algn="l" defTabSz="914400" rtl="0" eaLnBrk="1" latinLnBrk="0" hangingPunct="1">
+              <a:defRPr sz="1800" kern="1200">
+                <a:solidFill>
+                  <a:schemeClr val="tx1"/>
+                </a:solidFill>
+                <a:latin typeface="+mn-lt"/>
+                <a:ea typeface="+mn-ea"/>
+                <a:cs typeface="+mn-cs"/>
+              </a:defRPr>
+            </a:lvl7pPr>
+            <a:lvl8pPr marL="3200400" algn="l" defTabSz="914400" rtl="0" eaLnBrk="1" latinLnBrk="0" hangingPunct="1">
+              <a:defRPr sz="1800" kern="1200">
+                <a:solidFill>
+                  <a:schemeClr val="tx1"/>
+                </a:solidFill>
+                <a:latin typeface="+mn-lt"/>
+                <a:ea typeface="+mn-ea"/>
+                <a:cs typeface="+mn-cs"/>
+              </a:defRPr>
+            </a:lvl8pPr>
+            <a:lvl9pPr marL="3657600" algn="l" defTabSz="914400" rtl="0" eaLnBrk="1" latinLnBrk="0" hangingPunct="1">
+              <a:defRPr sz="1800" kern="1200">
+                <a:solidFill>
+                  <a:schemeClr val="tx1"/>
+                </a:solidFill>
+                <a:latin typeface="+mn-lt"/>
+                <a:ea typeface="+mn-ea"/>
+                <a:cs typeface="+mn-cs"/>
+              </a:defRPr>
+            </a:lvl9pPr>
+          </a:lstStyle>
+          <a:p>
+            <a:pPr algn="l"/>
+            <a:r>
+              <a:rPr lang="th-TH" sz="2400" dirty="0">
+                <a:latin typeface="TH SarabunPSK" panose="020B0500040200020003" pitchFamily="34" charset="-34"/>
+                <a:cs typeface="TH SarabunPSK" panose="020B0500040200020003" pitchFamily="34" charset="-34"/>
+              </a:rPr>
+              <a:t>โดย ผศ</a:t>
+            </a:r>
+            <a:r>
+              <a:rPr lang="en-US" sz="2400" dirty="0">
+                <a:latin typeface="TH SarabunPSK" panose="020B0500040200020003" pitchFamily="34" charset="-34"/>
+                <a:cs typeface="TH SarabunPSK" panose="020B0500040200020003" pitchFamily="34" charset="-34"/>
+              </a:rPr>
+              <a:t>. </a:t>
+            </a:r>
+            <a:r>
+              <a:rPr lang="th-TH" sz="2400" dirty="0">
+                <a:latin typeface="TH SarabunPSK" panose="020B0500040200020003" pitchFamily="34" charset="-34"/>
+                <a:cs typeface="TH SarabunPSK" panose="020B0500040200020003" pitchFamily="34" charset="-34"/>
+              </a:rPr>
+              <a:t>ดร</a:t>
+            </a:r>
+            <a:r>
+              <a:rPr lang="en-US" sz="2400" dirty="0">
+                <a:latin typeface="TH SarabunPSK" panose="020B0500040200020003" pitchFamily="34" charset="-34"/>
+                <a:cs typeface="TH SarabunPSK" panose="020B0500040200020003" pitchFamily="34" charset="-34"/>
+              </a:rPr>
+              <a:t>.</a:t>
+            </a:r>
+            <a:r>
+              <a:rPr lang="th-TH" sz="2400" dirty="0">
+                <a:latin typeface="TH SarabunPSK" panose="020B0500040200020003" pitchFamily="34" charset="-34"/>
+                <a:cs typeface="TH SarabunPSK" panose="020B0500040200020003" pitchFamily="34" charset="-34"/>
+              </a:rPr>
+              <a:t>ธนพงศ์ อินทระ สาขาวิชาสถิติ มหาวิทยาลัยขอนแก่น </a:t>
+            </a:r>
+          </a:p>
+        </p:txBody>
+      </p:sp>
     </p:spTree>
     <p:extLst>
       <p:ext uri="{BB962C8B-B14F-4D97-AF65-F5344CB8AC3E}">
@@ -20852,6 +24259,168 @@
           </a:p>
         </p:txBody>
       </p:sp>
+      <p:sp>
+        <p:nvSpPr>
+          <p:cNvPr id="9" name="Content Placeholder 2">
+            <a:extLst>
+              <a:ext uri="{FF2B5EF4-FFF2-40B4-BE49-F238E27FC236}">
+                <a16:creationId xmlns:a16="http://schemas.microsoft.com/office/drawing/2014/main" id="{4B72221F-1FD7-E941-30C4-1A03C96CA7CE}"/>
+              </a:ext>
+            </a:extLst>
+          </p:cNvPr>
+          <p:cNvSpPr txBox="1">
+            <a:spLocks/>
+          </p:cNvSpPr>
+          <p:nvPr/>
+        </p:nvSpPr>
+        <p:spPr>
+          <a:xfrm>
+            <a:off x="114677" y="6142311"/>
+            <a:ext cx="5410200" cy="414367"/>
+          </a:xfrm>
+          <a:prstGeom prst="rect">
+            <a:avLst/>
+          </a:prstGeom>
+        </p:spPr>
+        <p:txBody>
+          <a:bodyPr vert="horz" lIns="91440" tIns="45720" rIns="91440" bIns="45720" rtlCol="0">
+            <a:noAutofit/>
+          </a:bodyPr>
+          <a:lstStyle>
+            <a:defPPr>
+              <a:defRPr lang="en-US"/>
+            </a:defPPr>
+            <a:lvl1pPr marL="0" algn="l" defTabSz="914400" rtl="0" eaLnBrk="1" latinLnBrk="0" hangingPunct="1">
+              <a:defRPr sz="1800" kern="1200">
+                <a:solidFill>
+                  <a:schemeClr val="tx1"/>
+                </a:solidFill>
+                <a:latin typeface="+mn-lt"/>
+                <a:ea typeface="+mn-ea"/>
+                <a:cs typeface="+mn-cs"/>
+              </a:defRPr>
+            </a:lvl1pPr>
+            <a:lvl2pPr marL="457200" algn="l" defTabSz="914400" rtl="0" eaLnBrk="1" latinLnBrk="0" hangingPunct="1">
+              <a:defRPr sz="1800" kern="1200">
+                <a:solidFill>
+                  <a:schemeClr val="tx1"/>
+                </a:solidFill>
+                <a:latin typeface="+mn-lt"/>
+                <a:ea typeface="+mn-ea"/>
+                <a:cs typeface="+mn-cs"/>
+              </a:defRPr>
+            </a:lvl2pPr>
+            <a:lvl3pPr marL="914400" algn="l" defTabSz="914400" rtl="0" eaLnBrk="1" latinLnBrk="0" hangingPunct="1">
+              <a:defRPr sz="1800" kern="1200">
+                <a:solidFill>
+                  <a:schemeClr val="tx1"/>
+                </a:solidFill>
+                <a:latin typeface="+mn-lt"/>
+                <a:ea typeface="+mn-ea"/>
+                <a:cs typeface="+mn-cs"/>
+              </a:defRPr>
+            </a:lvl3pPr>
+            <a:lvl4pPr marL="1371600" algn="l" defTabSz="914400" rtl="0" eaLnBrk="1" latinLnBrk="0" hangingPunct="1">
+              <a:defRPr sz="1800" kern="1200">
+                <a:solidFill>
+                  <a:schemeClr val="tx1"/>
+                </a:solidFill>
+                <a:latin typeface="+mn-lt"/>
+                <a:ea typeface="+mn-ea"/>
+                <a:cs typeface="+mn-cs"/>
+              </a:defRPr>
+            </a:lvl4pPr>
+            <a:lvl5pPr marL="1828800" algn="l" defTabSz="914400" rtl="0" eaLnBrk="1" latinLnBrk="0" hangingPunct="1">
+              <a:defRPr sz="1800" kern="1200">
+                <a:solidFill>
+                  <a:schemeClr val="tx1"/>
+                </a:solidFill>
+                <a:latin typeface="+mn-lt"/>
+                <a:ea typeface="+mn-ea"/>
+                <a:cs typeface="+mn-cs"/>
+              </a:defRPr>
+            </a:lvl5pPr>
+            <a:lvl6pPr marL="2286000" algn="l" defTabSz="914400" rtl="0" eaLnBrk="1" latinLnBrk="0" hangingPunct="1">
+              <a:defRPr sz="1800" kern="1200">
+                <a:solidFill>
+                  <a:schemeClr val="tx1"/>
+                </a:solidFill>
+                <a:latin typeface="+mn-lt"/>
+                <a:ea typeface="+mn-ea"/>
+                <a:cs typeface="+mn-cs"/>
+              </a:defRPr>
+            </a:lvl6pPr>
+            <a:lvl7pPr marL="2743200" algn="l" defTabSz="914400" rtl="0" eaLnBrk="1" latinLnBrk="0" hangingPunct="1">
+              <a:defRPr sz="1800" kern="1200">
+                <a:solidFill>
+                  <a:schemeClr val="tx1"/>
+                </a:solidFill>
+                <a:latin typeface="+mn-lt"/>
+                <a:ea typeface="+mn-ea"/>
+                <a:cs typeface="+mn-cs"/>
+              </a:defRPr>
+            </a:lvl7pPr>
+            <a:lvl8pPr marL="3200400" algn="l" defTabSz="914400" rtl="0" eaLnBrk="1" latinLnBrk="0" hangingPunct="1">
+              <a:defRPr sz="1800" kern="1200">
+                <a:solidFill>
+                  <a:schemeClr val="tx1"/>
+                </a:solidFill>
+                <a:latin typeface="+mn-lt"/>
+                <a:ea typeface="+mn-ea"/>
+                <a:cs typeface="+mn-cs"/>
+              </a:defRPr>
+            </a:lvl8pPr>
+            <a:lvl9pPr marL="3657600" algn="l" defTabSz="914400" rtl="0" eaLnBrk="1" latinLnBrk="0" hangingPunct="1">
+              <a:defRPr sz="1800" kern="1200">
+                <a:solidFill>
+                  <a:schemeClr val="tx1"/>
+                </a:solidFill>
+                <a:latin typeface="+mn-lt"/>
+                <a:ea typeface="+mn-ea"/>
+                <a:cs typeface="+mn-cs"/>
+              </a:defRPr>
+            </a:lvl9pPr>
+          </a:lstStyle>
+          <a:p>
+            <a:pPr algn="l"/>
+            <a:r>
+              <a:rPr lang="th-TH" sz="2400" dirty="0">
+                <a:latin typeface="TH SarabunPSK" panose="020B0500040200020003" pitchFamily="34" charset="-34"/>
+                <a:cs typeface="TH SarabunPSK" panose="020B0500040200020003" pitchFamily="34" charset="-34"/>
+              </a:rPr>
+              <a:t>โดย ผศ</a:t>
+            </a:r>
+            <a:r>
+              <a:rPr lang="en-US" sz="2400" dirty="0">
+                <a:latin typeface="TH SarabunPSK" panose="020B0500040200020003" pitchFamily="34" charset="-34"/>
+                <a:cs typeface="TH SarabunPSK" panose="020B0500040200020003" pitchFamily="34" charset="-34"/>
+              </a:rPr>
+              <a:t>. </a:t>
+            </a:r>
+            <a:r>
+              <a:rPr lang="th-TH" sz="2400" dirty="0">
+                <a:latin typeface="TH SarabunPSK" panose="020B0500040200020003" pitchFamily="34" charset="-34"/>
+                <a:cs typeface="TH SarabunPSK" panose="020B0500040200020003" pitchFamily="34" charset="-34"/>
+              </a:rPr>
+              <a:t>ดร</a:t>
+            </a:r>
+            <a:r>
+              <a:rPr lang="en-US" sz="2400" dirty="0">
+                <a:latin typeface="TH SarabunPSK" panose="020B0500040200020003" pitchFamily="34" charset="-34"/>
+                <a:cs typeface="TH SarabunPSK" panose="020B0500040200020003" pitchFamily="34" charset="-34"/>
+              </a:rPr>
+              <a:t>.</a:t>
+            </a:r>
+            <a:r>
+              <a:rPr lang="th-TH" sz="2400" dirty="0">
+                <a:latin typeface="TH SarabunPSK" panose="020B0500040200020003" pitchFamily="34" charset="-34"/>
+                <a:cs typeface="TH SarabunPSK" panose="020B0500040200020003" pitchFamily="34" charset="-34"/>
+              </a:rPr>
+              <a:t>ธนพงศ์ อินทระ สาขาวิชาสถิติ มหาวิทยาลัยขอนแก่น </a:t>
+            </a:r>
+          </a:p>
+        </p:txBody>
+      </p:sp>
     </p:spTree>
     <p:extLst>
       <p:ext uri="{BB962C8B-B14F-4D97-AF65-F5344CB8AC3E}">
@@ -21555,6 +25124,168 @@
           </a:p>
         </p:txBody>
       </p:sp>
+      <p:sp>
+        <p:nvSpPr>
+          <p:cNvPr id="9" name="Content Placeholder 2">
+            <a:extLst>
+              <a:ext uri="{FF2B5EF4-FFF2-40B4-BE49-F238E27FC236}">
+                <a16:creationId xmlns:a16="http://schemas.microsoft.com/office/drawing/2014/main" id="{7604035A-6B88-F151-04EE-06D51E816689}"/>
+              </a:ext>
+            </a:extLst>
+          </p:cNvPr>
+          <p:cNvSpPr txBox="1">
+            <a:spLocks/>
+          </p:cNvSpPr>
+          <p:nvPr/>
+        </p:nvSpPr>
+        <p:spPr>
+          <a:xfrm>
+            <a:off x="114677" y="6142311"/>
+            <a:ext cx="5410200" cy="414367"/>
+          </a:xfrm>
+          <a:prstGeom prst="rect">
+            <a:avLst/>
+          </a:prstGeom>
+        </p:spPr>
+        <p:txBody>
+          <a:bodyPr vert="horz" lIns="91440" tIns="45720" rIns="91440" bIns="45720" rtlCol="0">
+            <a:noAutofit/>
+          </a:bodyPr>
+          <a:lstStyle>
+            <a:defPPr>
+              <a:defRPr lang="en-US"/>
+            </a:defPPr>
+            <a:lvl1pPr marL="0" algn="l" defTabSz="914400" rtl="0" eaLnBrk="1" latinLnBrk="0" hangingPunct="1">
+              <a:defRPr sz="1800" kern="1200">
+                <a:solidFill>
+                  <a:schemeClr val="tx1"/>
+                </a:solidFill>
+                <a:latin typeface="+mn-lt"/>
+                <a:ea typeface="+mn-ea"/>
+                <a:cs typeface="+mn-cs"/>
+              </a:defRPr>
+            </a:lvl1pPr>
+            <a:lvl2pPr marL="457200" algn="l" defTabSz="914400" rtl="0" eaLnBrk="1" latinLnBrk="0" hangingPunct="1">
+              <a:defRPr sz="1800" kern="1200">
+                <a:solidFill>
+                  <a:schemeClr val="tx1"/>
+                </a:solidFill>
+                <a:latin typeface="+mn-lt"/>
+                <a:ea typeface="+mn-ea"/>
+                <a:cs typeface="+mn-cs"/>
+              </a:defRPr>
+            </a:lvl2pPr>
+            <a:lvl3pPr marL="914400" algn="l" defTabSz="914400" rtl="0" eaLnBrk="1" latinLnBrk="0" hangingPunct="1">
+              <a:defRPr sz="1800" kern="1200">
+                <a:solidFill>
+                  <a:schemeClr val="tx1"/>
+                </a:solidFill>
+                <a:latin typeface="+mn-lt"/>
+                <a:ea typeface="+mn-ea"/>
+                <a:cs typeface="+mn-cs"/>
+              </a:defRPr>
+            </a:lvl3pPr>
+            <a:lvl4pPr marL="1371600" algn="l" defTabSz="914400" rtl="0" eaLnBrk="1" latinLnBrk="0" hangingPunct="1">
+              <a:defRPr sz="1800" kern="1200">
+                <a:solidFill>
+                  <a:schemeClr val="tx1"/>
+                </a:solidFill>
+                <a:latin typeface="+mn-lt"/>
+                <a:ea typeface="+mn-ea"/>
+                <a:cs typeface="+mn-cs"/>
+              </a:defRPr>
+            </a:lvl4pPr>
+            <a:lvl5pPr marL="1828800" algn="l" defTabSz="914400" rtl="0" eaLnBrk="1" latinLnBrk="0" hangingPunct="1">
+              <a:defRPr sz="1800" kern="1200">
+                <a:solidFill>
+                  <a:schemeClr val="tx1"/>
+                </a:solidFill>
+                <a:latin typeface="+mn-lt"/>
+                <a:ea typeface="+mn-ea"/>
+                <a:cs typeface="+mn-cs"/>
+              </a:defRPr>
+            </a:lvl5pPr>
+            <a:lvl6pPr marL="2286000" algn="l" defTabSz="914400" rtl="0" eaLnBrk="1" latinLnBrk="0" hangingPunct="1">
+              <a:defRPr sz="1800" kern="1200">
+                <a:solidFill>
+                  <a:schemeClr val="tx1"/>
+                </a:solidFill>
+                <a:latin typeface="+mn-lt"/>
+                <a:ea typeface="+mn-ea"/>
+                <a:cs typeface="+mn-cs"/>
+              </a:defRPr>
+            </a:lvl6pPr>
+            <a:lvl7pPr marL="2743200" algn="l" defTabSz="914400" rtl="0" eaLnBrk="1" latinLnBrk="0" hangingPunct="1">
+              <a:defRPr sz="1800" kern="1200">
+                <a:solidFill>
+                  <a:schemeClr val="tx1"/>
+                </a:solidFill>
+                <a:latin typeface="+mn-lt"/>
+                <a:ea typeface="+mn-ea"/>
+                <a:cs typeface="+mn-cs"/>
+              </a:defRPr>
+            </a:lvl7pPr>
+            <a:lvl8pPr marL="3200400" algn="l" defTabSz="914400" rtl="0" eaLnBrk="1" latinLnBrk="0" hangingPunct="1">
+              <a:defRPr sz="1800" kern="1200">
+                <a:solidFill>
+                  <a:schemeClr val="tx1"/>
+                </a:solidFill>
+                <a:latin typeface="+mn-lt"/>
+                <a:ea typeface="+mn-ea"/>
+                <a:cs typeface="+mn-cs"/>
+              </a:defRPr>
+            </a:lvl8pPr>
+            <a:lvl9pPr marL="3657600" algn="l" defTabSz="914400" rtl="0" eaLnBrk="1" latinLnBrk="0" hangingPunct="1">
+              <a:defRPr sz="1800" kern="1200">
+                <a:solidFill>
+                  <a:schemeClr val="tx1"/>
+                </a:solidFill>
+                <a:latin typeface="+mn-lt"/>
+                <a:ea typeface="+mn-ea"/>
+                <a:cs typeface="+mn-cs"/>
+              </a:defRPr>
+            </a:lvl9pPr>
+          </a:lstStyle>
+          <a:p>
+            <a:pPr algn="l"/>
+            <a:r>
+              <a:rPr lang="th-TH" sz="2400" dirty="0">
+                <a:latin typeface="TH SarabunPSK" panose="020B0500040200020003" pitchFamily="34" charset="-34"/>
+                <a:cs typeface="TH SarabunPSK" panose="020B0500040200020003" pitchFamily="34" charset="-34"/>
+              </a:rPr>
+              <a:t>โดย ผศ</a:t>
+            </a:r>
+            <a:r>
+              <a:rPr lang="en-US" sz="2400" dirty="0">
+                <a:latin typeface="TH SarabunPSK" panose="020B0500040200020003" pitchFamily="34" charset="-34"/>
+                <a:cs typeface="TH SarabunPSK" panose="020B0500040200020003" pitchFamily="34" charset="-34"/>
+              </a:rPr>
+              <a:t>. </a:t>
+            </a:r>
+            <a:r>
+              <a:rPr lang="th-TH" sz="2400" dirty="0">
+                <a:latin typeface="TH SarabunPSK" panose="020B0500040200020003" pitchFamily="34" charset="-34"/>
+                <a:cs typeface="TH SarabunPSK" panose="020B0500040200020003" pitchFamily="34" charset="-34"/>
+              </a:rPr>
+              <a:t>ดร</a:t>
+            </a:r>
+            <a:r>
+              <a:rPr lang="en-US" sz="2400" dirty="0">
+                <a:latin typeface="TH SarabunPSK" panose="020B0500040200020003" pitchFamily="34" charset="-34"/>
+                <a:cs typeface="TH SarabunPSK" panose="020B0500040200020003" pitchFamily="34" charset="-34"/>
+              </a:rPr>
+              <a:t>.</a:t>
+            </a:r>
+            <a:r>
+              <a:rPr lang="th-TH" sz="2400" dirty="0">
+                <a:latin typeface="TH SarabunPSK" panose="020B0500040200020003" pitchFamily="34" charset="-34"/>
+                <a:cs typeface="TH SarabunPSK" panose="020B0500040200020003" pitchFamily="34" charset="-34"/>
+              </a:rPr>
+              <a:t>ธนพงศ์ อินทระ สาขาวิชาสถิติ มหาวิทยาลัยขอนแก่น </a:t>
+            </a:r>
+          </a:p>
+        </p:txBody>
+      </p:sp>
     </p:spTree>
     <p:extLst>
       <p:ext uri="{BB962C8B-B14F-4D97-AF65-F5344CB8AC3E}">
@@ -22162,6 +25893,168 @@
           </a:p>
         </p:txBody>
       </p:sp>
+      <p:sp>
+        <p:nvSpPr>
+          <p:cNvPr id="9" name="Content Placeholder 2">
+            <a:extLst>
+              <a:ext uri="{FF2B5EF4-FFF2-40B4-BE49-F238E27FC236}">
+                <a16:creationId xmlns:a16="http://schemas.microsoft.com/office/drawing/2014/main" id="{E7CE85CD-E4CB-005C-9FC7-54D9F0F5D4B3}"/>
+              </a:ext>
+            </a:extLst>
+          </p:cNvPr>
+          <p:cNvSpPr txBox="1">
+            <a:spLocks/>
+          </p:cNvSpPr>
+          <p:nvPr/>
+        </p:nvSpPr>
+        <p:spPr>
+          <a:xfrm>
+            <a:off x="114677" y="6142311"/>
+            <a:ext cx="5410200" cy="414367"/>
+          </a:xfrm>
+          <a:prstGeom prst="rect">
+            <a:avLst/>
+          </a:prstGeom>
+        </p:spPr>
+        <p:txBody>
+          <a:bodyPr vert="horz" lIns="91440" tIns="45720" rIns="91440" bIns="45720" rtlCol="0">
+            <a:noAutofit/>
+          </a:bodyPr>
+          <a:lstStyle>
+            <a:defPPr>
+              <a:defRPr lang="en-US"/>
+            </a:defPPr>
+            <a:lvl1pPr marL="0" algn="l" defTabSz="914400" rtl="0" eaLnBrk="1" latinLnBrk="0" hangingPunct="1">
+              <a:defRPr sz="1800" kern="1200">
+                <a:solidFill>
+                  <a:schemeClr val="tx1"/>
+                </a:solidFill>
+                <a:latin typeface="+mn-lt"/>
+                <a:ea typeface="+mn-ea"/>
+                <a:cs typeface="+mn-cs"/>
+              </a:defRPr>
+            </a:lvl1pPr>
+            <a:lvl2pPr marL="457200" algn="l" defTabSz="914400" rtl="0" eaLnBrk="1" latinLnBrk="0" hangingPunct="1">
+              <a:defRPr sz="1800" kern="1200">
+                <a:solidFill>
+                  <a:schemeClr val="tx1"/>
+                </a:solidFill>
+                <a:latin typeface="+mn-lt"/>
+                <a:ea typeface="+mn-ea"/>
+                <a:cs typeface="+mn-cs"/>
+              </a:defRPr>
+            </a:lvl2pPr>
+            <a:lvl3pPr marL="914400" algn="l" defTabSz="914400" rtl="0" eaLnBrk="1" latinLnBrk="0" hangingPunct="1">
+              <a:defRPr sz="1800" kern="1200">
+                <a:solidFill>
+                  <a:schemeClr val="tx1"/>
+                </a:solidFill>
+                <a:latin typeface="+mn-lt"/>
+                <a:ea typeface="+mn-ea"/>
+                <a:cs typeface="+mn-cs"/>
+              </a:defRPr>
+            </a:lvl3pPr>
+            <a:lvl4pPr marL="1371600" algn="l" defTabSz="914400" rtl="0" eaLnBrk="1" latinLnBrk="0" hangingPunct="1">
+              <a:defRPr sz="1800" kern="1200">
+                <a:solidFill>
+                  <a:schemeClr val="tx1"/>
+                </a:solidFill>
+                <a:latin typeface="+mn-lt"/>
+                <a:ea typeface="+mn-ea"/>
+                <a:cs typeface="+mn-cs"/>
+              </a:defRPr>
+            </a:lvl4pPr>
+            <a:lvl5pPr marL="1828800" algn="l" defTabSz="914400" rtl="0" eaLnBrk="1" latinLnBrk="0" hangingPunct="1">
+              <a:defRPr sz="1800" kern="1200">
+                <a:solidFill>
+                  <a:schemeClr val="tx1"/>
+                </a:solidFill>
+                <a:latin typeface="+mn-lt"/>
+                <a:ea typeface="+mn-ea"/>
+                <a:cs typeface="+mn-cs"/>
+              </a:defRPr>
+            </a:lvl5pPr>
+            <a:lvl6pPr marL="2286000" algn="l" defTabSz="914400" rtl="0" eaLnBrk="1" latinLnBrk="0" hangingPunct="1">
+              <a:defRPr sz="1800" kern="1200">
+                <a:solidFill>
+                  <a:schemeClr val="tx1"/>
+                </a:solidFill>
+                <a:latin typeface="+mn-lt"/>
+                <a:ea typeface="+mn-ea"/>
+                <a:cs typeface="+mn-cs"/>
+              </a:defRPr>
+            </a:lvl6pPr>
+            <a:lvl7pPr marL="2743200" algn="l" defTabSz="914400" rtl="0" eaLnBrk="1" latinLnBrk="0" hangingPunct="1">
+              <a:defRPr sz="1800" kern="1200">
+                <a:solidFill>
+                  <a:schemeClr val="tx1"/>
+                </a:solidFill>
+                <a:latin typeface="+mn-lt"/>
+                <a:ea typeface="+mn-ea"/>
+                <a:cs typeface="+mn-cs"/>
+              </a:defRPr>
+            </a:lvl7pPr>
+            <a:lvl8pPr marL="3200400" algn="l" defTabSz="914400" rtl="0" eaLnBrk="1" latinLnBrk="0" hangingPunct="1">
+              <a:defRPr sz="1800" kern="1200">
+                <a:solidFill>
+                  <a:schemeClr val="tx1"/>
+                </a:solidFill>
+                <a:latin typeface="+mn-lt"/>
+                <a:ea typeface="+mn-ea"/>
+                <a:cs typeface="+mn-cs"/>
+              </a:defRPr>
+            </a:lvl8pPr>
+            <a:lvl9pPr marL="3657600" algn="l" defTabSz="914400" rtl="0" eaLnBrk="1" latinLnBrk="0" hangingPunct="1">
+              <a:defRPr sz="1800" kern="1200">
+                <a:solidFill>
+                  <a:schemeClr val="tx1"/>
+                </a:solidFill>
+                <a:latin typeface="+mn-lt"/>
+                <a:ea typeface="+mn-ea"/>
+                <a:cs typeface="+mn-cs"/>
+              </a:defRPr>
+            </a:lvl9pPr>
+          </a:lstStyle>
+          <a:p>
+            <a:pPr algn="l"/>
+            <a:r>
+              <a:rPr lang="th-TH" sz="2400" dirty="0">
+                <a:latin typeface="TH SarabunPSK" panose="020B0500040200020003" pitchFamily="34" charset="-34"/>
+                <a:cs typeface="TH SarabunPSK" panose="020B0500040200020003" pitchFamily="34" charset="-34"/>
+              </a:rPr>
+              <a:t>โดย ผศ</a:t>
+            </a:r>
+            <a:r>
+              <a:rPr lang="en-US" sz="2400" dirty="0">
+                <a:latin typeface="TH SarabunPSK" panose="020B0500040200020003" pitchFamily="34" charset="-34"/>
+                <a:cs typeface="TH SarabunPSK" panose="020B0500040200020003" pitchFamily="34" charset="-34"/>
+              </a:rPr>
+              <a:t>. </a:t>
+            </a:r>
+            <a:r>
+              <a:rPr lang="th-TH" sz="2400" dirty="0">
+                <a:latin typeface="TH SarabunPSK" panose="020B0500040200020003" pitchFamily="34" charset="-34"/>
+                <a:cs typeface="TH SarabunPSK" panose="020B0500040200020003" pitchFamily="34" charset="-34"/>
+              </a:rPr>
+              <a:t>ดร</a:t>
+            </a:r>
+            <a:r>
+              <a:rPr lang="en-US" sz="2400" dirty="0">
+                <a:latin typeface="TH SarabunPSK" panose="020B0500040200020003" pitchFamily="34" charset="-34"/>
+                <a:cs typeface="TH SarabunPSK" panose="020B0500040200020003" pitchFamily="34" charset="-34"/>
+              </a:rPr>
+              <a:t>.</a:t>
+            </a:r>
+            <a:r>
+              <a:rPr lang="th-TH" sz="2400" dirty="0">
+                <a:latin typeface="TH SarabunPSK" panose="020B0500040200020003" pitchFamily="34" charset="-34"/>
+                <a:cs typeface="TH SarabunPSK" panose="020B0500040200020003" pitchFamily="34" charset="-34"/>
+              </a:rPr>
+              <a:t>ธนพงศ์ อินทระ สาขาวิชาสถิติ มหาวิทยาลัยขอนแก่น </a:t>
+            </a:r>
+          </a:p>
+        </p:txBody>
+      </p:sp>
     </p:spTree>
     <p:extLst>
       <p:ext uri="{BB962C8B-B14F-4D97-AF65-F5344CB8AC3E}">
@@ -22826,6 +26719,168 @@
           </a:p>
         </p:txBody>
       </p:sp>
+      <p:sp>
+        <p:nvSpPr>
+          <p:cNvPr id="9" name="Content Placeholder 2">
+            <a:extLst>
+              <a:ext uri="{FF2B5EF4-FFF2-40B4-BE49-F238E27FC236}">
+                <a16:creationId xmlns:a16="http://schemas.microsoft.com/office/drawing/2014/main" id="{FFFFE168-F6BE-85F5-6D70-E2A836481AC2}"/>
+              </a:ext>
+            </a:extLst>
+          </p:cNvPr>
+          <p:cNvSpPr txBox="1">
+            <a:spLocks/>
+          </p:cNvSpPr>
+          <p:nvPr/>
+        </p:nvSpPr>
+        <p:spPr>
+          <a:xfrm>
+            <a:off x="114677" y="6142311"/>
+            <a:ext cx="5410200" cy="414367"/>
+          </a:xfrm>
+          <a:prstGeom prst="rect">
+            <a:avLst/>
+          </a:prstGeom>
+        </p:spPr>
+        <p:txBody>
+          <a:bodyPr vert="horz" lIns="91440" tIns="45720" rIns="91440" bIns="45720" rtlCol="0">
+            <a:noAutofit/>
+          </a:bodyPr>
+          <a:lstStyle>
+            <a:defPPr>
+              <a:defRPr lang="en-US"/>
+            </a:defPPr>
+            <a:lvl1pPr marL="0" algn="l" defTabSz="914400" rtl="0" eaLnBrk="1" latinLnBrk="0" hangingPunct="1">
+              <a:defRPr sz="1800" kern="1200">
+                <a:solidFill>
+                  <a:schemeClr val="tx1"/>
+                </a:solidFill>
+                <a:latin typeface="+mn-lt"/>
+                <a:ea typeface="+mn-ea"/>
+                <a:cs typeface="+mn-cs"/>
+              </a:defRPr>
+            </a:lvl1pPr>
+            <a:lvl2pPr marL="457200" algn="l" defTabSz="914400" rtl="0" eaLnBrk="1" latinLnBrk="0" hangingPunct="1">
+              <a:defRPr sz="1800" kern="1200">
+                <a:solidFill>
+                  <a:schemeClr val="tx1"/>
+                </a:solidFill>
+                <a:latin typeface="+mn-lt"/>
+                <a:ea typeface="+mn-ea"/>
+                <a:cs typeface="+mn-cs"/>
+              </a:defRPr>
+            </a:lvl2pPr>
+            <a:lvl3pPr marL="914400" algn="l" defTabSz="914400" rtl="0" eaLnBrk="1" latinLnBrk="0" hangingPunct="1">
+              <a:defRPr sz="1800" kern="1200">
+                <a:solidFill>
+                  <a:schemeClr val="tx1"/>
+                </a:solidFill>
+                <a:latin typeface="+mn-lt"/>
+                <a:ea typeface="+mn-ea"/>
+                <a:cs typeface="+mn-cs"/>
+              </a:defRPr>
+            </a:lvl3pPr>
+            <a:lvl4pPr marL="1371600" algn="l" defTabSz="914400" rtl="0" eaLnBrk="1" latinLnBrk="0" hangingPunct="1">
+              <a:defRPr sz="1800" kern="1200">
+                <a:solidFill>
+                  <a:schemeClr val="tx1"/>
+                </a:solidFill>
+                <a:latin typeface="+mn-lt"/>
+                <a:ea typeface="+mn-ea"/>
+                <a:cs typeface="+mn-cs"/>
+              </a:defRPr>
+            </a:lvl4pPr>
+            <a:lvl5pPr marL="1828800" algn="l" defTabSz="914400" rtl="0" eaLnBrk="1" latinLnBrk="0" hangingPunct="1">
+              <a:defRPr sz="1800" kern="1200">
+                <a:solidFill>
+                  <a:schemeClr val="tx1"/>
+                </a:solidFill>
+                <a:latin typeface="+mn-lt"/>
+                <a:ea typeface="+mn-ea"/>
+                <a:cs typeface="+mn-cs"/>
+              </a:defRPr>
+            </a:lvl5pPr>
+            <a:lvl6pPr marL="2286000" algn="l" defTabSz="914400" rtl="0" eaLnBrk="1" latinLnBrk="0" hangingPunct="1">
+              <a:defRPr sz="1800" kern="1200">
+                <a:solidFill>
+                  <a:schemeClr val="tx1"/>
+                </a:solidFill>
+                <a:latin typeface="+mn-lt"/>
+                <a:ea typeface="+mn-ea"/>
+                <a:cs typeface="+mn-cs"/>
+              </a:defRPr>
+            </a:lvl6pPr>
+            <a:lvl7pPr marL="2743200" algn="l" defTabSz="914400" rtl="0" eaLnBrk="1" latinLnBrk="0" hangingPunct="1">
+              <a:defRPr sz="1800" kern="1200">
+                <a:solidFill>
+                  <a:schemeClr val="tx1"/>
+                </a:solidFill>
+                <a:latin typeface="+mn-lt"/>
+                <a:ea typeface="+mn-ea"/>
+                <a:cs typeface="+mn-cs"/>
+              </a:defRPr>
+            </a:lvl7pPr>
+            <a:lvl8pPr marL="3200400" algn="l" defTabSz="914400" rtl="0" eaLnBrk="1" latinLnBrk="0" hangingPunct="1">
+              <a:defRPr sz="1800" kern="1200">
+                <a:solidFill>
+                  <a:schemeClr val="tx1"/>
+                </a:solidFill>
+                <a:latin typeface="+mn-lt"/>
+                <a:ea typeface="+mn-ea"/>
+                <a:cs typeface="+mn-cs"/>
+              </a:defRPr>
+            </a:lvl8pPr>
+            <a:lvl9pPr marL="3657600" algn="l" defTabSz="914400" rtl="0" eaLnBrk="1" latinLnBrk="0" hangingPunct="1">
+              <a:defRPr sz="1800" kern="1200">
+                <a:solidFill>
+                  <a:schemeClr val="tx1"/>
+                </a:solidFill>
+                <a:latin typeface="+mn-lt"/>
+                <a:ea typeface="+mn-ea"/>
+                <a:cs typeface="+mn-cs"/>
+              </a:defRPr>
+            </a:lvl9pPr>
+          </a:lstStyle>
+          <a:p>
+            <a:pPr algn="l"/>
+            <a:r>
+              <a:rPr lang="th-TH" sz="2400" dirty="0">
+                <a:latin typeface="TH SarabunPSK" panose="020B0500040200020003" pitchFamily="34" charset="-34"/>
+                <a:cs typeface="TH SarabunPSK" panose="020B0500040200020003" pitchFamily="34" charset="-34"/>
+              </a:rPr>
+              <a:t>โดย ผศ</a:t>
+            </a:r>
+            <a:r>
+              <a:rPr lang="en-US" sz="2400" dirty="0">
+                <a:latin typeface="TH SarabunPSK" panose="020B0500040200020003" pitchFamily="34" charset="-34"/>
+                <a:cs typeface="TH SarabunPSK" panose="020B0500040200020003" pitchFamily="34" charset="-34"/>
+              </a:rPr>
+              <a:t>. </a:t>
+            </a:r>
+            <a:r>
+              <a:rPr lang="th-TH" sz="2400" dirty="0">
+                <a:latin typeface="TH SarabunPSK" panose="020B0500040200020003" pitchFamily="34" charset="-34"/>
+                <a:cs typeface="TH SarabunPSK" panose="020B0500040200020003" pitchFamily="34" charset="-34"/>
+              </a:rPr>
+              <a:t>ดร</a:t>
+            </a:r>
+            <a:r>
+              <a:rPr lang="en-US" sz="2400" dirty="0">
+                <a:latin typeface="TH SarabunPSK" panose="020B0500040200020003" pitchFamily="34" charset="-34"/>
+                <a:cs typeface="TH SarabunPSK" panose="020B0500040200020003" pitchFamily="34" charset="-34"/>
+              </a:rPr>
+              <a:t>.</a:t>
+            </a:r>
+            <a:r>
+              <a:rPr lang="th-TH" sz="2400" dirty="0">
+                <a:latin typeface="TH SarabunPSK" panose="020B0500040200020003" pitchFamily="34" charset="-34"/>
+                <a:cs typeface="TH SarabunPSK" panose="020B0500040200020003" pitchFamily="34" charset="-34"/>
+              </a:rPr>
+              <a:t>ธนพงศ์ อินทระ สาขาวิชาสถิติ มหาวิทยาลัยขอนแก่น </a:t>
+            </a:r>
+          </a:p>
+        </p:txBody>
+      </p:sp>
     </p:spTree>
     <p:extLst>
       <p:ext uri="{BB962C8B-B14F-4D97-AF65-F5344CB8AC3E}">
@@ -23497,6 +27552,168 @@
           </a:p>
         </p:txBody>
       </p:sp>
+      <p:sp>
+        <p:nvSpPr>
+          <p:cNvPr id="9" name="Content Placeholder 2">
+            <a:extLst>
+              <a:ext uri="{FF2B5EF4-FFF2-40B4-BE49-F238E27FC236}">
+                <a16:creationId xmlns:a16="http://schemas.microsoft.com/office/drawing/2014/main" id="{4C6B9C9F-AA6F-DF78-0DB1-C50D06014A07}"/>
+              </a:ext>
+            </a:extLst>
+          </p:cNvPr>
+          <p:cNvSpPr txBox="1">
+            <a:spLocks/>
+          </p:cNvSpPr>
+          <p:nvPr/>
+        </p:nvSpPr>
+        <p:spPr>
+          <a:xfrm>
+            <a:off x="114677" y="6142311"/>
+            <a:ext cx="5410200" cy="414367"/>
+          </a:xfrm>
+          <a:prstGeom prst="rect">
+            <a:avLst/>
+          </a:prstGeom>
+        </p:spPr>
+        <p:txBody>
+          <a:bodyPr vert="horz" lIns="91440" tIns="45720" rIns="91440" bIns="45720" rtlCol="0">
+            <a:noAutofit/>
+          </a:bodyPr>
+          <a:lstStyle>
+            <a:defPPr>
+              <a:defRPr lang="en-US"/>
+            </a:defPPr>
+            <a:lvl1pPr marL="0" algn="l" defTabSz="914400" rtl="0" eaLnBrk="1" latinLnBrk="0" hangingPunct="1">
+              <a:defRPr sz="1800" kern="1200">
+                <a:solidFill>
+                  <a:schemeClr val="tx1"/>
+                </a:solidFill>
+                <a:latin typeface="+mn-lt"/>
+                <a:ea typeface="+mn-ea"/>
+                <a:cs typeface="+mn-cs"/>
+              </a:defRPr>
+            </a:lvl1pPr>
+            <a:lvl2pPr marL="457200" algn="l" defTabSz="914400" rtl="0" eaLnBrk="1" latinLnBrk="0" hangingPunct="1">
+              <a:defRPr sz="1800" kern="1200">
+                <a:solidFill>
+                  <a:schemeClr val="tx1"/>
+                </a:solidFill>
+                <a:latin typeface="+mn-lt"/>
+                <a:ea typeface="+mn-ea"/>
+                <a:cs typeface="+mn-cs"/>
+              </a:defRPr>
+            </a:lvl2pPr>
+            <a:lvl3pPr marL="914400" algn="l" defTabSz="914400" rtl="0" eaLnBrk="1" latinLnBrk="0" hangingPunct="1">
+              <a:defRPr sz="1800" kern="1200">
+                <a:solidFill>
+                  <a:schemeClr val="tx1"/>
+                </a:solidFill>
+                <a:latin typeface="+mn-lt"/>
+                <a:ea typeface="+mn-ea"/>
+                <a:cs typeface="+mn-cs"/>
+              </a:defRPr>
+            </a:lvl3pPr>
+            <a:lvl4pPr marL="1371600" algn="l" defTabSz="914400" rtl="0" eaLnBrk="1" latinLnBrk="0" hangingPunct="1">
+              <a:defRPr sz="1800" kern="1200">
+                <a:solidFill>
+                  <a:schemeClr val="tx1"/>
+                </a:solidFill>
+                <a:latin typeface="+mn-lt"/>
+                <a:ea typeface="+mn-ea"/>
+                <a:cs typeface="+mn-cs"/>
+              </a:defRPr>
+            </a:lvl4pPr>
+            <a:lvl5pPr marL="1828800" algn="l" defTabSz="914400" rtl="0" eaLnBrk="1" latinLnBrk="0" hangingPunct="1">
+              <a:defRPr sz="1800" kern="1200">
+                <a:solidFill>
+                  <a:schemeClr val="tx1"/>
+                </a:solidFill>
+                <a:latin typeface="+mn-lt"/>
+                <a:ea typeface="+mn-ea"/>
+                <a:cs typeface="+mn-cs"/>
+              </a:defRPr>
+            </a:lvl5pPr>
+            <a:lvl6pPr marL="2286000" algn="l" defTabSz="914400" rtl="0" eaLnBrk="1" latinLnBrk="0" hangingPunct="1">
+              <a:defRPr sz="1800" kern="1200">
+                <a:solidFill>
+                  <a:schemeClr val="tx1"/>
+                </a:solidFill>
+                <a:latin typeface="+mn-lt"/>
+                <a:ea typeface="+mn-ea"/>
+                <a:cs typeface="+mn-cs"/>
+              </a:defRPr>
+            </a:lvl6pPr>
+            <a:lvl7pPr marL="2743200" algn="l" defTabSz="914400" rtl="0" eaLnBrk="1" latinLnBrk="0" hangingPunct="1">
+              <a:defRPr sz="1800" kern="1200">
+                <a:solidFill>
+                  <a:schemeClr val="tx1"/>
+                </a:solidFill>
+                <a:latin typeface="+mn-lt"/>
+                <a:ea typeface="+mn-ea"/>
+                <a:cs typeface="+mn-cs"/>
+              </a:defRPr>
+            </a:lvl7pPr>
+            <a:lvl8pPr marL="3200400" algn="l" defTabSz="914400" rtl="0" eaLnBrk="1" latinLnBrk="0" hangingPunct="1">
+              <a:defRPr sz="1800" kern="1200">
+                <a:solidFill>
+                  <a:schemeClr val="tx1"/>
+                </a:solidFill>
+                <a:latin typeface="+mn-lt"/>
+                <a:ea typeface="+mn-ea"/>
+                <a:cs typeface="+mn-cs"/>
+              </a:defRPr>
+            </a:lvl8pPr>
+            <a:lvl9pPr marL="3657600" algn="l" defTabSz="914400" rtl="0" eaLnBrk="1" latinLnBrk="0" hangingPunct="1">
+              <a:defRPr sz="1800" kern="1200">
+                <a:solidFill>
+                  <a:schemeClr val="tx1"/>
+                </a:solidFill>
+                <a:latin typeface="+mn-lt"/>
+                <a:ea typeface="+mn-ea"/>
+                <a:cs typeface="+mn-cs"/>
+              </a:defRPr>
+            </a:lvl9pPr>
+          </a:lstStyle>
+          <a:p>
+            <a:pPr algn="l"/>
+            <a:r>
+              <a:rPr lang="th-TH" sz="2400" dirty="0">
+                <a:latin typeface="TH SarabunPSK" panose="020B0500040200020003" pitchFamily="34" charset="-34"/>
+                <a:cs typeface="TH SarabunPSK" panose="020B0500040200020003" pitchFamily="34" charset="-34"/>
+              </a:rPr>
+              <a:t>โดย ผศ</a:t>
+            </a:r>
+            <a:r>
+              <a:rPr lang="en-US" sz="2400" dirty="0">
+                <a:latin typeface="TH SarabunPSK" panose="020B0500040200020003" pitchFamily="34" charset="-34"/>
+                <a:cs typeface="TH SarabunPSK" panose="020B0500040200020003" pitchFamily="34" charset="-34"/>
+              </a:rPr>
+              <a:t>. </a:t>
+            </a:r>
+            <a:r>
+              <a:rPr lang="th-TH" sz="2400" dirty="0">
+                <a:latin typeface="TH SarabunPSK" panose="020B0500040200020003" pitchFamily="34" charset="-34"/>
+                <a:cs typeface="TH SarabunPSK" panose="020B0500040200020003" pitchFamily="34" charset="-34"/>
+              </a:rPr>
+              <a:t>ดร</a:t>
+            </a:r>
+            <a:r>
+              <a:rPr lang="en-US" sz="2400" dirty="0">
+                <a:latin typeface="TH SarabunPSK" panose="020B0500040200020003" pitchFamily="34" charset="-34"/>
+                <a:cs typeface="TH SarabunPSK" panose="020B0500040200020003" pitchFamily="34" charset="-34"/>
+              </a:rPr>
+              <a:t>.</a:t>
+            </a:r>
+            <a:r>
+              <a:rPr lang="th-TH" sz="2400" dirty="0">
+                <a:latin typeface="TH SarabunPSK" panose="020B0500040200020003" pitchFamily="34" charset="-34"/>
+                <a:cs typeface="TH SarabunPSK" panose="020B0500040200020003" pitchFamily="34" charset="-34"/>
+              </a:rPr>
+              <a:t>ธนพงศ์ อินทระ สาขาวิชาสถิติ มหาวิทยาลัยขอนแก่น </a:t>
+            </a:r>
+          </a:p>
+        </p:txBody>
+      </p:sp>
     </p:spTree>
     <p:extLst>
       <p:ext uri="{BB962C8B-B14F-4D97-AF65-F5344CB8AC3E}">
@@ -24151,6 +28368,168 @@
               <a:latin typeface="TH SarabunPSK" panose="020B0500040200020003" pitchFamily="34" charset="-34"/>
               <a:cs typeface="TH SarabunPSK" panose="020B0500040200020003" pitchFamily="34" charset="-34"/>
             </a:endParaRPr>
+          </a:p>
+        </p:txBody>
+      </p:sp>
+      <p:sp>
+        <p:nvSpPr>
+          <p:cNvPr id="9" name="Content Placeholder 2">
+            <a:extLst>
+              <a:ext uri="{FF2B5EF4-FFF2-40B4-BE49-F238E27FC236}">
+                <a16:creationId xmlns:a16="http://schemas.microsoft.com/office/drawing/2014/main" id="{7CC06A2C-554B-E02F-C16A-500CA354A512}"/>
+              </a:ext>
+            </a:extLst>
+          </p:cNvPr>
+          <p:cNvSpPr txBox="1">
+            <a:spLocks/>
+          </p:cNvSpPr>
+          <p:nvPr/>
+        </p:nvSpPr>
+        <p:spPr>
+          <a:xfrm>
+            <a:off x="114677" y="6142311"/>
+            <a:ext cx="5410200" cy="414367"/>
+          </a:xfrm>
+          <a:prstGeom prst="rect">
+            <a:avLst/>
+          </a:prstGeom>
+        </p:spPr>
+        <p:txBody>
+          <a:bodyPr vert="horz" lIns="91440" tIns="45720" rIns="91440" bIns="45720" rtlCol="0">
+            <a:noAutofit/>
+          </a:bodyPr>
+          <a:lstStyle>
+            <a:defPPr>
+              <a:defRPr lang="en-US"/>
+            </a:defPPr>
+            <a:lvl1pPr marL="0" algn="l" defTabSz="914400" rtl="0" eaLnBrk="1" latinLnBrk="0" hangingPunct="1">
+              <a:defRPr sz="1800" kern="1200">
+                <a:solidFill>
+                  <a:schemeClr val="tx1"/>
+                </a:solidFill>
+                <a:latin typeface="+mn-lt"/>
+                <a:ea typeface="+mn-ea"/>
+                <a:cs typeface="+mn-cs"/>
+              </a:defRPr>
+            </a:lvl1pPr>
+            <a:lvl2pPr marL="457200" algn="l" defTabSz="914400" rtl="0" eaLnBrk="1" latinLnBrk="0" hangingPunct="1">
+              <a:defRPr sz="1800" kern="1200">
+                <a:solidFill>
+                  <a:schemeClr val="tx1"/>
+                </a:solidFill>
+                <a:latin typeface="+mn-lt"/>
+                <a:ea typeface="+mn-ea"/>
+                <a:cs typeface="+mn-cs"/>
+              </a:defRPr>
+            </a:lvl2pPr>
+            <a:lvl3pPr marL="914400" algn="l" defTabSz="914400" rtl="0" eaLnBrk="1" latinLnBrk="0" hangingPunct="1">
+              <a:defRPr sz="1800" kern="1200">
+                <a:solidFill>
+                  <a:schemeClr val="tx1"/>
+                </a:solidFill>
+                <a:latin typeface="+mn-lt"/>
+                <a:ea typeface="+mn-ea"/>
+                <a:cs typeface="+mn-cs"/>
+              </a:defRPr>
+            </a:lvl3pPr>
+            <a:lvl4pPr marL="1371600" algn="l" defTabSz="914400" rtl="0" eaLnBrk="1" latinLnBrk="0" hangingPunct="1">
+              <a:defRPr sz="1800" kern="1200">
+                <a:solidFill>
+                  <a:schemeClr val="tx1"/>
+                </a:solidFill>
+                <a:latin typeface="+mn-lt"/>
+                <a:ea typeface="+mn-ea"/>
+                <a:cs typeface="+mn-cs"/>
+              </a:defRPr>
+            </a:lvl4pPr>
+            <a:lvl5pPr marL="1828800" algn="l" defTabSz="914400" rtl="0" eaLnBrk="1" latinLnBrk="0" hangingPunct="1">
+              <a:defRPr sz="1800" kern="1200">
+                <a:solidFill>
+                  <a:schemeClr val="tx1"/>
+                </a:solidFill>
+                <a:latin typeface="+mn-lt"/>
+                <a:ea typeface="+mn-ea"/>
+                <a:cs typeface="+mn-cs"/>
+              </a:defRPr>
+            </a:lvl5pPr>
+            <a:lvl6pPr marL="2286000" algn="l" defTabSz="914400" rtl="0" eaLnBrk="1" latinLnBrk="0" hangingPunct="1">
+              <a:defRPr sz="1800" kern="1200">
+                <a:solidFill>
+                  <a:schemeClr val="tx1"/>
+                </a:solidFill>
+                <a:latin typeface="+mn-lt"/>
+                <a:ea typeface="+mn-ea"/>
+                <a:cs typeface="+mn-cs"/>
+              </a:defRPr>
+            </a:lvl6pPr>
+            <a:lvl7pPr marL="2743200" algn="l" defTabSz="914400" rtl="0" eaLnBrk="1" latinLnBrk="0" hangingPunct="1">
+              <a:defRPr sz="1800" kern="1200">
+                <a:solidFill>
+                  <a:schemeClr val="tx1"/>
+                </a:solidFill>
+                <a:latin typeface="+mn-lt"/>
+                <a:ea typeface="+mn-ea"/>
+                <a:cs typeface="+mn-cs"/>
+              </a:defRPr>
+            </a:lvl7pPr>
+            <a:lvl8pPr marL="3200400" algn="l" defTabSz="914400" rtl="0" eaLnBrk="1" latinLnBrk="0" hangingPunct="1">
+              <a:defRPr sz="1800" kern="1200">
+                <a:solidFill>
+                  <a:schemeClr val="tx1"/>
+                </a:solidFill>
+                <a:latin typeface="+mn-lt"/>
+                <a:ea typeface="+mn-ea"/>
+                <a:cs typeface="+mn-cs"/>
+              </a:defRPr>
+            </a:lvl8pPr>
+            <a:lvl9pPr marL="3657600" algn="l" defTabSz="914400" rtl="0" eaLnBrk="1" latinLnBrk="0" hangingPunct="1">
+              <a:defRPr sz="1800" kern="1200">
+                <a:solidFill>
+                  <a:schemeClr val="tx1"/>
+                </a:solidFill>
+                <a:latin typeface="+mn-lt"/>
+                <a:ea typeface="+mn-ea"/>
+                <a:cs typeface="+mn-cs"/>
+              </a:defRPr>
+            </a:lvl9pPr>
+          </a:lstStyle>
+          <a:p>
+            <a:pPr algn="l"/>
+            <a:r>
+              <a:rPr lang="th-TH" sz="2400" dirty="0">
+                <a:latin typeface="TH SarabunPSK" panose="020B0500040200020003" pitchFamily="34" charset="-34"/>
+                <a:cs typeface="TH SarabunPSK" panose="020B0500040200020003" pitchFamily="34" charset="-34"/>
+              </a:rPr>
+              <a:t>โดย ผศ</a:t>
+            </a:r>
+            <a:r>
+              <a:rPr lang="en-US" sz="2400" dirty="0">
+                <a:latin typeface="TH SarabunPSK" panose="020B0500040200020003" pitchFamily="34" charset="-34"/>
+                <a:cs typeface="TH SarabunPSK" panose="020B0500040200020003" pitchFamily="34" charset="-34"/>
+              </a:rPr>
+              <a:t>. </a:t>
+            </a:r>
+            <a:r>
+              <a:rPr lang="th-TH" sz="2400" dirty="0">
+                <a:latin typeface="TH SarabunPSK" panose="020B0500040200020003" pitchFamily="34" charset="-34"/>
+                <a:cs typeface="TH SarabunPSK" panose="020B0500040200020003" pitchFamily="34" charset="-34"/>
+              </a:rPr>
+              <a:t>ดร</a:t>
+            </a:r>
+            <a:r>
+              <a:rPr lang="en-US" sz="2400" dirty="0">
+                <a:latin typeface="TH SarabunPSK" panose="020B0500040200020003" pitchFamily="34" charset="-34"/>
+                <a:cs typeface="TH SarabunPSK" panose="020B0500040200020003" pitchFamily="34" charset="-34"/>
+              </a:rPr>
+              <a:t>.</a:t>
+            </a:r>
+            <a:r>
+              <a:rPr lang="th-TH" sz="2400" dirty="0">
+                <a:latin typeface="TH SarabunPSK" panose="020B0500040200020003" pitchFamily="34" charset="-34"/>
+                <a:cs typeface="TH SarabunPSK" panose="020B0500040200020003" pitchFamily="34" charset="-34"/>
+              </a:rPr>
+              <a:t>ธนพงศ์ อินทระ สาขาวิชาสถิติ มหาวิทยาลัยขอนแก่น </a:t>
+            </a:r>
           </a:p>
         </p:txBody>
       </p:sp>
